--- a/Project_1_Presentation.pptx
+++ b/Project_1_Presentation.pptx
@@ -7,15 +7,16 @@
   <p:sldIdLst>
     <p:sldId id="580" r:id="rId2"/>
     <p:sldId id="623" r:id="rId3"/>
-    <p:sldId id="593" r:id="rId4"/>
-    <p:sldId id="617" r:id="rId5"/>
+    <p:sldId id="617" r:id="rId4"/>
+    <p:sldId id="593" r:id="rId5"/>
     <p:sldId id="616" r:id="rId6"/>
     <p:sldId id="618" r:id="rId7"/>
     <p:sldId id="619" r:id="rId8"/>
     <p:sldId id="620" r:id="rId9"/>
     <p:sldId id="621" r:id="rId10"/>
     <p:sldId id="622" r:id="rId11"/>
-    <p:sldId id="526" r:id="rId12"/>
+    <p:sldId id="624" r:id="rId12"/>
+    <p:sldId id="526" r:id="rId13"/>
   </p:sldIdLst>
   <p:sldSz cx="9144000" cy="6858000" type="screen4x3"/>
   <p:notesSz cx="6858000" cy="9144000"/>
@@ -2453,6 +2454,128 @@
           <a:chExt cx="0" cy="0"/>
         </a:xfrm>
       </p:grpSpPr>
+      <p:sp>
+        <p:nvSpPr>
+          <p:cNvPr id="2" name="Title 1">
+            <a:extLst>
+              <a:ext uri="{FF2B5EF4-FFF2-40B4-BE49-F238E27FC236}">
+                <a16:creationId xmlns:a16="http://schemas.microsoft.com/office/drawing/2014/main" id="{5CC29EB2-C5CD-40BB-889E-3BACD6D41B34}"/>
+              </a:ext>
+            </a:extLst>
+          </p:cNvPr>
+          <p:cNvSpPr>
+            <a:spLocks noGrp="1"/>
+          </p:cNvSpPr>
+          <p:nvPr>
+            <p:ph type="title"/>
+          </p:nvPr>
+        </p:nvSpPr>
+        <p:spPr/>
+        <p:txBody>
+          <a:bodyPr/>
+          <a:lstStyle/>
+          <a:p>
+            <a:r>
+              <a:rPr lang="en-US" dirty="0"/>
+              <a:t>Conclusion</a:t>
+            </a:r>
+          </a:p>
+        </p:txBody>
+      </p:sp>
+      <p:sp>
+        <p:nvSpPr>
+          <p:cNvPr id="3" name="Content Placeholder 2">
+            <a:extLst>
+              <a:ext uri="{FF2B5EF4-FFF2-40B4-BE49-F238E27FC236}">
+                <a16:creationId xmlns:a16="http://schemas.microsoft.com/office/drawing/2014/main" id="{DEA49BF9-985B-42D6-A10D-66771978BCFA}"/>
+              </a:ext>
+            </a:extLst>
+          </p:cNvPr>
+          <p:cNvSpPr>
+            <a:spLocks noGrp="1"/>
+          </p:cNvSpPr>
+          <p:nvPr>
+            <p:ph idx="1"/>
+          </p:nvPr>
+        </p:nvSpPr>
+        <p:spPr/>
+        <p:txBody>
+          <a:bodyPr/>
+          <a:lstStyle/>
+          <a:p>
+            <a:r>
+              <a:rPr lang="en-US" sz="2400" b="1" u="sng" dirty="0"/>
+              <a:t>Key Takeaways</a:t>
+            </a:r>
+            <a:r>
+              <a:rPr lang="en-US" sz="2400" dirty="0"/>
+              <a:t>:</a:t>
+            </a:r>
+          </a:p>
+          <a:p>
+            <a:endParaRPr lang="en-US" sz="2400" dirty="0"/>
+          </a:p>
+          <a:p>
+            <a:pPr lvl="1"/>
+            <a:r>
+              <a:rPr lang="en-US" sz="1800" dirty="0"/>
+              <a:t>Colorado, California, Michigan, Oregon, and Texas are the largest markets with the widest variety of products</a:t>
+            </a:r>
+          </a:p>
+          <a:p>
+            <a:pPr lvl="1"/>
+            <a:endParaRPr lang="en-US" sz="1800" dirty="0"/>
+          </a:p>
+          <a:p>
+            <a:pPr lvl="1"/>
+            <a:r>
+              <a:rPr lang="en-US" sz="1800" dirty="0"/>
+              <a:t>There is a strong relationship between Alcohol by Volume and International Bitterness Units, and beers can be accurately classified based on these metrics</a:t>
+            </a:r>
+          </a:p>
+          <a:p>
+            <a:pPr lvl="1"/>
+            <a:endParaRPr lang="en-US" sz="1800" dirty="0"/>
+          </a:p>
+          <a:p>
+            <a:pPr lvl="1"/>
+            <a:r>
+              <a:rPr lang="en-US" sz="1800" dirty="0"/>
+              <a:t>International Bitterness Units are missing in the data more often than not. Models for imputing these data are accurate, but should be taken with a grain of salt</a:t>
+            </a:r>
+          </a:p>
+        </p:txBody>
+      </p:sp>
+    </p:spTree>
+    <p:extLst>
+      <p:ext uri="{BB962C8B-B14F-4D97-AF65-F5344CB8AC3E}">
+        <p14:creationId xmlns:p14="http://schemas.microsoft.com/office/powerpoint/2010/main" val="3709961348"/>
+      </p:ext>
+    </p:extLst>
+  </p:cSld>
+  <p:clrMapOvr>
+    <a:masterClrMapping/>
+  </p:clrMapOvr>
+</p:sld>
+</file>
+
+<file path=ppt/slides/slide12.xml><?xml version="1.0" encoding="utf-8"?>
+<p:sld xmlns:a="http://schemas.openxmlformats.org/drawingml/2006/main" xmlns:r="http://schemas.openxmlformats.org/officeDocument/2006/relationships" xmlns:p="http://schemas.openxmlformats.org/presentationml/2006/main">
+  <p:cSld>
+    <p:spTree>
+      <p:nvGrpSpPr>
+        <p:cNvPr id="1" name=""/>
+        <p:cNvGrpSpPr/>
+        <p:nvPr/>
+      </p:nvGrpSpPr>
+      <p:grpSpPr>
+        <a:xfrm>
+          <a:off x="0" y="0"/>
+          <a:ext cx="0" cy="0"/>
+          <a:chOff x="0" y="0"/>
+          <a:chExt cx="0" cy="0"/>
+        </a:xfrm>
+      </p:grpSpPr>
     </p:spTree>
     <p:extLst>
       <p:ext uri="{BB962C8B-B14F-4D97-AF65-F5344CB8AC3E}">
@@ -2631,121 +2754,4768 @@
           <a:bodyPr/>
           <a:lstStyle/>
           <a:p>
-            <a:pPr marL="215900" lvl="0" algn="l">
-              <a:lnSpc>
-                <a:spcPct val="115000"/>
-              </a:lnSpc>
-              <a:spcBef>
-                <a:spcPts val="0"/>
-              </a:spcBef>
-              <a:buClr>
-                <a:schemeClr val="dk1"/>
-              </a:buClr>
-              <a:buSzPts val="1100"/>
-            </a:pPr>
             <a:r>
-              <a:rPr lang="en-US" sz="3200" dirty="0"/>
-              <a:t>How many breweries are present in each state?</a:t>
+              <a:rPr lang="en-US" dirty="0"/>
+              <a:t>Working Data Set</a:t>
             </a:r>
           </a:p>
         </p:txBody>
       </p:sp>
-      <p:pic>
-        <p:nvPicPr>
-          <p:cNvPr id="5" name="table">
+      <p:graphicFrame>
+        <p:nvGraphicFramePr>
+          <p:cNvPr id="8" name="Content Placeholder 7">
             <a:extLst>
               <a:ext uri="{FF2B5EF4-FFF2-40B4-BE49-F238E27FC236}">
-                <a16:creationId xmlns:a16="http://schemas.microsoft.com/office/drawing/2014/main" id="{BE905CC7-864E-4D01-B607-8631D460EDA0}"/>
+                <a16:creationId xmlns:a16="http://schemas.microsoft.com/office/drawing/2014/main" id="{6B09A3EE-3D2C-4B7E-87D3-9DCAB7162E30}"/>
               </a:ext>
             </a:extLst>
           </p:cNvPr>
-          <p:cNvPicPr>
-            <a:picLocks noGrp="1" noChangeAspect="1"/>
-          </p:cNvPicPr>
+          <p:cNvGraphicFramePr>
+            <a:graphicFrameLocks noGrp="1"/>
+          </p:cNvGraphicFramePr>
           <p:nvPr>
             <p:ph idx="1"/>
+            <p:extLst>
+              <p:ext uri="{D42A27DB-BD31-4B8C-83A1-F6EECF244321}">
+                <p14:modId xmlns:p14="http://schemas.microsoft.com/office/powerpoint/2010/main" val="72449657"/>
+              </p:ext>
+            </p:extLst>
           </p:nvPr>
-        </p:nvPicPr>
-        <p:blipFill>
-          <a:blip r:embed="rId2"/>
-          <a:stretch>
-            <a:fillRect/>
-          </a:stretch>
-        </p:blipFill>
-        <p:spPr>
-          <a:xfrm>
-            <a:off x="533232" y="1595437"/>
-            <a:ext cx="1732154" cy="3667125"/>
-          </a:xfrm>
-          <a:prstGeom prst="rect">
-            <a:avLst/>
-          </a:prstGeom>
-        </p:spPr>
-      </p:pic>
-      <p:pic>
-        <p:nvPicPr>
-          <p:cNvPr id="6" name="table">
-            <a:extLst>
-              <a:ext uri="{FF2B5EF4-FFF2-40B4-BE49-F238E27FC236}">
-                <a16:creationId xmlns:a16="http://schemas.microsoft.com/office/drawing/2014/main" id="{C405497E-21DE-4ABC-A3BC-09DEAB59B048}"/>
-              </a:ext>
-            </a:extLst>
-          </p:cNvPr>
-          <p:cNvPicPr>
-            <a:picLocks noChangeAspect="1"/>
-          </p:cNvPicPr>
-          <p:nvPr/>
-        </p:nvPicPr>
-        <p:blipFill>
-          <a:blip r:embed="rId3"/>
-          <a:stretch>
-            <a:fillRect/>
-          </a:stretch>
-        </p:blipFill>
-        <p:spPr>
-          <a:xfrm>
-            <a:off x="3757325" y="1313774"/>
-            <a:ext cx="1629350" cy="4230450"/>
-          </a:xfrm>
-          <a:prstGeom prst="rect">
-            <a:avLst/>
-          </a:prstGeom>
-        </p:spPr>
-      </p:pic>
-      <p:pic>
-        <p:nvPicPr>
-          <p:cNvPr id="7" name="table">
-            <a:extLst>
-              <a:ext uri="{FF2B5EF4-FFF2-40B4-BE49-F238E27FC236}">
-                <a16:creationId xmlns:a16="http://schemas.microsoft.com/office/drawing/2014/main" id="{B960786D-A708-4510-9D87-37B1930C138C}"/>
-              </a:ext>
-            </a:extLst>
-          </p:cNvPr>
-          <p:cNvPicPr>
-            <a:picLocks noChangeAspect="1"/>
-          </p:cNvPicPr>
-          <p:nvPr/>
-        </p:nvPicPr>
-        <p:blipFill>
-          <a:blip r:embed="rId4"/>
-          <a:stretch>
-            <a:fillRect/>
-          </a:stretch>
-        </p:blipFill>
-        <p:spPr>
-          <a:xfrm>
-            <a:off x="6584372" y="1595437"/>
-            <a:ext cx="1905000" cy="2600325"/>
-          </a:xfrm>
-          <a:prstGeom prst="rect">
-            <a:avLst/>
-          </a:prstGeom>
-        </p:spPr>
-      </p:pic>
+        </p:nvGraphicFramePr>
+        <p:xfrm>
+          <a:off x="457200" y="3078643"/>
+          <a:ext cx="8229599" cy="1329170"/>
+        </p:xfrm>
+        <a:graphic>
+          <a:graphicData uri="http://schemas.openxmlformats.org/drawingml/2006/table">
+            <a:tbl>
+              <a:tblPr/>
+              <a:tblGrid>
+                <a:gridCol w="882531">
+                  <a:extLst>
+                    <a:ext uri="{9D8B030D-6E8A-4147-A177-3AD203B41FA5}">
+                      <a16:colId xmlns:a16="http://schemas.microsoft.com/office/drawing/2014/main" val="1831755050"/>
+                    </a:ext>
+                  </a:extLst>
+                </a:gridCol>
+                <a:gridCol w="893562">
+                  <a:extLst>
+                    <a:ext uri="{9D8B030D-6E8A-4147-A177-3AD203B41FA5}">
+                      <a16:colId xmlns:a16="http://schemas.microsoft.com/office/drawing/2014/main" val="5238402"/>
+                    </a:ext>
+                  </a:extLst>
+                </a:gridCol>
+                <a:gridCol w="717056">
+                  <a:extLst>
+                    <a:ext uri="{9D8B030D-6E8A-4147-A177-3AD203B41FA5}">
+                      <a16:colId xmlns:a16="http://schemas.microsoft.com/office/drawing/2014/main" val="1263971128"/>
+                    </a:ext>
+                  </a:extLst>
+                </a:gridCol>
+                <a:gridCol w="540550">
+                  <a:extLst>
+                    <a:ext uri="{9D8B030D-6E8A-4147-A177-3AD203B41FA5}">
+                      <a16:colId xmlns:a16="http://schemas.microsoft.com/office/drawing/2014/main" val="2371268513"/>
+                    </a:ext>
+                  </a:extLst>
+                </a:gridCol>
+                <a:gridCol w="507455">
+                  <a:extLst>
+                    <a:ext uri="{9D8B030D-6E8A-4147-A177-3AD203B41FA5}">
+                      <a16:colId xmlns:a16="http://schemas.microsoft.com/office/drawing/2014/main" val="1107521004"/>
+                    </a:ext>
+                  </a:extLst>
+                </a:gridCol>
+                <a:gridCol w="1739506">
+                  <a:extLst>
+                    <a:ext uri="{9D8B030D-6E8A-4147-A177-3AD203B41FA5}">
+                      <a16:colId xmlns:a16="http://schemas.microsoft.com/office/drawing/2014/main" val="1100542854"/>
+                    </a:ext>
+                  </a:extLst>
+                </a:gridCol>
+                <a:gridCol w="632296">
+                  <a:extLst>
+                    <a:ext uri="{9D8B030D-6E8A-4147-A177-3AD203B41FA5}">
+                      <a16:colId xmlns:a16="http://schemas.microsoft.com/office/drawing/2014/main" val="358591577"/>
+                    </a:ext>
+                  </a:extLst>
+                </a:gridCol>
+                <a:gridCol w="1081100">
+                  <a:extLst>
+                    <a:ext uri="{9D8B030D-6E8A-4147-A177-3AD203B41FA5}">
+                      <a16:colId xmlns:a16="http://schemas.microsoft.com/office/drawing/2014/main" val="367693670"/>
+                    </a:ext>
+                  </a:extLst>
+                </a:gridCol>
+                <a:gridCol w="650866">
+                  <a:extLst>
+                    <a:ext uri="{9D8B030D-6E8A-4147-A177-3AD203B41FA5}">
+                      <a16:colId xmlns:a16="http://schemas.microsoft.com/office/drawing/2014/main" val="2145114927"/>
+                    </a:ext>
+                  </a:extLst>
+                </a:gridCol>
+                <a:gridCol w="584677">
+                  <a:extLst>
+                    <a:ext uri="{9D8B030D-6E8A-4147-A177-3AD203B41FA5}">
+                      <a16:colId xmlns:a16="http://schemas.microsoft.com/office/drawing/2014/main" val="1695582176"/>
+                    </a:ext>
+                  </a:extLst>
+                </a:gridCol>
+              </a:tblGrid>
+              <a:tr h="167260">
+                <a:tc>
+                  <a:txBody>
+                    <a:bodyPr/>
+                    <a:lstStyle/>
+                    <a:p>
+                      <a:pPr algn="ctr" fontAlgn="b"/>
+                      <a:r>
+                        <a:rPr lang="en-US" sz="1000" b="1" i="0" u="none" strike="noStrike">
+                          <a:solidFill>
+                            <a:srgbClr val="FFFFFF"/>
+                          </a:solidFill>
+                          <a:effectLst/>
+                          <a:latin typeface="Calibri" panose="020F0502020204030204" pitchFamily="34" charset="0"/>
+                        </a:rPr>
+                        <a:t>Brewery_id</a:t>
+                      </a:r>
+                    </a:p>
+                  </a:txBody>
+                  <a:tcPr marL="6619" marR="6619" marT="6619" marB="0" anchor="b">
+                    <a:lnL w="6350" cap="flat" cmpd="sng" algn="ctr">
+                      <a:solidFill>
+                        <a:srgbClr val="000000"/>
+                      </a:solidFill>
+                      <a:prstDash val="solid"/>
+                      <a:round/>
+                      <a:headEnd type="none" w="med" len="med"/>
+                      <a:tailEnd type="none" w="med" len="med"/>
+                    </a:lnL>
+                    <a:lnR w="6350" cap="flat" cmpd="sng" algn="ctr">
+                      <a:solidFill>
+                        <a:srgbClr val="000000"/>
+                      </a:solidFill>
+                      <a:prstDash val="solid"/>
+                      <a:round/>
+                      <a:headEnd type="none" w="med" len="med"/>
+                      <a:tailEnd type="none" w="med" len="med"/>
+                    </a:lnR>
+                    <a:lnT w="6350" cap="flat" cmpd="sng" algn="ctr">
+                      <a:solidFill>
+                        <a:srgbClr val="000000"/>
+                      </a:solidFill>
+                      <a:prstDash val="solid"/>
+                      <a:round/>
+                      <a:headEnd type="none" w="med" len="med"/>
+                      <a:tailEnd type="none" w="med" len="med"/>
+                    </a:lnT>
+                    <a:lnB w="6350" cap="flat" cmpd="sng" algn="ctr">
+                      <a:solidFill>
+                        <a:srgbClr val="000000"/>
+                      </a:solidFill>
+                      <a:prstDash val="solid"/>
+                      <a:round/>
+                      <a:headEnd type="none" w="med" len="med"/>
+                      <a:tailEnd type="none" w="med" len="med"/>
+                    </a:lnB>
+                    <a:solidFill>
+                      <a:srgbClr val="4472C4"/>
+                    </a:solidFill>
+                  </a:tcPr>
+                </a:tc>
+                <a:tc>
+                  <a:txBody>
+                    <a:bodyPr/>
+                    <a:lstStyle/>
+                    <a:p>
+                      <a:pPr algn="ctr" fontAlgn="b"/>
+                      <a:r>
+                        <a:rPr lang="en-US" sz="1000" b="1" i="0" u="none" strike="noStrike">
+                          <a:solidFill>
+                            <a:srgbClr val="FFFFFF"/>
+                          </a:solidFill>
+                          <a:effectLst/>
+                          <a:latin typeface="Calibri" panose="020F0502020204030204" pitchFamily="34" charset="0"/>
+                        </a:rPr>
+                        <a:t>beer_name</a:t>
+                      </a:r>
+                    </a:p>
+                  </a:txBody>
+                  <a:tcPr marL="6619" marR="6619" marT="6619" marB="0" anchor="b">
+                    <a:lnL w="6350" cap="flat" cmpd="sng" algn="ctr">
+                      <a:solidFill>
+                        <a:srgbClr val="000000"/>
+                      </a:solidFill>
+                      <a:prstDash val="solid"/>
+                      <a:round/>
+                      <a:headEnd type="none" w="med" len="med"/>
+                      <a:tailEnd type="none" w="med" len="med"/>
+                    </a:lnL>
+                    <a:lnR w="6350" cap="flat" cmpd="sng" algn="ctr">
+                      <a:solidFill>
+                        <a:srgbClr val="000000"/>
+                      </a:solidFill>
+                      <a:prstDash val="solid"/>
+                      <a:round/>
+                      <a:headEnd type="none" w="med" len="med"/>
+                      <a:tailEnd type="none" w="med" len="med"/>
+                    </a:lnR>
+                    <a:lnT w="6350" cap="flat" cmpd="sng" algn="ctr">
+                      <a:solidFill>
+                        <a:srgbClr val="000000"/>
+                      </a:solidFill>
+                      <a:prstDash val="solid"/>
+                      <a:round/>
+                      <a:headEnd type="none" w="med" len="med"/>
+                      <a:tailEnd type="none" w="med" len="med"/>
+                    </a:lnT>
+                    <a:lnB w="6350" cap="flat" cmpd="sng" algn="ctr">
+                      <a:solidFill>
+                        <a:srgbClr val="000000"/>
+                      </a:solidFill>
+                      <a:prstDash val="solid"/>
+                      <a:round/>
+                      <a:headEnd type="none" w="med" len="med"/>
+                      <a:tailEnd type="none" w="med" len="med"/>
+                    </a:lnB>
+                    <a:solidFill>
+                      <a:srgbClr val="4472C4"/>
+                    </a:solidFill>
+                  </a:tcPr>
+                </a:tc>
+                <a:tc>
+                  <a:txBody>
+                    <a:bodyPr/>
+                    <a:lstStyle/>
+                    <a:p>
+                      <a:pPr algn="ctr" fontAlgn="b"/>
+                      <a:r>
+                        <a:rPr lang="en-US" sz="1000" b="1" i="0" u="none" strike="noStrike">
+                          <a:solidFill>
+                            <a:srgbClr val="FFFFFF"/>
+                          </a:solidFill>
+                          <a:effectLst/>
+                          <a:latin typeface="Calibri" panose="020F0502020204030204" pitchFamily="34" charset="0"/>
+                        </a:rPr>
+                        <a:t>Beer_ID</a:t>
+                      </a:r>
+                    </a:p>
+                  </a:txBody>
+                  <a:tcPr marL="6619" marR="6619" marT="6619" marB="0" anchor="b">
+                    <a:lnL w="6350" cap="flat" cmpd="sng" algn="ctr">
+                      <a:solidFill>
+                        <a:srgbClr val="000000"/>
+                      </a:solidFill>
+                      <a:prstDash val="solid"/>
+                      <a:round/>
+                      <a:headEnd type="none" w="med" len="med"/>
+                      <a:tailEnd type="none" w="med" len="med"/>
+                    </a:lnL>
+                    <a:lnR w="6350" cap="flat" cmpd="sng" algn="ctr">
+                      <a:solidFill>
+                        <a:srgbClr val="000000"/>
+                      </a:solidFill>
+                      <a:prstDash val="solid"/>
+                      <a:round/>
+                      <a:headEnd type="none" w="med" len="med"/>
+                      <a:tailEnd type="none" w="med" len="med"/>
+                    </a:lnR>
+                    <a:lnT w="6350" cap="flat" cmpd="sng" algn="ctr">
+                      <a:solidFill>
+                        <a:srgbClr val="000000"/>
+                      </a:solidFill>
+                      <a:prstDash val="solid"/>
+                      <a:round/>
+                      <a:headEnd type="none" w="med" len="med"/>
+                      <a:tailEnd type="none" w="med" len="med"/>
+                    </a:lnT>
+                    <a:lnB w="6350" cap="flat" cmpd="sng" algn="ctr">
+                      <a:solidFill>
+                        <a:srgbClr val="000000"/>
+                      </a:solidFill>
+                      <a:prstDash val="solid"/>
+                      <a:round/>
+                      <a:headEnd type="none" w="med" len="med"/>
+                      <a:tailEnd type="none" w="med" len="med"/>
+                    </a:lnB>
+                    <a:solidFill>
+                      <a:srgbClr val="4472C4"/>
+                    </a:solidFill>
+                  </a:tcPr>
+                </a:tc>
+                <a:tc>
+                  <a:txBody>
+                    <a:bodyPr/>
+                    <a:lstStyle/>
+                    <a:p>
+                      <a:pPr algn="ctr" fontAlgn="b"/>
+                      <a:r>
+                        <a:rPr lang="en-US" sz="1000" b="1" i="0" u="none" strike="noStrike">
+                          <a:solidFill>
+                            <a:srgbClr val="FFFFFF"/>
+                          </a:solidFill>
+                          <a:effectLst/>
+                          <a:latin typeface="Calibri" panose="020F0502020204030204" pitchFamily="34" charset="0"/>
+                        </a:rPr>
+                        <a:t>ABV</a:t>
+                      </a:r>
+                    </a:p>
+                  </a:txBody>
+                  <a:tcPr marL="6619" marR="6619" marT="6619" marB="0" anchor="b">
+                    <a:lnL w="6350" cap="flat" cmpd="sng" algn="ctr">
+                      <a:solidFill>
+                        <a:srgbClr val="000000"/>
+                      </a:solidFill>
+                      <a:prstDash val="solid"/>
+                      <a:round/>
+                      <a:headEnd type="none" w="med" len="med"/>
+                      <a:tailEnd type="none" w="med" len="med"/>
+                    </a:lnL>
+                    <a:lnR w="6350" cap="flat" cmpd="sng" algn="ctr">
+                      <a:solidFill>
+                        <a:srgbClr val="000000"/>
+                      </a:solidFill>
+                      <a:prstDash val="solid"/>
+                      <a:round/>
+                      <a:headEnd type="none" w="med" len="med"/>
+                      <a:tailEnd type="none" w="med" len="med"/>
+                    </a:lnR>
+                    <a:lnT w="6350" cap="flat" cmpd="sng" algn="ctr">
+                      <a:solidFill>
+                        <a:srgbClr val="000000"/>
+                      </a:solidFill>
+                      <a:prstDash val="solid"/>
+                      <a:round/>
+                      <a:headEnd type="none" w="med" len="med"/>
+                      <a:tailEnd type="none" w="med" len="med"/>
+                    </a:lnT>
+                    <a:lnB w="6350" cap="flat" cmpd="sng" algn="ctr">
+                      <a:solidFill>
+                        <a:srgbClr val="000000"/>
+                      </a:solidFill>
+                      <a:prstDash val="solid"/>
+                      <a:round/>
+                      <a:headEnd type="none" w="med" len="med"/>
+                      <a:tailEnd type="none" w="med" len="med"/>
+                    </a:lnB>
+                    <a:solidFill>
+                      <a:srgbClr val="4472C4"/>
+                    </a:solidFill>
+                  </a:tcPr>
+                </a:tc>
+                <a:tc>
+                  <a:txBody>
+                    <a:bodyPr/>
+                    <a:lstStyle/>
+                    <a:p>
+                      <a:pPr algn="ctr" fontAlgn="b"/>
+                      <a:r>
+                        <a:rPr lang="en-US" sz="1000" b="1" i="0" u="none" strike="noStrike">
+                          <a:solidFill>
+                            <a:srgbClr val="FFFFFF"/>
+                          </a:solidFill>
+                          <a:effectLst/>
+                          <a:latin typeface="Calibri" panose="020F0502020204030204" pitchFamily="34" charset="0"/>
+                        </a:rPr>
+                        <a:t>IBU</a:t>
+                      </a:r>
+                    </a:p>
+                  </a:txBody>
+                  <a:tcPr marL="6619" marR="6619" marT="6619" marB="0" anchor="b">
+                    <a:lnL w="6350" cap="flat" cmpd="sng" algn="ctr">
+                      <a:solidFill>
+                        <a:srgbClr val="000000"/>
+                      </a:solidFill>
+                      <a:prstDash val="solid"/>
+                      <a:round/>
+                      <a:headEnd type="none" w="med" len="med"/>
+                      <a:tailEnd type="none" w="med" len="med"/>
+                    </a:lnL>
+                    <a:lnR w="6350" cap="flat" cmpd="sng" algn="ctr">
+                      <a:solidFill>
+                        <a:srgbClr val="000000"/>
+                      </a:solidFill>
+                      <a:prstDash val="solid"/>
+                      <a:round/>
+                      <a:headEnd type="none" w="med" len="med"/>
+                      <a:tailEnd type="none" w="med" len="med"/>
+                    </a:lnR>
+                    <a:lnT w="6350" cap="flat" cmpd="sng" algn="ctr">
+                      <a:solidFill>
+                        <a:srgbClr val="000000"/>
+                      </a:solidFill>
+                      <a:prstDash val="solid"/>
+                      <a:round/>
+                      <a:headEnd type="none" w="med" len="med"/>
+                      <a:tailEnd type="none" w="med" len="med"/>
+                    </a:lnT>
+                    <a:lnB w="6350" cap="flat" cmpd="sng" algn="ctr">
+                      <a:solidFill>
+                        <a:srgbClr val="000000"/>
+                      </a:solidFill>
+                      <a:prstDash val="solid"/>
+                      <a:round/>
+                      <a:headEnd type="none" w="med" len="med"/>
+                      <a:tailEnd type="none" w="med" len="med"/>
+                    </a:lnB>
+                    <a:solidFill>
+                      <a:srgbClr val="4472C4"/>
+                    </a:solidFill>
+                  </a:tcPr>
+                </a:tc>
+                <a:tc>
+                  <a:txBody>
+                    <a:bodyPr/>
+                    <a:lstStyle/>
+                    <a:p>
+                      <a:pPr algn="ctr" fontAlgn="b"/>
+                      <a:r>
+                        <a:rPr lang="en-US" sz="1000" b="1" i="0" u="none" strike="noStrike">
+                          <a:solidFill>
+                            <a:srgbClr val="FFFFFF"/>
+                          </a:solidFill>
+                          <a:effectLst/>
+                          <a:latin typeface="Calibri" panose="020F0502020204030204" pitchFamily="34" charset="0"/>
+                        </a:rPr>
+                        <a:t>Style</a:t>
+                      </a:r>
+                    </a:p>
+                  </a:txBody>
+                  <a:tcPr marL="6619" marR="6619" marT="6619" marB="0" anchor="b">
+                    <a:lnL w="6350" cap="flat" cmpd="sng" algn="ctr">
+                      <a:solidFill>
+                        <a:srgbClr val="000000"/>
+                      </a:solidFill>
+                      <a:prstDash val="solid"/>
+                      <a:round/>
+                      <a:headEnd type="none" w="med" len="med"/>
+                      <a:tailEnd type="none" w="med" len="med"/>
+                    </a:lnL>
+                    <a:lnR w="6350" cap="flat" cmpd="sng" algn="ctr">
+                      <a:solidFill>
+                        <a:srgbClr val="000000"/>
+                      </a:solidFill>
+                      <a:prstDash val="solid"/>
+                      <a:round/>
+                      <a:headEnd type="none" w="med" len="med"/>
+                      <a:tailEnd type="none" w="med" len="med"/>
+                    </a:lnR>
+                    <a:lnT w="6350" cap="flat" cmpd="sng" algn="ctr">
+                      <a:solidFill>
+                        <a:srgbClr val="000000"/>
+                      </a:solidFill>
+                      <a:prstDash val="solid"/>
+                      <a:round/>
+                      <a:headEnd type="none" w="med" len="med"/>
+                      <a:tailEnd type="none" w="med" len="med"/>
+                    </a:lnT>
+                    <a:lnB w="6350" cap="flat" cmpd="sng" algn="ctr">
+                      <a:solidFill>
+                        <a:srgbClr val="000000"/>
+                      </a:solidFill>
+                      <a:prstDash val="solid"/>
+                      <a:round/>
+                      <a:headEnd type="none" w="med" len="med"/>
+                      <a:tailEnd type="none" w="med" len="med"/>
+                    </a:lnB>
+                    <a:solidFill>
+                      <a:srgbClr val="4472C4"/>
+                    </a:solidFill>
+                  </a:tcPr>
+                </a:tc>
+                <a:tc>
+                  <a:txBody>
+                    <a:bodyPr/>
+                    <a:lstStyle/>
+                    <a:p>
+                      <a:pPr algn="ctr" fontAlgn="b"/>
+                      <a:r>
+                        <a:rPr lang="en-US" sz="1000" b="1" i="0" u="none" strike="noStrike">
+                          <a:solidFill>
+                            <a:srgbClr val="FFFFFF"/>
+                          </a:solidFill>
+                          <a:effectLst/>
+                          <a:latin typeface="Calibri" panose="020F0502020204030204" pitchFamily="34" charset="0"/>
+                        </a:rPr>
+                        <a:t>Ounces</a:t>
+                      </a:r>
+                    </a:p>
+                  </a:txBody>
+                  <a:tcPr marL="6619" marR="6619" marT="6619" marB="0" anchor="b">
+                    <a:lnL w="6350" cap="flat" cmpd="sng" algn="ctr">
+                      <a:solidFill>
+                        <a:srgbClr val="000000"/>
+                      </a:solidFill>
+                      <a:prstDash val="solid"/>
+                      <a:round/>
+                      <a:headEnd type="none" w="med" len="med"/>
+                      <a:tailEnd type="none" w="med" len="med"/>
+                    </a:lnL>
+                    <a:lnR w="6350" cap="flat" cmpd="sng" algn="ctr">
+                      <a:solidFill>
+                        <a:srgbClr val="000000"/>
+                      </a:solidFill>
+                      <a:prstDash val="solid"/>
+                      <a:round/>
+                      <a:headEnd type="none" w="med" len="med"/>
+                      <a:tailEnd type="none" w="med" len="med"/>
+                    </a:lnR>
+                    <a:lnT w="6350" cap="flat" cmpd="sng" algn="ctr">
+                      <a:solidFill>
+                        <a:srgbClr val="000000"/>
+                      </a:solidFill>
+                      <a:prstDash val="solid"/>
+                      <a:round/>
+                      <a:headEnd type="none" w="med" len="med"/>
+                      <a:tailEnd type="none" w="med" len="med"/>
+                    </a:lnT>
+                    <a:lnB w="6350" cap="flat" cmpd="sng" algn="ctr">
+                      <a:solidFill>
+                        <a:srgbClr val="000000"/>
+                      </a:solidFill>
+                      <a:prstDash val="solid"/>
+                      <a:round/>
+                      <a:headEnd type="none" w="med" len="med"/>
+                      <a:tailEnd type="none" w="med" len="med"/>
+                    </a:lnB>
+                    <a:solidFill>
+                      <a:srgbClr val="4472C4"/>
+                    </a:solidFill>
+                  </a:tcPr>
+                </a:tc>
+                <a:tc>
+                  <a:txBody>
+                    <a:bodyPr/>
+                    <a:lstStyle/>
+                    <a:p>
+                      <a:pPr algn="ctr" fontAlgn="b"/>
+                      <a:r>
+                        <a:rPr lang="en-US" sz="1000" b="1" i="0" u="none" strike="noStrike">
+                          <a:solidFill>
+                            <a:srgbClr val="FFFFFF"/>
+                          </a:solidFill>
+                          <a:effectLst/>
+                          <a:latin typeface="Calibri" panose="020F0502020204030204" pitchFamily="34" charset="0"/>
+                        </a:rPr>
+                        <a:t>brewery_name</a:t>
+                      </a:r>
+                    </a:p>
+                  </a:txBody>
+                  <a:tcPr marL="6619" marR="6619" marT="6619" marB="0" anchor="b">
+                    <a:lnL w="6350" cap="flat" cmpd="sng" algn="ctr">
+                      <a:solidFill>
+                        <a:srgbClr val="000000"/>
+                      </a:solidFill>
+                      <a:prstDash val="solid"/>
+                      <a:round/>
+                      <a:headEnd type="none" w="med" len="med"/>
+                      <a:tailEnd type="none" w="med" len="med"/>
+                    </a:lnL>
+                    <a:lnR w="6350" cap="flat" cmpd="sng" algn="ctr">
+                      <a:solidFill>
+                        <a:srgbClr val="000000"/>
+                      </a:solidFill>
+                      <a:prstDash val="solid"/>
+                      <a:round/>
+                      <a:headEnd type="none" w="med" len="med"/>
+                      <a:tailEnd type="none" w="med" len="med"/>
+                    </a:lnR>
+                    <a:lnT w="6350" cap="flat" cmpd="sng" algn="ctr">
+                      <a:solidFill>
+                        <a:srgbClr val="000000"/>
+                      </a:solidFill>
+                      <a:prstDash val="solid"/>
+                      <a:round/>
+                      <a:headEnd type="none" w="med" len="med"/>
+                      <a:tailEnd type="none" w="med" len="med"/>
+                    </a:lnT>
+                    <a:lnB w="6350" cap="flat" cmpd="sng" algn="ctr">
+                      <a:solidFill>
+                        <a:srgbClr val="000000"/>
+                      </a:solidFill>
+                      <a:prstDash val="solid"/>
+                      <a:round/>
+                      <a:headEnd type="none" w="med" len="med"/>
+                      <a:tailEnd type="none" w="med" len="med"/>
+                    </a:lnB>
+                    <a:solidFill>
+                      <a:srgbClr val="4472C4"/>
+                    </a:solidFill>
+                  </a:tcPr>
+                </a:tc>
+                <a:tc>
+                  <a:txBody>
+                    <a:bodyPr/>
+                    <a:lstStyle/>
+                    <a:p>
+                      <a:pPr algn="ctr" fontAlgn="b"/>
+                      <a:r>
+                        <a:rPr lang="en-US" sz="1000" b="1" i="0" u="none" strike="noStrike">
+                          <a:solidFill>
+                            <a:srgbClr val="FFFFFF"/>
+                          </a:solidFill>
+                          <a:effectLst/>
+                          <a:latin typeface="Calibri" panose="020F0502020204030204" pitchFamily="34" charset="0"/>
+                        </a:rPr>
+                        <a:t>City</a:t>
+                      </a:r>
+                    </a:p>
+                  </a:txBody>
+                  <a:tcPr marL="6619" marR="6619" marT="6619" marB="0" anchor="b">
+                    <a:lnL w="6350" cap="flat" cmpd="sng" algn="ctr">
+                      <a:solidFill>
+                        <a:srgbClr val="000000"/>
+                      </a:solidFill>
+                      <a:prstDash val="solid"/>
+                      <a:round/>
+                      <a:headEnd type="none" w="med" len="med"/>
+                      <a:tailEnd type="none" w="med" len="med"/>
+                    </a:lnL>
+                    <a:lnR w="6350" cap="flat" cmpd="sng" algn="ctr">
+                      <a:solidFill>
+                        <a:srgbClr val="000000"/>
+                      </a:solidFill>
+                      <a:prstDash val="solid"/>
+                      <a:round/>
+                      <a:headEnd type="none" w="med" len="med"/>
+                      <a:tailEnd type="none" w="med" len="med"/>
+                    </a:lnR>
+                    <a:lnT w="6350" cap="flat" cmpd="sng" algn="ctr">
+                      <a:solidFill>
+                        <a:srgbClr val="000000"/>
+                      </a:solidFill>
+                      <a:prstDash val="solid"/>
+                      <a:round/>
+                      <a:headEnd type="none" w="med" len="med"/>
+                      <a:tailEnd type="none" w="med" len="med"/>
+                    </a:lnT>
+                    <a:lnB w="6350" cap="flat" cmpd="sng" algn="ctr">
+                      <a:solidFill>
+                        <a:srgbClr val="000000"/>
+                      </a:solidFill>
+                      <a:prstDash val="solid"/>
+                      <a:round/>
+                      <a:headEnd type="none" w="med" len="med"/>
+                      <a:tailEnd type="none" w="med" len="med"/>
+                    </a:lnB>
+                    <a:solidFill>
+                      <a:srgbClr val="4472C4"/>
+                    </a:solidFill>
+                  </a:tcPr>
+                </a:tc>
+                <a:tc>
+                  <a:txBody>
+                    <a:bodyPr/>
+                    <a:lstStyle/>
+                    <a:p>
+                      <a:pPr algn="ctr" fontAlgn="b"/>
+                      <a:r>
+                        <a:rPr lang="en-US" sz="1000" b="1" i="0" u="none" strike="noStrike">
+                          <a:solidFill>
+                            <a:srgbClr val="FFFFFF"/>
+                          </a:solidFill>
+                          <a:effectLst/>
+                          <a:latin typeface="Calibri" panose="020F0502020204030204" pitchFamily="34" charset="0"/>
+                        </a:rPr>
+                        <a:t>State</a:t>
+                      </a:r>
+                    </a:p>
+                  </a:txBody>
+                  <a:tcPr marL="6619" marR="6619" marT="6619" marB="0" anchor="b">
+                    <a:lnL w="6350" cap="flat" cmpd="sng" algn="ctr">
+                      <a:solidFill>
+                        <a:srgbClr val="000000"/>
+                      </a:solidFill>
+                      <a:prstDash val="solid"/>
+                      <a:round/>
+                      <a:headEnd type="none" w="med" len="med"/>
+                      <a:tailEnd type="none" w="med" len="med"/>
+                    </a:lnL>
+                    <a:lnR w="6350" cap="flat" cmpd="sng" algn="ctr">
+                      <a:solidFill>
+                        <a:srgbClr val="000000"/>
+                      </a:solidFill>
+                      <a:prstDash val="solid"/>
+                      <a:round/>
+                      <a:headEnd type="none" w="med" len="med"/>
+                      <a:tailEnd type="none" w="med" len="med"/>
+                    </a:lnR>
+                    <a:lnT w="6350" cap="flat" cmpd="sng" algn="ctr">
+                      <a:solidFill>
+                        <a:srgbClr val="000000"/>
+                      </a:solidFill>
+                      <a:prstDash val="solid"/>
+                      <a:round/>
+                      <a:headEnd type="none" w="med" len="med"/>
+                      <a:tailEnd type="none" w="med" len="med"/>
+                    </a:lnT>
+                    <a:lnB w="6350" cap="flat" cmpd="sng" algn="ctr">
+                      <a:solidFill>
+                        <a:srgbClr val="000000"/>
+                      </a:solidFill>
+                      <a:prstDash val="solid"/>
+                      <a:round/>
+                      <a:headEnd type="none" w="med" len="med"/>
+                      <a:tailEnd type="none" w="med" len="med"/>
+                    </a:lnB>
+                    <a:solidFill>
+                      <a:srgbClr val="4472C4"/>
+                    </a:solidFill>
+                  </a:tcPr>
+                </a:tc>
+                <a:extLst>
+                  <a:ext uri="{0D108BD9-81ED-4DB2-BD59-A6C34878D82A}">
+                    <a16:rowId xmlns:a16="http://schemas.microsoft.com/office/drawing/2014/main" val="2110591214"/>
+                  </a:ext>
+                </a:extLst>
+              </a:tr>
+              <a:tr h="158856">
+                <a:tc>
+                  <a:txBody>
+                    <a:bodyPr/>
+                    <a:lstStyle/>
+                    <a:p>
+                      <a:pPr algn="r" fontAlgn="b"/>
+                      <a:r>
+                        <a:rPr lang="en-US" sz="1000" b="0" i="0" u="none" strike="noStrike">
+                          <a:solidFill>
+                            <a:srgbClr val="000000"/>
+                          </a:solidFill>
+                          <a:effectLst/>
+                          <a:latin typeface="Calibri" panose="020F0502020204030204" pitchFamily="34" charset="0"/>
+                        </a:rPr>
+                        <a:t>1</a:t>
+                      </a:r>
+                    </a:p>
+                  </a:txBody>
+                  <a:tcPr marL="6619" marR="6619" marT="6619" marB="0" anchor="b">
+                    <a:lnL w="6350" cap="flat" cmpd="sng" algn="ctr">
+                      <a:solidFill>
+                        <a:srgbClr val="000000"/>
+                      </a:solidFill>
+                      <a:prstDash val="solid"/>
+                      <a:round/>
+                      <a:headEnd type="none" w="med" len="med"/>
+                      <a:tailEnd type="none" w="med" len="med"/>
+                    </a:lnL>
+                    <a:lnR w="6350" cap="flat" cmpd="sng" algn="ctr">
+                      <a:solidFill>
+                        <a:srgbClr val="000000"/>
+                      </a:solidFill>
+                      <a:prstDash val="solid"/>
+                      <a:round/>
+                      <a:headEnd type="none" w="med" len="med"/>
+                      <a:tailEnd type="none" w="med" len="med"/>
+                    </a:lnR>
+                    <a:lnT w="6350" cap="flat" cmpd="sng" algn="ctr">
+                      <a:solidFill>
+                        <a:srgbClr val="000000"/>
+                      </a:solidFill>
+                      <a:prstDash val="solid"/>
+                      <a:round/>
+                      <a:headEnd type="none" w="med" len="med"/>
+                      <a:tailEnd type="none" w="med" len="med"/>
+                    </a:lnT>
+                    <a:lnB w="6350" cap="flat" cmpd="sng" algn="ctr">
+                      <a:solidFill>
+                        <a:srgbClr val="000000"/>
+                      </a:solidFill>
+                      <a:prstDash val="solid"/>
+                      <a:round/>
+                      <a:headEnd type="none" w="med" len="med"/>
+                      <a:tailEnd type="none" w="med" len="med"/>
+                    </a:lnB>
+                  </a:tcPr>
+                </a:tc>
+                <a:tc>
+                  <a:txBody>
+                    <a:bodyPr/>
+                    <a:lstStyle/>
+                    <a:p>
+                      <a:pPr algn="l" fontAlgn="b"/>
+                      <a:r>
+                        <a:rPr lang="en-US" sz="1000" b="0" i="0" u="none" strike="noStrike">
+                          <a:solidFill>
+                            <a:srgbClr val="000000"/>
+                          </a:solidFill>
+                          <a:effectLst/>
+                          <a:latin typeface="Calibri" panose="020F0502020204030204" pitchFamily="34" charset="0"/>
+                        </a:rPr>
+                        <a:t>Get Together</a:t>
+                      </a:r>
+                    </a:p>
+                  </a:txBody>
+                  <a:tcPr marL="6619" marR="6619" marT="6619" marB="0" anchor="b">
+                    <a:lnL w="6350" cap="flat" cmpd="sng" algn="ctr">
+                      <a:solidFill>
+                        <a:srgbClr val="000000"/>
+                      </a:solidFill>
+                      <a:prstDash val="solid"/>
+                      <a:round/>
+                      <a:headEnd type="none" w="med" len="med"/>
+                      <a:tailEnd type="none" w="med" len="med"/>
+                    </a:lnL>
+                    <a:lnR w="6350" cap="flat" cmpd="sng" algn="ctr">
+                      <a:solidFill>
+                        <a:srgbClr val="000000"/>
+                      </a:solidFill>
+                      <a:prstDash val="solid"/>
+                      <a:round/>
+                      <a:headEnd type="none" w="med" len="med"/>
+                      <a:tailEnd type="none" w="med" len="med"/>
+                    </a:lnR>
+                    <a:lnT w="6350" cap="flat" cmpd="sng" algn="ctr">
+                      <a:solidFill>
+                        <a:srgbClr val="000000"/>
+                      </a:solidFill>
+                      <a:prstDash val="solid"/>
+                      <a:round/>
+                      <a:headEnd type="none" w="med" len="med"/>
+                      <a:tailEnd type="none" w="med" len="med"/>
+                    </a:lnT>
+                    <a:lnB w="6350" cap="flat" cmpd="sng" algn="ctr">
+                      <a:solidFill>
+                        <a:srgbClr val="000000"/>
+                      </a:solidFill>
+                      <a:prstDash val="solid"/>
+                      <a:round/>
+                      <a:headEnd type="none" w="med" len="med"/>
+                      <a:tailEnd type="none" w="med" len="med"/>
+                    </a:lnB>
+                  </a:tcPr>
+                </a:tc>
+                <a:tc>
+                  <a:txBody>
+                    <a:bodyPr/>
+                    <a:lstStyle/>
+                    <a:p>
+                      <a:pPr algn="r" fontAlgn="b"/>
+                      <a:r>
+                        <a:rPr lang="en-US" sz="1000" b="0" i="0" u="none" strike="noStrike">
+                          <a:solidFill>
+                            <a:srgbClr val="000000"/>
+                          </a:solidFill>
+                          <a:effectLst/>
+                          <a:latin typeface="Calibri" panose="020F0502020204030204" pitchFamily="34" charset="0"/>
+                        </a:rPr>
+                        <a:t>2692</a:t>
+                      </a:r>
+                    </a:p>
+                  </a:txBody>
+                  <a:tcPr marL="6619" marR="6619" marT="6619" marB="0" anchor="b">
+                    <a:lnL w="6350" cap="flat" cmpd="sng" algn="ctr">
+                      <a:solidFill>
+                        <a:srgbClr val="000000"/>
+                      </a:solidFill>
+                      <a:prstDash val="solid"/>
+                      <a:round/>
+                      <a:headEnd type="none" w="med" len="med"/>
+                      <a:tailEnd type="none" w="med" len="med"/>
+                    </a:lnL>
+                    <a:lnR w="6350" cap="flat" cmpd="sng" algn="ctr">
+                      <a:solidFill>
+                        <a:srgbClr val="000000"/>
+                      </a:solidFill>
+                      <a:prstDash val="solid"/>
+                      <a:round/>
+                      <a:headEnd type="none" w="med" len="med"/>
+                      <a:tailEnd type="none" w="med" len="med"/>
+                    </a:lnR>
+                    <a:lnT w="6350" cap="flat" cmpd="sng" algn="ctr">
+                      <a:solidFill>
+                        <a:srgbClr val="000000"/>
+                      </a:solidFill>
+                      <a:prstDash val="solid"/>
+                      <a:round/>
+                      <a:headEnd type="none" w="med" len="med"/>
+                      <a:tailEnd type="none" w="med" len="med"/>
+                    </a:lnT>
+                    <a:lnB w="6350" cap="flat" cmpd="sng" algn="ctr">
+                      <a:solidFill>
+                        <a:srgbClr val="000000"/>
+                      </a:solidFill>
+                      <a:prstDash val="solid"/>
+                      <a:round/>
+                      <a:headEnd type="none" w="med" len="med"/>
+                      <a:tailEnd type="none" w="med" len="med"/>
+                    </a:lnB>
+                  </a:tcPr>
+                </a:tc>
+                <a:tc>
+                  <a:txBody>
+                    <a:bodyPr/>
+                    <a:lstStyle/>
+                    <a:p>
+                      <a:pPr algn="r" fontAlgn="b"/>
+                      <a:r>
+                        <a:rPr lang="en-US" sz="1000" b="0" i="0" u="none" strike="noStrike">
+                          <a:solidFill>
+                            <a:srgbClr val="000000"/>
+                          </a:solidFill>
+                          <a:effectLst/>
+                          <a:latin typeface="Calibri" panose="020F0502020204030204" pitchFamily="34" charset="0"/>
+                        </a:rPr>
+                        <a:t>0.045</a:t>
+                      </a:r>
+                    </a:p>
+                  </a:txBody>
+                  <a:tcPr marL="6619" marR="6619" marT="6619" marB="0" anchor="b">
+                    <a:lnL w="6350" cap="flat" cmpd="sng" algn="ctr">
+                      <a:solidFill>
+                        <a:srgbClr val="000000"/>
+                      </a:solidFill>
+                      <a:prstDash val="solid"/>
+                      <a:round/>
+                      <a:headEnd type="none" w="med" len="med"/>
+                      <a:tailEnd type="none" w="med" len="med"/>
+                    </a:lnL>
+                    <a:lnR w="6350" cap="flat" cmpd="sng" algn="ctr">
+                      <a:solidFill>
+                        <a:srgbClr val="000000"/>
+                      </a:solidFill>
+                      <a:prstDash val="solid"/>
+                      <a:round/>
+                      <a:headEnd type="none" w="med" len="med"/>
+                      <a:tailEnd type="none" w="med" len="med"/>
+                    </a:lnR>
+                    <a:lnT w="6350" cap="flat" cmpd="sng" algn="ctr">
+                      <a:solidFill>
+                        <a:srgbClr val="000000"/>
+                      </a:solidFill>
+                      <a:prstDash val="solid"/>
+                      <a:round/>
+                      <a:headEnd type="none" w="med" len="med"/>
+                      <a:tailEnd type="none" w="med" len="med"/>
+                    </a:lnT>
+                    <a:lnB w="6350" cap="flat" cmpd="sng" algn="ctr">
+                      <a:solidFill>
+                        <a:srgbClr val="000000"/>
+                      </a:solidFill>
+                      <a:prstDash val="solid"/>
+                      <a:round/>
+                      <a:headEnd type="none" w="med" len="med"/>
+                      <a:tailEnd type="none" w="med" len="med"/>
+                    </a:lnB>
+                  </a:tcPr>
+                </a:tc>
+                <a:tc>
+                  <a:txBody>
+                    <a:bodyPr/>
+                    <a:lstStyle/>
+                    <a:p>
+                      <a:pPr algn="r" fontAlgn="b"/>
+                      <a:r>
+                        <a:rPr lang="en-US" sz="1000" b="0" i="0" u="none" strike="noStrike">
+                          <a:solidFill>
+                            <a:srgbClr val="000000"/>
+                          </a:solidFill>
+                          <a:effectLst/>
+                          <a:latin typeface="Calibri" panose="020F0502020204030204" pitchFamily="34" charset="0"/>
+                        </a:rPr>
+                        <a:t>50</a:t>
+                      </a:r>
+                    </a:p>
+                  </a:txBody>
+                  <a:tcPr marL="6619" marR="6619" marT="6619" marB="0" anchor="b">
+                    <a:lnL w="6350" cap="flat" cmpd="sng" algn="ctr">
+                      <a:solidFill>
+                        <a:srgbClr val="000000"/>
+                      </a:solidFill>
+                      <a:prstDash val="solid"/>
+                      <a:round/>
+                      <a:headEnd type="none" w="med" len="med"/>
+                      <a:tailEnd type="none" w="med" len="med"/>
+                    </a:lnL>
+                    <a:lnR w="6350" cap="flat" cmpd="sng" algn="ctr">
+                      <a:solidFill>
+                        <a:srgbClr val="000000"/>
+                      </a:solidFill>
+                      <a:prstDash val="solid"/>
+                      <a:round/>
+                      <a:headEnd type="none" w="med" len="med"/>
+                      <a:tailEnd type="none" w="med" len="med"/>
+                    </a:lnR>
+                    <a:lnT w="6350" cap="flat" cmpd="sng" algn="ctr">
+                      <a:solidFill>
+                        <a:srgbClr val="000000"/>
+                      </a:solidFill>
+                      <a:prstDash val="solid"/>
+                      <a:round/>
+                      <a:headEnd type="none" w="med" len="med"/>
+                      <a:tailEnd type="none" w="med" len="med"/>
+                    </a:lnT>
+                    <a:lnB w="6350" cap="flat" cmpd="sng" algn="ctr">
+                      <a:solidFill>
+                        <a:srgbClr val="000000"/>
+                      </a:solidFill>
+                      <a:prstDash val="solid"/>
+                      <a:round/>
+                      <a:headEnd type="none" w="med" len="med"/>
+                      <a:tailEnd type="none" w="med" len="med"/>
+                    </a:lnB>
+                  </a:tcPr>
+                </a:tc>
+                <a:tc>
+                  <a:txBody>
+                    <a:bodyPr/>
+                    <a:lstStyle/>
+                    <a:p>
+                      <a:pPr algn="l" fontAlgn="b"/>
+                      <a:r>
+                        <a:rPr lang="en-US" sz="1000" b="0" i="0" u="none" strike="noStrike">
+                          <a:solidFill>
+                            <a:srgbClr val="000000"/>
+                          </a:solidFill>
+                          <a:effectLst/>
+                          <a:latin typeface="Calibri" panose="020F0502020204030204" pitchFamily="34" charset="0"/>
+                        </a:rPr>
+                        <a:t>American IPA</a:t>
+                      </a:r>
+                    </a:p>
+                  </a:txBody>
+                  <a:tcPr marL="6619" marR="6619" marT="6619" marB="0" anchor="b">
+                    <a:lnL w="6350" cap="flat" cmpd="sng" algn="ctr">
+                      <a:solidFill>
+                        <a:srgbClr val="000000"/>
+                      </a:solidFill>
+                      <a:prstDash val="solid"/>
+                      <a:round/>
+                      <a:headEnd type="none" w="med" len="med"/>
+                      <a:tailEnd type="none" w="med" len="med"/>
+                    </a:lnL>
+                    <a:lnR w="6350" cap="flat" cmpd="sng" algn="ctr">
+                      <a:solidFill>
+                        <a:srgbClr val="000000"/>
+                      </a:solidFill>
+                      <a:prstDash val="solid"/>
+                      <a:round/>
+                      <a:headEnd type="none" w="med" len="med"/>
+                      <a:tailEnd type="none" w="med" len="med"/>
+                    </a:lnR>
+                    <a:lnT w="6350" cap="flat" cmpd="sng" algn="ctr">
+                      <a:solidFill>
+                        <a:srgbClr val="000000"/>
+                      </a:solidFill>
+                      <a:prstDash val="solid"/>
+                      <a:round/>
+                      <a:headEnd type="none" w="med" len="med"/>
+                      <a:tailEnd type="none" w="med" len="med"/>
+                    </a:lnT>
+                    <a:lnB w="6350" cap="flat" cmpd="sng" algn="ctr">
+                      <a:solidFill>
+                        <a:srgbClr val="000000"/>
+                      </a:solidFill>
+                      <a:prstDash val="solid"/>
+                      <a:round/>
+                      <a:headEnd type="none" w="med" len="med"/>
+                      <a:tailEnd type="none" w="med" len="med"/>
+                    </a:lnB>
+                  </a:tcPr>
+                </a:tc>
+                <a:tc>
+                  <a:txBody>
+                    <a:bodyPr/>
+                    <a:lstStyle/>
+                    <a:p>
+                      <a:pPr algn="r" fontAlgn="b"/>
+                      <a:r>
+                        <a:rPr lang="en-US" sz="1000" b="0" i="0" u="none" strike="noStrike">
+                          <a:solidFill>
+                            <a:srgbClr val="000000"/>
+                          </a:solidFill>
+                          <a:effectLst/>
+                          <a:latin typeface="Calibri" panose="020F0502020204030204" pitchFamily="34" charset="0"/>
+                        </a:rPr>
+                        <a:t>16</a:t>
+                      </a:r>
+                    </a:p>
+                  </a:txBody>
+                  <a:tcPr marL="6619" marR="6619" marT="6619" marB="0" anchor="b">
+                    <a:lnL w="6350" cap="flat" cmpd="sng" algn="ctr">
+                      <a:solidFill>
+                        <a:srgbClr val="000000"/>
+                      </a:solidFill>
+                      <a:prstDash val="solid"/>
+                      <a:round/>
+                      <a:headEnd type="none" w="med" len="med"/>
+                      <a:tailEnd type="none" w="med" len="med"/>
+                    </a:lnL>
+                    <a:lnR w="6350" cap="flat" cmpd="sng" algn="ctr">
+                      <a:solidFill>
+                        <a:srgbClr val="000000"/>
+                      </a:solidFill>
+                      <a:prstDash val="solid"/>
+                      <a:round/>
+                      <a:headEnd type="none" w="med" len="med"/>
+                      <a:tailEnd type="none" w="med" len="med"/>
+                    </a:lnR>
+                    <a:lnT w="6350" cap="flat" cmpd="sng" algn="ctr">
+                      <a:solidFill>
+                        <a:srgbClr val="000000"/>
+                      </a:solidFill>
+                      <a:prstDash val="solid"/>
+                      <a:round/>
+                      <a:headEnd type="none" w="med" len="med"/>
+                      <a:tailEnd type="none" w="med" len="med"/>
+                    </a:lnT>
+                    <a:lnB w="6350" cap="flat" cmpd="sng" algn="ctr">
+                      <a:solidFill>
+                        <a:srgbClr val="000000"/>
+                      </a:solidFill>
+                      <a:prstDash val="solid"/>
+                      <a:round/>
+                      <a:headEnd type="none" w="med" len="med"/>
+                      <a:tailEnd type="none" w="med" len="med"/>
+                    </a:lnB>
+                  </a:tcPr>
+                </a:tc>
+                <a:tc>
+                  <a:txBody>
+                    <a:bodyPr/>
+                    <a:lstStyle/>
+                    <a:p>
+                      <a:pPr algn="l" fontAlgn="b"/>
+                      <a:r>
+                        <a:rPr lang="en-US" sz="1000" b="0" i="0" u="none" strike="noStrike">
+                          <a:solidFill>
+                            <a:srgbClr val="000000"/>
+                          </a:solidFill>
+                          <a:effectLst/>
+                          <a:latin typeface="Calibri" panose="020F0502020204030204" pitchFamily="34" charset="0"/>
+                        </a:rPr>
+                        <a:t>NorthGate Brewing</a:t>
+                      </a:r>
+                    </a:p>
+                  </a:txBody>
+                  <a:tcPr marL="6619" marR="6619" marT="6619" marB="0" anchor="b">
+                    <a:lnL w="6350" cap="flat" cmpd="sng" algn="ctr">
+                      <a:solidFill>
+                        <a:srgbClr val="000000"/>
+                      </a:solidFill>
+                      <a:prstDash val="solid"/>
+                      <a:round/>
+                      <a:headEnd type="none" w="med" len="med"/>
+                      <a:tailEnd type="none" w="med" len="med"/>
+                    </a:lnL>
+                    <a:lnR w="6350" cap="flat" cmpd="sng" algn="ctr">
+                      <a:solidFill>
+                        <a:srgbClr val="000000"/>
+                      </a:solidFill>
+                      <a:prstDash val="solid"/>
+                      <a:round/>
+                      <a:headEnd type="none" w="med" len="med"/>
+                      <a:tailEnd type="none" w="med" len="med"/>
+                    </a:lnR>
+                    <a:lnT w="6350" cap="flat" cmpd="sng" algn="ctr">
+                      <a:solidFill>
+                        <a:srgbClr val="000000"/>
+                      </a:solidFill>
+                      <a:prstDash val="solid"/>
+                      <a:round/>
+                      <a:headEnd type="none" w="med" len="med"/>
+                      <a:tailEnd type="none" w="med" len="med"/>
+                    </a:lnT>
+                    <a:lnB w="6350" cap="flat" cmpd="sng" algn="ctr">
+                      <a:solidFill>
+                        <a:srgbClr val="000000"/>
+                      </a:solidFill>
+                      <a:prstDash val="solid"/>
+                      <a:round/>
+                      <a:headEnd type="none" w="med" len="med"/>
+                      <a:tailEnd type="none" w="med" len="med"/>
+                    </a:lnB>
+                  </a:tcPr>
+                </a:tc>
+                <a:tc>
+                  <a:txBody>
+                    <a:bodyPr/>
+                    <a:lstStyle/>
+                    <a:p>
+                      <a:pPr algn="l" fontAlgn="b"/>
+                      <a:r>
+                        <a:rPr lang="en-US" sz="1000" b="0" i="0" u="none" strike="noStrike">
+                          <a:solidFill>
+                            <a:srgbClr val="000000"/>
+                          </a:solidFill>
+                          <a:effectLst/>
+                          <a:latin typeface="Calibri" panose="020F0502020204030204" pitchFamily="34" charset="0"/>
+                        </a:rPr>
+                        <a:t>Minneapolis</a:t>
+                      </a:r>
+                    </a:p>
+                  </a:txBody>
+                  <a:tcPr marL="6619" marR="6619" marT="6619" marB="0" anchor="b">
+                    <a:lnL w="6350" cap="flat" cmpd="sng" algn="ctr">
+                      <a:solidFill>
+                        <a:srgbClr val="000000"/>
+                      </a:solidFill>
+                      <a:prstDash val="solid"/>
+                      <a:round/>
+                      <a:headEnd type="none" w="med" len="med"/>
+                      <a:tailEnd type="none" w="med" len="med"/>
+                    </a:lnL>
+                    <a:lnR w="6350" cap="flat" cmpd="sng" algn="ctr">
+                      <a:solidFill>
+                        <a:srgbClr val="000000"/>
+                      </a:solidFill>
+                      <a:prstDash val="solid"/>
+                      <a:round/>
+                      <a:headEnd type="none" w="med" len="med"/>
+                      <a:tailEnd type="none" w="med" len="med"/>
+                    </a:lnR>
+                    <a:lnT w="6350" cap="flat" cmpd="sng" algn="ctr">
+                      <a:solidFill>
+                        <a:srgbClr val="000000"/>
+                      </a:solidFill>
+                      <a:prstDash val="solid"/>
+                      <a:round/>
+                      <a:headEnd type="none" w="med" len="med"/>
+                      <a:tailEnd type="none" w="med" len="med"/>
+                    </a:lnT>
+                    <a:lnB w="6350" cap="flat" cmpd="sng" algn="ctr">
+                      <a:solidFill>
+                        <a:srgbClr val="000000"/>
+                      </a:solidFill>
+                      <a:prstDash val="solid"/>
+                      <a:round/>
+                      <a:headEnd type="none" w="med" len="med"/>
+                      <a:tailEnd type="none" w="med" len="med"/>
+                    </a:lnB>
+                  </a:tcPr>
+                </a:tc>
+                <a:tc>
+                  <a:txBody>
+                    <a:bodyPr/>
+                    <a:lstStyle/>
+                    <a:p>
+                      <a:pPr algn="l" fontAlgn="b"/>
+                      <a:r>
+                        <a:rPr lang="en-US" sz="1000" b="0" i="0" u="none" strike="noStrike">
+                          <a:solidFill>
+                            <a:srgbClr val="000000"/>
+                          </a:solidFill>
+                          <a:effectLst/>
+                          <a:latin typeface="Calibri" panose="020F0502020204030204" pitchFamily="34" charset="0"/>
+                        </a:rPr>
+                        <a:t>MN</a:t>
+                      </a:r>
+                    </a:p>
+                  </a:txBody>
+                  <a:tcPr marL="6619" marR="6619" marT="6619" marB="0" anchor="b">
+                    <a:lnL w="6350" cap="flat" cmpd="sng" algn="ctr">
+                      <a:solidFill>
+                        <a:srgbClr val="000000"/>
+                      </a:solidFill>
+                      <a:prstDash val="solid"/>
+                      <a:round/>
+                      <a:headEnd type="none" w="med" len="med"/>
+                      <a:tailEnd type="none" w="med" len="med"/>
+                    </a:lnL>
+                    <a:lnR w="6350" cap="flat" cmpd="sng" algn="ctr">
+                      <a:solidFill>
+                        <a:srgbClr val="000000"/>
+                      </a:solidFill>
+                      <a:prstDash val="solid"/>
+                      <a:round/>
+                      <a:headEnd type="none" w="med" len="med"/>
+                      <a:tailEnd type="none" w="med" len="med"/>
+                    </a:lnR>
+                    <a:lnT w="6350" cap="flat" cmpd="sng" algn="ctr">
+                      <a:solidFill>
+                        <a:srgbClr val="000000"/>
+                      </a:solidFill>
+                      <a:prstDash val="solid"/>
+                      <a:round/>
+                      <a:headEnd type="none" w="med" len="med"/>
+                      <a:tailEnd type="none" w="med" len="med"/>
+                    </a:lnT>
+                    <a:lnB w="6350" cap="flat" cmpd="sng" algn="ctr">
+                      <a:solidFill>
+                        <a:srgbClr val="000000"/>
+                      </a:solidFill>
+                      <a:prstDash val="solid"/>
+                      <a:round/>
+                      <a:headEnd type="none" w="med" len="med"/>
+                      <a:tailEnd type="none" w="med" len="med"/>
+                    </a:lnB>
+                  </a:tcPr>
+                </a:tc>
+                <a:extLst>
+                  <a:ext uri="{0D108BD9-81ED-4DB2-BD59-A6C34878D82A}">
+                    <a16:rowId xmlns:a16="http://schemas.microsoft.com/office/drawing/2014/main" val="722070123"/>
+                  </a:ext>
+                </a:extLst>
+              </a:tr>
+              <a:tr h="158856">
+                <a:tc>
+                  <a:txBody>
+                    <a:bodyPr/>
+                    <a:lstStyle/>
+                    <a:p>
+                      <a:pPr algn="r" fontAlgn="b"/>
+                      <a:r>
+                        <a:rPr lang="en-US" sz="1000" b="0" i="0" u="none" strike="noStrike">
+                          <a:solidFill>
+                            <a:srgbClr val="000000"/>
+                          </a:solidFill>
+                          <a:effectLst/>
+                          <a:latin typeface="Calibri" panose="020F0502020204030204" pitchFamily="34" charset="0"/>
+                        </a:rPr>
+                        <a:t>1</a:t>
+                      </a:r>
+                    </a:p>
+                  </a:txBody>
+                  <a:tcPr marL="6619" marR="6619" marT="6619" marB="0" anchor="b">
+                    <a:lnL w="6350" cap="flat" cmpd="sng" algn="ctr">
+                      <a:solidFill>
+                        <a:srgbClr val="000000"/>
+                      </a:solidFill>
+                      <a:prstDash val="solid"/>
+                      <a:round/>
+                      <a:headEnd type="none" w="med" len="med"/>
+                      <a:tailEnd type="none" w="med" len="med"/>
+                    </a:lnL>
+                    <a:lnR w="6350" cap="flat" cmpd="sng" algn="ctr">
+                      <a:solidFill>
+                        <a:srgbClr val="000000"/>
+                      </a:solidFill>
+                      <a:prstDash val="solid"/>
+                      <a:round/>
+                      <a:headEnd type="none" w="med" len="med"/>
+                      <a:tailEnd type="none" w="med" len="med"/>
+                    </a:lnR>
+                    <a:lnT w="6350" cap="flat" cmpd="sng" algn="ctr">
+                      <a:solidFill>
+                        <a:srgbClr val="000000"/>
+                      </a:solidFill>
+                      <a:prstDash val="solid"/>
+                      <a:round/>
+                      <a:headEnd type="none" w="med" len="med"/>
+                      <a:tailEnd type="none" w="med" len="med"/>
+                    </a:lnT>
+                    <a:lnB w="6350" cap="flat" cmpd="sng" algn="ctr">
+                      <a:solidFill>
+                        <a:srgbClr val="000000"/>
+                      </a:solidFill>
+                      <a:prstDash val="solid"/>
+                      <a:round/>
+                      <a:headEnd type="none" w="med" len="med"/>
+                      <a:tailEnd type="none" w="med" len="med"/>
+                    </a:lnB>
+                  </a:tcPr>
+                </a:tc>
+                <a:tc>
+                  <a:txBody>
+                    <a:bodyPr/>
+                    <a:lstStyle/>
+                    <a:p>
+                      <a:pPr algn="l" fontAlgn="b"/>
+                      <a:r>
+                        <a:rPr lang="en-US" sz="1000" b="0" i="0" u="none" strike="noStrike">
+                          <a:solidFill>
+                            <a:srgbClr val="000000"/>
+                          </a:solidFill>
+                          <a:effectLst/>
+                          <a:latin typeface="Calibri" panose="020F0502020204030204" pitchFamily="34" charset="0"/>
+                        </a:rPr>
+                        <a:t>Maggie's Leap</a:t>
+                      </a:r>
+                    </a:p>
+                  </a:txBody>
+                  <a:tcPr marL="6619" marR="6619" marT="6619" marB="0" anchor="b">
+                    <a:lnL w="6350" cap="flat" cmpd="sng" algn="ctr">
+                      <a:solidFill>
+                        <a:srgbClr val="000000"/>
+                      </a:solidFill>
+                      <a:prstDash val="solid"/>
+                      <a:round/>
+                      <a:headEnd type="none" w="med" len="med"/>
+                      <a:tailEnd type="none" w="med" len="med"/>
+                    </a:lnL>
+                    <a:lnR w="6350" cap="flat" cmpd="sng" algn="ctr">
+                      <a:solidFill>
+                        <a:srgbClr val="000000"/>
+                      </a:solidFill>
+                      <a:prstDash val="solid"/>
+                      <a:round/>
+                      <a:headEnd type="none" w="med" len="med"/>
+                      <a:tailEnd type="none" w="med" len="med"/>
+                    </a:lnR>
+                    <a:lnT w="6350" cap="flat" cmpd="sng" algn="ctr">
+                      <a:solidFill>
+                        <a:srgbClr val="000000"/>
+                      </a:solidFill>
+                      <a:prstDash val="solid"/>
+                      <a:round/>
+                      <a:headEnd type="none" w="med" len="med"/>
+                      <a:tailEnd type="none" w="med" len="med"/>
+                    </a:lnT>
+                    <a:lnB w="6350" cap="flat" cmpd="sng" algn="ctr">
+                      <a:solidFill>
+                        <a:srgbClr val="000000"/>
+                      </a:solidFill>
+                      <a:prstDash val="solid"/>
+                      <a:round/>
+                      <a:headEnd type="none" w="med" len="med"/>
+                      <a:tailEnd type="none" w="med" len="med"/>
+                    </a:lnB>
+                  </a:tcPr>
+                </a:tc>
+                <a:tc>
+                  <a:txBody>
+                    <a:bodyPr/>
+                    <a:lstStyle/>
+                    <a:p>
+                      <a:pPr algn="r" fontAlgn="b"/>
+                      <a:r>
+                        <a:rPr lang="en-US" sz="1000" b="0" i="0" u="none" strike="noStrike">
+                          <a:solidFill>
+                            <a:srgbClr val="000000"/>
+                          </a:solidFill>
+                          <a:effectLst/>
+                          <a:latin typeface="Calibri" panose="020F0502020204030204" pitchFamily="34" charset="0"/>
+                        </a:rPr>
+                        <a:t>2691</a:t>
+                      </a:r>
+                    </a:p>
+                  </a:txBody>
+                  <a:tcPr marL="6619" marR="6619" marT="6619" marB="0" anchor="b">
+                    <a:lnL w="6350" cap="flat" cmpd="sng" algn="ctr">
+                      <a:solidFill>
+                        <a:srgbClr val="000000"/>
+                      </a:solidFill>
+                      <a:prstDash val="solid"/>
+                      <a:round/>
+                      <a:headEnd type="none" w="med" len="med"/>
+                      <a:tailEnd type="none" w="med" len="med"/>
+                    </a:lnL>
+                    <a:lnR w="6350" cap="flat" cmpd="sng" algn="ctr">
+                      <a:solidFill>
+                        <a:srgbClr val="000000"/>
+                      </a:solidFill>
+                      <a:prstDash val="solid"/>
+                      <a:round/>
+                      <a:headEnd type="none" w="med" len="med"/>
+                      <a:tailEnd type="none" w="med" len="med"/>
+                    </a:lnR>
+                    <a:lnT w="6350" cap="flat" cmpd="sng" algn="ctr">
+                      <a:solidFill>
+                        <a:srgbClr val="000000"/>
+                      </a:solidFill>
+                      <a:prstDash val="solid"/>
+                      <a:round/>
+                      <a:headEnd type="none" w="med" len="med"/>
+                      <a:tailEnd type="none" w="med" len="med"/>
+                    </a:lnT>
+                    <a:lnB w="6350" cap="flat" cmpd="sng" algn="ctr">
+                      <a:solidFill>
+                        <a:srgbClr val="000000"/>
+                      </a:solidFill>
+                      <a:prstDash val="solid"/>
+                      <a:round/>
+                      <a:headEnd type="none" w="med" len="med"/>
+                      <a:tailEnd type="none" w="med" len="med"/>
+                    </a:lnB>
+                  </a:tcPr>
+                </a:tc>
+                <a:tc>
+                  <a:txBody>
+                    <a:bodyPr/>
+                    <a:lstStyle/>
+                    <a:p>
+                      <a:pPr algn="r" fontAlgn="b"/>
+                      <a:r>
+                        <a:rPr lang="en-US" sz="1000" b="0" i="0" u="none" strike="noStrike">
+                          <a:solidFill>
+                            <a:srgbClr val="000000"/>
+                          </a:solidFill>
+                          <a:effectLst/>
+                          <a:latin typeface="Calibri" panose="020F0502020204030204" pitchFamily="34" charset="0"/>
+                        </a:rPr>
+                        <a:t>0.049</a:t>
+                      </a:r>
+                    </a:p>
+                  </a:txBody>
+                  <a:tcPr marL="6619" marR="6619" marT="6619" marB="0" anchor="b">
+                    <a:lnL w="6350" cap="flat" cmpd="sng" algn="ctr">
+                      <a:solidFill>
+                        <a:srgbClr val="000000"/>
+                      </a:solidFill>
+                      <a:prstDash val="solid"/>
+                      <a:round/>
+                      <a:headEnd type="none" w="med" len="med"/>
+                      <a:tailEnd type="none" w="med" len="med"/>
+                    </a:lnL>
+                    <a:lnR w="6350" cap="flat" cmpd="sng" algn="ctr">
+                      <a:solidFill>
+                        <a:srgbClr val="000000"/>
+                      </a:solidFill>
+                      <a:prstDash val="solid"/>
+                      <a:round/>
+                      <a:headEnd type="none" w="med" len="med"/>
+                      <a:tailEnd type="none" w="med" len="med"/>
+                    </a:lnR>
+                    <a:lnT w="6350" cap="flat" cmpd="sng" algn="ctr">
+                      <a:solidFill>
+                        <a:srgbClr val="000000"/>
+                      </a:solidFill>
+                      <a:prstDash val="solid"/>
+                      <a:round/>
+                      <a:headEnd type="none" w="med" len="med"/>
+                      <a:tailEnd type="none" w="med" len="med"/>
+                    </a:lnT>
+                    <a:lnB w="6350" cap="flat" cmpd="sng" algn="ctr">
+                      <a:solidFill>
+                        <a:srgbClr val="000000"/>
+                      </a:solidFill>
+                      <a:prstDash val="solid"/>
+                      <a:round/>
+                      <a:headEnd type="none" w="med" len="med"/>
+                      <a:tailEnd type="none" w="med" len="med"/>
+                    </a:lnB>
+                  </a:tcPr>
+                </a:tc>
+                <a:tc>
+                  <a:txBody>
+                    <a:bodyPr/>
+                    <a:lstStyle/>
+                    <a:p>
+                      <a:pPr algn="r" fontAlgn="b"/>
+                      <a:r>
+                        <a:rPr lang="en-US" sz="1000" b="0" i="0" u="none" strike="noStrike">
+                          <a:solidFill>
+                            <a:srgbClr val="000000"/>
+                          </a:solidFill>
+                          <a:effectLst/>
+                          <a:latin typeface="Calibri" panose="020F0502020204030204" pitchFamily="34" charset="0"/>
+                        </a:rPr>
+                        <a:t>26</a:t>
+                      </a:r>
+                    </a:p>
+                  </a:txBody>
+                  <a:tcPr marL="6619" marR="6619" marT="6619" marB="0" anchor="b">
+                    <a:lnL w="6350" cap="flat" cmpd="sng" algn="ctr">
+                      <a:solidFill>
+                        <a:srgbClr val="000000"/>
+                      </a:solidFill>
+                      <a:prstDash val="solid"/>
+                      <a:round/>
+                      <a:headEnd type="none" w="med" len="med"/>
+                      <a:tailEnd type="none" w="med" len="med"/>
+                    </a:lnL>
+                    <a:lnR w="6350" cap="flat" cmpd="sng" algn="ctr">
+                      <a:solidFill>
+                        <a:srgbClr val="000000"/>
+                      </a:solidFill>
+                      <a:prstDash val="solid"/>
+                      <a:round/>
+                      <a:headEnd type="none" w="med" len="med"/>
+                      <a:tailEnd type="none" w="med" len="med"/>
+                    </a:lnR>
+                    <a:lnT w="6350" cap="flat" cmpd="sng" algn="ctr">
+                      <a:solidFill>
+                        <a:srgbClr val="000000"/>
+                      </a:solidFill>
+                      <a:prstDash val="solid"/>
+                      <a:round/>
+                      <a:headEnd type="none" w="med" len="med"/>
+                      <a:tailEnd type="none" w="med" len="med"/>
+                    </a:lnT>
+                    <a:lnB w="6350" cap="flat" cmpd="sng" algn="ctr">
+                      <a:solidFill>
+                        <a:srgbClr val="000000"/>
+                      </a:solidFill>
+                      <a:prstDash val="solid"/>
+                      <a:round/>
+                      <a:headEnd type="none" w="med" len="med"/>
+                      <a:tailEnd type="none" w="med" len="med"/>
+                    </a:lnB>
+                  </a:tcPr>
+                </a:tc>
+                <a:tc>
+                  <a:txBody>
+                    <a:bodyPr/>
+                    <a:lstStyle/>
+                    <a:p>
+                      <a:pPr algn="l" fontAlgn="b"/>
+                      <a:r>
+                        <a:rPr lang="en-US" sz="1000" b="0" i="0" u="none" strike="noStrike">
+                          <a:solidFill>
+                            <a:srgbClr val="000000"/>
+                          </a:solidFill>
+                          <a:effectLst/>
+                          <a:latin typeface="Calibri" panose="020F0502020204030204" pitchFamily="34" charset="0"/>
+                        </a:rPr>
+                        <a:t>Milk / Sweet Stout</a:t>
+                      </a:r>
+                    </a:p>
+                  </a:txBody>
+                  <a:tcPr marL="6619" marR="6619" marT="6619" marB="0" anchor="b">
+                    <a:lnL w="6350" cap="flat" cmpd="sng" algn="ctr">
+                      <a:solidFill>
+                        <a:srgbClr val="000000"/>
+                      </a:solidFill>
+                      <a:prstDash val="solid"/>
+                      <a:round/>
+                      <a:headEnd type="none" w="med" len="med"/>
+                      <a:tailEnd type="none" w="med" len="med"/>
+                    </a:lnL>
+                    <a:lnR w="6350" cap="flat" cmpd="sng" algn="ctr">
+                      <a:solidFill>
+                        <a:srgbClr val="000000"/>
+                      </a:solidFill>
+                      <a:prstDash val="solid"/>
+                      <a:round/>
+                      <a:headEnd type="none" w="med" len="med"/>
+                      <a:tailEnd type="none" w="med" len="med"/>
+                    </a:lnR>
+                    <a:lnT w="6350" cap="flat" cmpd="sng" algn="ctr">
+                      <a:solidFill>
+                        <a:srgbClr val="000000"/>
+                      </a:solidFill>
+                      <a:prstDash val="solid"/>
+                      <a:round/>
+                      <a:headEnd type="none" w="med" len="med"/>
+                      <a:tailEnd type="none" w="med" len="med"/>
+                    </a:lnT>
+                    <a:lnB w="6350" cap="flat" cmpd="sng" algn="ctr">
+                      <a:solidFill>
+                        <a:srgbClr val="000000"/>
+                      </a:solidFill>
+                      <a:prstDash val="solid"/>
+                      <a:round/>
+                      <a:headEnd type="none" w="med" len="med"/>
+                      <a:tailEnd type="none" w="med" len="med"/>
+                    </a:lnB>
+                  </a:tcPr>
+                </a:tc>
+                <a:tc>
+                  <a:txBody>
+                    <a:bodyPr/>
+                    <a:lstStyle/>
+                    <a:p>
+                      <a:pPr algn="r" fontAlgn="b"/>
+                      <a:r>
+                        <a:rPr lang="en-US" sz="1000" b="0" i="0" u="none" strike="noStrike">
+                          <a:solidFill>
+                            <a:srgbClr val="000000"/>
+                          </a:solidFill>
+                          <a:effectLst/>
+                          <a:latin typeface="Calibri" panose="020F0502020204030204" pitchFamily="34" charset="0"/>
+                        </a:rPr>
+                        <a:t>16</a:t>
+                      </a:r>
+                    </a:p>
+                  </a:txBody>
+                  <a:tcPr marL="6619" marR="6619" marT="6619" marB="0" anchor="b">
+                    <a:lnL w="6350" cap="flat" cmpd="sng" algn="ctr">
+                      <a:solidFill>
+                        <a:srgbClr val="000000"/>
+                      </a:solidFill>
+                      <a:prstDash val="solid"/>
+                      <a:round/>
+                      <a:headEnd type="none" w="med" len="med"/>
+                      <a:tailEnd type="none" w="med" len="med"/>
+                    </a:lnL>
+                    <a:lnR w="6350" cap="flat" cmpd="sng" algn="ctr">
+                      <a:solidFill>
+                        <a:srgbClr val="000000"/>
+                      </a:solidFill>
+                      <a:prstDash val="solid"/>
+                      <a:round/>
+                      <a:headEnd type="none" w="med" len="med"/>
+                      <a:tailEnd type="none" w="med" len="med"/>
+                    </a:lnR>
+                    <a:lnT w="6350" cap="flat" cmpd="sng" algn="ctr">
+                      <a:solidFill>
+                        <a:srgbClr val="000000"/>
+                      </a:solidFill>
+                      <a:prstDash val="solid"/>
+                      <a:round/>
+                      <a:headEnd type="none" w="med" len="med"/>
+                      <a:tailEnd type="none" w="med" len="med"/>
+                    </a:lnT>
+                    <a:lnB w="6350" cap="flat" cmpd="sng" algn="ctr">
+                      <a:solidFill>
+                        <a:srgbClr val="000000"/>
+                      </a:solidFill>
+                      <a:prstDash val="solid"/>
+                      <a:round/>
+                      <a:headEnd type="none" w="med" len="med"/>
+                      <a:tailEnd type="none" w="med" len="med"/>
+                    </a:lnB>
+                  </a:tcPr>
+                </a:tc>
+                <a:tc>
+                  <a:txBody>
+                    <a:bodyPr/>
+                    <a:lstStyle/>
+                    <a:p>
+                      <a:pPr algn="l" fontAlgn="b"/>
+                      <a:r>
+                        <a:rPr lang="en-US" sz="1000" b="0" i="0" u="none" strike="noStrike">
+                          <a:solidFill>
+                            <a:srgbClr val="000000"/>
+                          </a:solidFill>
+                          <a:effectLst/>
+                          <a:latin typeface="Calibri" panose="020F0502020204030204" pitchFamily="34" charset="0"/>
+                        </a:rPr>
+                        <a:t>NorthGate Brewing</a:t>
+                      </a:r>
+                    </a:p>
+                  </a:txBody>
+                  <a:tcPr marL="6619" marR="6619" marT="6619" marB="0" anchor="b">
+                    <a:lnL w="6350" cap="flat" cmpd="sng" algn="ctr">
+                      <a:solidFill>
+                        <a:srgbClr val="000000"/>
+                      </a:solidFill>
+                      <a:prstDash val="solid"/>
+                      <a:round/>
+                      <a:headEnd type="none" w="med" len="med"/>
+                      <a:tailEnd type="none" w="med" len="med"/>
+                    </a:lnL>
+                    <a:lnR w="6350" cap="flat" cmpd="sng" algn="ctr">
+                      <a:solidFill>
+                        <a:srgbClr val="000000"/>
+                      </a:solidFill>
+                      <a:prstDash val="solid"/>
+                      <a:round/>
+                      <a:headEnd type="none" w="med" len="med"/>
+                      <a:tailEnd type="none" w="med" len="med"/>
+                    </a:lnR>
+                    <a:lnT w="6350" cap="flat" cmpd="sng" algn="ctr">
+                      <a:solidFill>
+                        <a:srgbClr val="000000"/>
+                      </a:solidFill>
+                      <a:prstDash val="solid"/>
+                      <a:round/>
+                      <a:headEnd type="none" w="med" len="med"/>
+                      <a:tailEnd type="none" w="med" len="med"/>
+                    </a:lnT>
+                    <a:lnB w="6350" cap="flat" cmpd="sng" algn="ctr">
+                      <a:solidFill>
+                        <a:srgbClr val="000000"/>
+                      </a:solidFill>
+                      <a:prstDash val="solid"/>
+                      <a:round/>
+                      <a:headEnd type="none" w="med" len="med"/>
+                      <a:tailEnd type="none" w="med" len="med"/>
+                    </a:lnB>
+                  </a:tcPr>
+                </a:tc>
+                <a:tc>
+                  <a:txBody>
+                    <a:bodyPr/>
+                    <a:lstStyle/>
+                    <a:p>
+                      <a:pPr algn="l" fontAlgn="b"/>
+                      <a:r>
+                        <a:rPr lang="en-US" sz="1000" b="0" i="0" u="none" strike="noStrike">
+                          <a:solidFill>
+                            <a:srgbClr val="000000"/>
+                          </a:solidFill>
+                          <a:effectLst/>
+                          <a:latin typeface="Calibri" panose="020F0502020204030204" pitchFamily="34" charset="0"/>
+                        </a:rPr>
+                        <a:t>Minneapolis</a:t>
+                      </a:r>
+                    </a:p>
+                  </a:txBody>
+                  <a:tcPr marL="6619" marR="6619" marT="6619" marB="0" anchor="b">
+                    <a:lnL w="6350" cap="flat" cmpd="sng" algn="ctr">
+                      <a:solidFill>
+                        <a:srgbClr val="000000"/>
+                      </a:solidFill>
+                      <a:prstDash val="solid"/>
+                      <a:round/>
+                      <a:headEnd type="none" w="med" len="med"/>
+                      <a:tailEnd type="none" w="med" len="med"/>
+                    </a:lnL>
+                    <a:lnR w="6350" cap="flat" cmpd="sng" algn="ctr">
+                      <a:solidFill>
+                        <a:srgbClr val="000000"/>
+                      </a:solidFill>
+                      <a:prstDash val="solid"/>
+                      <a:round/>
+                      <a:headEnd type="none" w="med" len="med"/>
+                      <a:tailEnd type="none" w="med" len="med"/>
+                    </a:lnR>
+                    <a:lnT w="6350" cap="flat" cmpd="sng" algn="ctr">
+                      <a:solidFill>
+                        <a:srgbClr val="000000"/>
+                      </a:solidFill>
+                      <a:prstDash val="solid"/>
+                      <a:round/>
+                      <a:headEnd type="none" w="med" len="med"/>
+                      <a:tailEnd type="none" w="med" len="med"/>
+                    </a:lnT>
+                    <a:lnB w="6350" cap="flat" cmpd="sng" algn="ctr">
+                      <a:solidFill>
+                        <a:srgbClr val="000000"/>
+                      </a:solidFill>
+                      <a:prstDash val="solid"/>
+                      <a:round/>
+                      <a:headEnd type="none" w="med" len="med"/>
+                      <a:tailEnd type="none" w="med" len="med"/>
+                    </a:lnB>
+                  </a:tcPr>
+                </a:tc>
+                <a:tc>
+                  <a:txBody>
+                    <a:bodyPr/>
+                    <a:lstStyle/>
+                    <a:p>
+                      <a:pPr algn="l" fontAlgn="b"/>
+                      <a:r>
+                        <a:rPr lang="en-US" sz="1000" b="0" i="0" u="none" strike="noStrike">
+                          <a:solidFill>
+                            <a:srgbClr val="000000"/>
+                          </a:solidFill>
+                          <a:effectLst/>
+                          <a:latin typeface="Calibri" panose="020F0502020204030204" pitchFamily="34" charset="0"/>
+                        </a:rPr>
+                        <a:t>MN</a:t>
+                      </a:r>
+                    </a:p>
+                  </a:txBody>
+                  <a:tcPr marL="6619" marR="6619" marT="6619" marB="0" anchor="b">
+                    <a:lnL w="6350" cap="flat" cmpd="sng" algn="ctr">
+                      <a:solidFill>
+                        <a:srgbClr val="000000"/>
+                      </a:solidFill>
+                      <a:prstDash val="solid"/>
+                      <a:round/>
+                      <a:headEnd type="none" w="med" len="med"/>
+                      <a:tailEnd type="none" w="med" len="med"/>
+                    </a:lnL>
+                    <a:lnR w="6350" cap="flat" cmpd="sng" algn="ctr">
+                      <a:solidFill>
+                        <a:srgbClr val="000000"/>
+                      </a:solidFill>
+                      <a:prstDash val="solid"/>
+                      <a:round/>
+                      <a:headEnd type="none" w="med" len="med"/>
+                      <a:tailEnd type="none" w="med" len="med"/>
+                    </a:lnR>
+                    <a:lnT w="6350" cap="flat" cmpd="sng" algn="ctr">
+                      <a:solidFill>
+                        <a:srgbClr val="000000"/>
+                      </a:solidFill>
+                      <a:prstDash val="solid"/>
+                      <a:round/>
+                      <a:headEnd type="none" w="med" len="med"/>
+                      <a:tailEnd type="none" w="med" len="med"/>
+                    </a:lnT>
+                    <a:lnB w="6350" cap="flat" cmpd="sng" algn="ctr">
+                      <a:solidFill>
+                        <a:srgbClr val="000000"/>
+                      </a:solidFill>
+                      <a:prstDash val="solid"/>
+                      <a:round/>
+                      <a:headEnd type="none" w="med" len="med"/>
+                      <a:tailEnd type="none" w="med" len="med"/>
+                    </a:lnB>
+                  </a:tcPr>
+                </a:tc>
+                <a:extLst>
+                  <a:ext uri="{0D108BD9-81ED-4DB2-BD59-A6C34878D82A}">
+                    <a16:rowId xmlns:a16="http://schemas.microsoft.com/office/drawing/2014/main" val="1830125033"/>
+                  </a:ext>
+                </a:extLst>
+              </a:tr>
+              <a:tr h="207796">
+                <a:tc>
+                  <a:txBody>
+                    <a:bodyPr/>
+                    <a:lstStyle/>
+                    <a:p>
+                      <a:pPr algn="r" fontAlgn="b"/>
+                      <a:r>
+                        <a:rPr lang="en-US" sz="1000" b="0" i="0" u="none" strike="noStrike">
+                          <a:solidFill>
+                            <a:srgbClr val="000000"/>
+                          </a:solidFill>
+                          <a:effectLst/>
+                          <a:latin typeface="Calibri" panose="020F0502020204030204" pitchFamily="34" charset="0"/>
+                        </a:rPr>
+                        <a:t>1</a:t>
+                      </a:r>
+                    </a:p>
+                  </a:txBody>
+                  <a:tcPr marL="6619" marR="6619" marT="6619" marB="0" anchor="b">
+                    <a:lnL w="6350" cap="flat" cmpd="sng" algn="ctr">
+                      <a:solidFill>
+                        <a:srgbClr val="000000"/>
+                      </a:solidFill>
+                      <a:prstDash val="solid"/>
+                      <a:round/>
+                      <a:headEnd type="none" w="med" len="med"/>
+                      <a:tailEnd type="none" w="med" len="med"/>
+                    </a:lnL>
+                    <a:lnR w="6350" cap="flat" cmpd="sng" algn="ctr">
+                      <a:solidFill>
+                        <a:srgbClr val="000000"/>
+                      </a:solidFill>
+                      <a:prstDash val="solid"/>
+                      <a:round/>
+                      <a:headEnd type="none" w="med" len="med"/>
+                      <a:tailEnd type="none" w="med" len="med"/>
+                    </a:lnR>
+                    <a:lnT w="6350" cap="flat" cmpd="sng" algn="ctr">
+                      <a:solidFill>
+                        <a:srgbClr val="000000"/>
+                      </a:solidFill>
+                      <a:prstDash val="solid"/>
+                      <a:round/>
+                      <a:headEnd type="none" w="med" len="med"/>
+                      <a:tailEnd type="none" w="med" len="med"/>
+                    </a:lnT>
+                    <a:lnB w="6350" cap="flat" cmpd="sng" algn="ctr">
+                      <a:solidFill>
+                        <a:srgbClr val="000000"/>
+                      </a:solidFill>
+                      <a:prstDash val="solid"/>
+                      <a:round/>
+                      <a:headEnd type="none" w="med" len="med"/>
+                      <a:tailEnd type="none" w="med" len="med"/>
+                    </a:lnB>
+                  </a:tcPr>
+                </a:tc>
+                <a:tc>
+                  <a:txBody>
+                    <a:bodyPr/>
+                    <a:lstStyle/>
+                    <a:p>
+                      <a:pPr algn="l" fontAlgn="b"/>
+                      <a:r>
+                        <a:rPr lang="en-US" sz="1000" b="0" i="0" u="none" strike="noStrike">
+                          <a:solidFill>
+                            <a:srgbClr val="000000"/>
+                          </a:solidFill>
+                          <a:effectLst/>
+                          <a:latin typeface="Calibri" panose="020F0502020204030204" pitchFamily="34" charset="0"/>
+                        </a:rPr>
+                        <a:t>Wall's End</a:t>
+                      </a:r>
+                    </a:p>
+                  </a:txBody>
+                  <a:tcPr marL="6619" marR="6619" marT="6619" marB="0" anchor="b">
+                    <a:lnL w="6350" cap="flat" cmpd="sng" algn="ctr">
+                      <a:solidFill>
+                        <a:srgbClr val="000000"/>
+                      </a:solidFill>
+                      <a:prstDash val="solid"/>
+                      <a:round/>
+                      <a:headEnd type="none" w="med" len="med"/>
+                      <a:tailEnd type="none" w="med" len="med"/>
+                    </a:lnL>
+                    <a:lnR w="6350" cap="flat" cmpd="sng" algn="ctr">
+                      <a:solidFill>
+                        <a:srgbClr val="000000"/>
+                      </a:solidFill>
+                      <a:prstDash val="solid"/>
+                      <a:round/>
+                      <a:headEnd type="none" w="med" len="med"/>
+                      <a:tailEnd type="none" w="med" len="med"/>
+                    </a:lnR>
+                    <a:lnT w="6350" cap="flat" cmpd="sng" algn="ctr">
+                      <a:solidFill>
+                        <a:srgbClr val="000000"/>
+                      </a:solidFill>
+                      <a:prstDash val="solid"/>
+                      <a:round/>
+                      <a:headEnd type="none" w="med" len="med"/>
+                      <a:tailEnd type="none" w="med" len="med"/>
+                    </a:lnT>
+                    <a:lnB w="6350" cap="flat" cmpd="sng" algn="ctr">
+                      <a:solidFill>
+                        <a:srgbClr val="000000"/>
+                      </a:solidFill>
+                      <a:prstDash val="solid"/>
+                      <a:round/>
+                      <a:headEnd type="none" w="med" len="med"/>
+                      <a:tailEnd type="none" w="med" len="med"/>
+                    </a:lnB>
+                  </a:tcPr>
+                </a:tc>
+                <a:tc>
+                  <a:txBody>
+                    <a:bodyPr/>
+                    <a:lstStyle/>
+                    <a:p>
+                      <a:pPr algn="r" fontAlgn="b"/>
+                      <a:r>
+                        <a:rPr lang="en-US" sz="1000" b="0" i="0" u="none" strike="noStrike">
+                          <a:solidFill>
+                            <a:srgbClr val="000000"/>
+                          </a:solidFill>
+                          <a:effectLst/>
+                          <a:latin typeface="Calibri" panose="020F0502020204030204" pitchFamily="34" charset="0"/>
+                        </a:rPr>
+                        <a:t>2690</a:t>
+                      </a:r>
+                    </a:p>
+                  </a:txBody>
+                  <a:tcPr marL="6619" marR="6619" marT="6619" marB="0" anchor="b">
+                    <a:lnL w="6350" cap="flat" cmpd="sng" algn="ctr">
+                      <a:solidFill>
+                        <a:srgbClr val="000000"/>
+                      </a:solidFill>
+                      <a:prstDash val="solid"/>
+                      <a:round/>
+                      <a:headEnd type="none" w="med" len="med"/>
+                      <a:tailEnd type="none" w="med" len="med"/>
+                    </a:lnL>
+                    <a:lnR w="6350" cap="flat" cmpd="sng" algn="ctr">
+                      <a:solidFill>
+                        <a:srgbClr val="000000"/>
+                      </a:solidFill>
+                      <a:prstDash val="solid"/>
+                      <a:round/>
+                      <a:headEnd type="none" w="med" len="med"/>
+                      <a:tailEnd type="none" w="med" len="med"/>
+                    </a:lnR>
+                    <a:lnT w="6350" cap="flat" cmpd="sng" algn="ctr">
+                      <a:solidFill>
+                        <a:srgbClr val="000000"/>
+                      </a:solidFill>
+                      <a:prstDash val="solid"/>
+                      <a:round/>
+                      <a:headEnd type="none" w="med" len="med"/>
+                      <a:tailEnd type="none" w="med" len="med"/>
+                    </a:lnT>
+                    <a:lnB w="6350" cap="flat" cmpd="sng" algn="ctr">
+                      <a:solidFill>
+                        <a:srgbClr val="000000"/>
+                      </a:solidFill>
+                      <a:prstDash val="solid"/>
+                      <a:round/>
+                      <a:headEnd type="none" w="med" len="med"/>
+                      <a:tailEnd type="none" w="med" len="med"/>
+                    </a:lnB>
+                  </a:tcPr>
+                </a:tc>
+                <a:tc>
+                  <a:txBody>
+                    <a:bodyPr/>
+                    <a:lstStyle/>
+                    <a:p>
+                      <a:pPr algn="r" fontAlgn="b"/>
+                      <a:r>
+                        <a:rPr lang="en-US" sz="1000" b="0" i="0" u="none" strike="noStrike">
+                          <a:solidFill>
+                            <a:srgbClr val="000000"/>
+                          </a:solidFill>
+                          <a:effectLst/>
+                          <a:latin typeface="Calibri" panose="020F0502020204030204" pitchFamily="34" charset="0"/>
+                        </a:rPr>
+                        <a:t>0.048</a:t>
+                      </a:r>
+                    </a:p>
+                  </a:txBody>
+                  <a:tcPr marL="6619" marR="6619" marT="6619" marB="0" anchor="b">
+                    <a:lnL w="6350" cap="flat" cmpd="sng" algn="ctr">
+                      <a:solidFill>
+                        <a:srgbClr val="000000"/>
+                      </a:solidFill>
+                      <a:prstDash val="solid"/>
+                      <a:round/>
+                      <a:headEnd type="none" w="med" len="med"/>
+                      <a:tailEnd type="none" w="med" len="med"/>
+                    </a:lnL>
+                    <a:lnR w="6350" cap="flat" cmpd="sng" algn="ctr">
+                      <a:solidFill>
+                        <a:srgbClr val="000000"/>
+                      </a:solidFill>
+                      <a:prstDash val="solid"/>
+                      <a:round/>
+                      <a:headEnd type="none" w="med" len="med"/>
+                      <a:tailEnd type="none" w="med" len="med"/>
+                    </a:lnR>
+                    <a:lnT w="6350" cap="flat" cmpd="sng" algn="ctr">
+                      <a:solidFill>
+                        <a:srgbClr val="000000"/>
+                      </a:solidFill>
+                      <a:prstDash val="solid"/>
+                      <a:round/>
+                      <a:headEnd type="none" w="med" len="med"/>
+                      <a:tailEnd type="none" w="med" len="med"/>
+                    </a:lnT>
+                    <a:lnB w="6350" cap="flat" cmpd="sng" algn="ctr">
+                      <a:solidFill>
+                        <a:srgbClr val="000000"/>
+                      </a:solidFill>
+                      <a:prstDash val="solid"/>
+                      <a:round/>
+                      <a:headEnd type="none" w="med" len="med"/>
+                      <a:tailEnd type="none" w="med" len="med"/>
+                    </a:lnB>
+                  </a:tcPr>
+                </a:tc>
+                <a:tc>
+                  <a:txBody>
+                    <a:bodyPr/>
+                    <a:lstStyle/>
+                    <a:p>
+                      <a:pPr algn="r" fontAlgn="b"/>
+                      <a:r>
+                        <a:rPr lang="en-US" sz="1000" b="0" i="0" u="none" strike="noStrike">
+                          <a:solidFill>
+                            <a:srgbClr val="000000"/>
+                          </a:solidFill>
+                          <a:effectLst/>
+                          <a:latin typeface="Calibri" panose="020F0502020204030204" pitchFamily="34" charset="0"/>
+                        </a:rPr>
+                        <a:t>19</a:t>
+                      </a:r>
+                    </a:p>
+                  </a:txBody>
+                  <a:tcPr marL="6619" marR="6619" marT="6619" marB="0" anchor="b">
+                    <a:lnL w="6350" cap="flat" cmpd="sng" algn="ctr">
+                      <a:solidFill>
+                        <a:srgbClr val="000000"/>
+                      </a:solidFill>
+                      <a:prstDash val="solid"/>
+                      <a:round/>
+                      <a:headEnd type="none" w="med" len="med"/>
+                      <a:tailEnd type="none" w="med" len="med"/>
+                    </a:lnL>
+                    <a:lnR w="6350" cap="flat" cmpd="sng" algn="ctr">
+                      <a:solidFill>
+                        <a:srgbClr val="000000"/>
+                      </a:solidFill>
+                      <a:prstDash val="solid"/>
+                      <a:round/>
+                      <a:headEnd type="none" w="med" len="med"/>
+                      <a:tailEnd type="none" w="med" len="med"/>
+                    </a:lnR>
+                    <a:lnT w="6350" cap="flat" cmpd="sng" algn="ctr">
+                      <a:solidFill>
+                        <a:srgbClr val="000000"/>
+                      </a:solidFill>
+                      <a:prstDash val="solid"/>
+                      <a:round/>
+                      <a:headEnd type="none" w="med" len="med"/>
+                      <a:tailEnd type="none" w="med" len="med"/>
+                    </a:lnT>
+                    <a:lnB w="6350" cap="flat" cmpd="sng" algn="ctr">
+                      <a:solidFill>
+                        <a:srgbClr val="000000"/>
+                      </a:solidFill>
+                      <a:prstDash val="solid"/>
+                      <a:round/>
+                      <a:headEnd type="none" w="med" len="med"/>
+                      <a:tailEnd type="none" w="med" len="med"/>
+                    </a:lnB>
+                  </a:tcPr>
+                </a:tc>
+                <a:tc>
+                  <a:txBody>
+                    <a:bodyPr/>
+                    <a:lstStyle/>
+                    <a:p>
+                      <a:pPr algn="l" fontAlgn="b"/>
+                      <a:r>
+                        <a:rPr lang="en-US" sz="1000" b="0" i="0" u="none" strike="noStrike">
+                          <a:solidFill>
+                            <a:srgbClr val="000000"/>
+                          </a:solidFill>
+                          <a:effectLst/>
+                          <a:latin typeface="Calibri" panose="020F0502020204030204" pitchFamily="34" charset="0"/>
+                        </a:rPr>
+                        <a:t>English Brown Ale</a:t>
+                      </a:r>
+                    </a:p>
+                  </a:txBody>
+                  <a:tcPr marL="6619" marR="6619" marT="6619" marB="0" anchor="b">
+                    <a:lnL w="6350" cap="flat" cmpd="sng" algn="ctr">
+                      <a:solidFill>
+                        <a:srgbClr val="000000"/>
+                      </a:solidFill>
+                      <a:prstDash val="solid"/>
+                      <a:round/>
+                      <a:headEnd type="none" w="med" len="med"/>
+                      <a:tailEnd type="none" w="med" len="med"/>
+                    </a:lnL>
+                    <a:lnR w="6350" cap="flat" cmpd="sng" algn="ctr">
+                      <a:solidFill>
+                        <a:srgbClr val="000000"/>
+                      </a:solidFill>
+                      <a:prstDash val="solid"/>
+                      <a:round/>
+                      <a:headEnd type="none" w="med" len="med"/>
+                      <a:tailEnd type="none" w="med" len="med"/>
+                    </a:lnR>
+                    <a:lnT w="6350" cap="flat" cmpd="sng" algn="ctr">
+                      <a:solidFill>
+                        <a:srgbClr val="000000"/>
+                      </a:solidFill>
+                      <a:prstDash val="solid"/>
+                      <a:round/>
+                      <a:headEnd type="none" w="med" len="med"/>
+                      <a:tailEnd type="none" w="med" len="med"/>
+                    </a:lnT>
+                    <a:lnB w="6350" cap="flat" cmpd="sng" algn="ctr">
+                      <a:solidFill>
+                        <a:srgbClr val="000000"/>
+                      </a:solidFill>
+                      <a:prstDash val="solid"/>
+                      <a:round/>
+                      <a:headEnd type="none" w="med" len="med"/>
+                      <a:tailEnd type="none" w="med" len="med"/>
+                    </a:lnB>
+                  </a:tcPr>
+                </a:tc>
+                <a:tc>
+                  <a:txBody>
+                    <a:bodyPr/>
+                    <a:lstStyle/>
+                    <a:p>
+                      <a:pPr algn="r" fontAlgn="b"/>
+                      <a:r>
+                        <a:rPr lang="en-US" sz="1000" b="0" i="0" u="none" strike="noStrike">
+                          <a:solidFill>
+                            <a:srgbClr val="000000"/>
+                          </a:solidFill>
+                          <a:effectLst/>
+                          <a:latin typeface="Calibri" panose="020F0502020204030204" pitchFamily="34" charset="0"/>
+                        </a:rPr>
+                        <a:t>16</a:t>
+                      </a:r>
+                    </a:p>
+                  </a:txBody>
+                  <a:tcPr marL="6619" marR="6619" marT="6619" marB="0" anchor="b">
+                    <a:lnL w="6350" cap="flat" cmpd="sng" algn="ctr">
+                      <a:solidFill>
+                        <a:srgbClr val="000000"/>
+                      </a:solidFill>
+                      <a:prstDash val="solid"/>
+                      <a:round/>
+                      <a:headEnd type="none" w="med" len="med"/>
+                      <a:tailEnd type="none" w="med" len="med"/>
+                    </a:lnL>
+                    <a:lnR w="6350" cap="flat" cmpd="sng" algn="ctr">
+                      <a:solidFill>
+                        <a:srgbClr val="000000"/>
+                      </a:solidFill>
+                      <a:prstDash val="solid"/>
+                      <a:round/>
+                      <a:headEnd type="none" w="med" len="med"/>
+                      <a:tailEnd type="none" w="med" len="med"/>
+                    </a:lnR>
+                    <a:lnT w="6350" cap="flat" cmpd="sng" algn="ctr">
+                      <a:solidFill>
+                        <a:srgbClr val="000000"/>
+                      </a:solidFill>
+                      <a:prstDash val="solid"/>
+                      <a:round/>
+                      <a:headEnd type="none" w="med" len="med"/>
+                      <a:tailEnd type="none" w="med" len="med"/>
+                    </a:lnT>
+                    <a:lnB w="6350" cap="flat" cmpd="sng" algn="ctr">
+                      <a:solidFill>
+                        <a:srgbClr val="000000"/>
+                      </a:solidFill>
+                      <a:prstDash val="solid"/>
+                      <a:round/>
+                      <a:headEnd type="none" w="med" len="med"/>
+                      <a:tailEnd type="none" w="med" len="med"/>
+                    </a:lnB>
+                  </a:tcPr>
+                </a:tc>
+                <a:tc>
+                  <a:txBody>
+                    <a:bodyPr/>
+                    <a:lstStyle/>
+                    <a:p>
+                      <a:pPr algn="l" fontAlgn="b"/>
+                      <a:r>
+                        <a:rPr lang="en-US" sz="1000" b="0" i="0" u="none" strike="noStrike">
+                          <a:solidFill>
+                            <a:srgbClr val="000000"/>
+                          </a:solidFill>
+                          <a:effectLst/>
+                          <a:latin typeface="Calibri" panose="020F0502020204030204" pitchFamily="34" charset="0"/>
+                        </a:rPr>
+                        <a:t>NorthGate Brewing</a:t>
+                      </a:r>
+                    </a:p>
+                  </a:txBody>
+                  <a:tcPr marL="6619" marR="6619" marT="6619" marB="0" anchor="b">
+                    <a:lnL w="6350" cap="flat" cmpd="sng" algn="ctr">
+                      <a:solidFill>
+                        <a:srgbClr val="000000"/>
+                      </a:solidFill>
+                      <a:prstDash val="solid"/>
+                      <a:round/>
+                      <a:headEnd type="none" w="med" len="med"/>
+                      <a:tailEnd type="none" w="med" len="med"/>
+                    </a:lnL>
+                    <a:lnR w="6350" cap="flat" cmpd="sng" algn="ctr">
+                      <a:solidFill>
+                        <a:srgbClr val="000000"/>
+                      </a:solidFill>
+                      <a:prstDash val="solid"/>
+                      <a:round/>
+                      <a:headEnd type="none" w="med" len="med"/>
+                      <a:tailEnd type="none" w="med" len="med"/>
+                    </a:lnR>
+                    <a:lnT w="6350" cap="flat" cmpd="sng" algn="ctr">
+                      <a:solidFill>
+                        <a:srgbClr val="000000"/>
+                      </a:solidFill>
+                      <a:prstDash val="solid"/>
+                      <a:round/>
+                      <a:headEnd type="none" w="med" len="med"/>
+                      <a:tailEnd type="none" w="med" len="med"/>
+                    </a:lnT>
+                    <a:lnB w="6350" cap="flat" cmpd="sng" algn="ctr">
+                      <a:solidFill>
+                        <a:srgbClr val="000000"/>
+                      </a:solidFill>
+                      <a:prstDash val="solid"/>
+                      <a:round/>
+                      <a:headEnd type="none" w="med" len="med"/>
+                      <a:tailEnd type="none" w="med" len="med"/>
+                    </a:lnB>
+                  </a:tcPr>
+                </a:tc>
+                <a:tc>
+                  <a:txBody>
+                    <a:bodyPr/>
+                    <a:lstStyle/>
+                    <a:p>
+                      <a:pPr algn="l" fontAlgn="b"/>
+                      <a:r>
+                        <a:rPr lang="en-US" sz="1000" b="0" i="0" u="none" strike="noStrike">
+                          <a:solidFill>
+                            <a:srgbClr val="000000"/>
+                          </a:solidFill>
+                          <a:effectLst/>
+                          <a:latin typeface="Calibri" panose="020F0502020204030204" pitchFamily="34" charset="0"/>
+                        </a:rPr>
+                        <a:t>Minneapolis</a:t>
+                      </a:r>
+                    </a:p>
+                  </a:txBody>
+                  <a:tcPr marL="6619" marR="6619" marT="6619" marB="0" anchor="b">
+                    <a:lnL w="6350" cap="flat" cmpd="sng" algn="ctr">
+                      <a:solidFill>
+                        <a:srgbClr val="000000"/>
+                      </a:solidFill>
+                      <a:prstDash val="solid"/>
+                      <a:round/>
+                      <a:headEnd type="none" w="med" len="med"/>
+                      <a:tailEnd type="none" w="med" len="med"/>
+                    </a:lnL>
+                    <a:lnR w="6350" cap="flat" cmpd="sng" algn="ctr">
+                      <a:solidFill>
+                        <a:srgbClr val="000000"/>
+                      </a:solidFill>
+                      <a:prstDash val="solid"/>
+                      <a:round/>
+                      <a:headEnd type="none" w="med" len="med"/>
+                      <a:tailEnd type="none" w="med" len="med"/>
+                    </a:lnR>
+                    <a:lnT w="6350" cap="flat" cmpd="sng" algn="ctr">
+                      <a:solidFill>
+                        <a:srgbClr val="000000"/>
+                      </a:solidFill>
+                      <a:prstDash val="solid"/>
+                      <a:round/>
+                      <a:headEnd type="none" w="med" len="med"/>
+                      <a:tailEnd type="none" w="med" len="med"/>
+                    </a:lnT>
+                    <a:lnB w="6350" cap="flat" cmpd="sng" algn="ctr">
+                      <a:solidFill>
+                        <a:srgbClr val="000000"/>
+                      </a:solidFill>
+                      <a:prstDash val="solid"/>
+                      <a:round/>
+                      <a:headEnd type="none" w="med" len="med"/>
+                      <a:tailEnd type="none" w="med" len="med"/>
+                    </a:lnB>
+                  </a:tcPr>
+                </a:tc>
+                <a:tc>
+                  <a:txBody>
+                    <a:bodyPr/>
+                    <a:lstStyle/>
+                    <a:p>
+                      <a:pPr algn="l" fontAlgn="b"/>
+                      <a:r>
+                        <a:rPr lang="en-US" sz="1000" b="0" i="0" u="none" strike="noStrike">
+                          <a:solidFill>
+                            <a:srgbClr val="000000"/>
+                          </a:solidFill>
+                          <a:effectLst/>
+                          <a:latin typeface="Calibri" panose="020F0502020204030204" pitchFamily="34" charset="0"/>
+                        </a:rPr>
+                        <a:t>MN</a:t>
+                      </a:r>
+                    </a:p>
+                  </a:txBody>
+                  <a:tcPr marL="6619" marR="6619" marT="6619" marB="0" anchor="b">
+                    <a:lnL w="6350" cap="flat" cmpd="sng" algn="ctr">
+                      <a:solidFill>
+                        <a:srgbClr val="000000"/>
+                      </a:solidFill>
+                      <a:prstDash val="solid"/>
+                      <a:round/>
+                      <a:headEnd type="none" w="med" len="med"/>
+                      <a:tailEnd type="none" w="med" len="med"/>
+                    </a:lnL>
+                    <a:lnR w="6350" cap="flat" cmpd="sng" algn="ctr">
+                      <a:solidFill>
+                        <a:srgbClr val="000000"/>
+                      </a:solidFill>
+                      <a:prstDash val="solid"/>
+                      <a:round/>
+                      <a:headEnd type="none" w="med" len="med"/>
+                      <a:tailEnd type="none" w="med" len="med"/>
+                    </a:lnR>
+                    <a:lnT w="6350" cap="flat" cmpd="sng" algn="ctr">
+                      <a:solidFill>
+                        <a:srgbClr val="000000"/>
+                      </a:solidFill>
+                      <a:prstDash val="solid"/>
+                      <a:round/>
+                      <a:headEnd type="none" w="med" len="med"/>
+                      <a:tailEnd type="none" w="med" len="med"/>
+                    </a:lnT>
+                    <a:lnB w="6350" cap="flat" cmpd="sng" algn="ctr">
+                      <a:solidFill>
+                        <a:srgbClr val="000000"/>
+                      </a:solidFill>
+                      <a:prstDash val="solid"/>
+                      <a:round/>
+                      <a:headEnd type="none" w="med" len="med"/>
+                      <a:tailEnd type="none" w="med" len="med"/>
+                    </a:lnB>
+                  </a:tcPr>
+                </a:tc>
+                <a:extLst>
+                  <a:ext uri="{0D108BD9-81ED-4DB2-BD59-A6C34878D82A}">
+                    <a16:rowId xmlns:a16="http://schemas.microsoft.com/office/drawing/2014/main" val="333250803"/>
+                  </a:ext>
+                </a:extLst>
+              </a:tr>
+              <a:tr h="158856">
+                <a:tc>
+                  <a:txBody>
+                    <a:bodyPr/>
+                    <a:lstStyle/>
+                    <a:p>
+                      <a:pPr algn="r" fontAlgn="b"/>
+                      <a:r>
+                        <a:rPr lang="en-US" sz="1000" b="0" i="0" u="none" strike="noStrike">
+                          <a:solidFill>
+                            <a:srgbClr val="000000"/>
+                          </a:solidFill>
+                          <a:effectLst/>
+                          <a:latin typeface="Calibri" panose="020F0502020204030204" pitchFamily="34" charset="0"/>
+                        </a:rPr>
+                        <a:t>1</a:t>
+                      </a:r>
+                    </a:p>
+                  </a:txBody>
+                  <a:tcPr marL="6619" marR="6619" marT="6619" marB="0" anchor="b">
+                    <a:lnL w="6350" cap="flat" cmpd="sng" algn="ctr">
+                      <a:solidFill>
+                        <a:srgbClr val="000000"/>
+                      </a:solidFill>
+                      <a:prstDash val="solid"/>
+                      <a:round/>
+                      <a:headEnd type="none" w="med" len="med"/>
+                      <a:tailEnd type="none" w="med" len="med"/>
+                    </a:lnL>
+                    <a:lnR w="6350" cap="flat" cmpd="sng" algn="ctr">
+                      <a:solidFill>
+                        <a:srgbClr val="000000"/>
+                      </a:solidFill>
+                      <a:prstDash val="solid"/>
+                      <a:round/>
+                      <a:headEnd type="none" w="med" len="med"/>
+                      <a:tailEnd type="none" w="med" len="med"/>
+                    </a:lnR>
+                    <a:lnT w="6350" cap="flat" cmpd="sng" algn="ctr">
+                      <a:solidFill>
+                        <a:srgbClr val="000000"/>
+                      </a:solidFill>
+                      <a:prstDash val="solid"/>
+                      <a:round/>
+                      <a:headEnd type="none" w="med" len="med"/>
+                      <a:tailEnd type="none" w="med" len="med"/>
+                    </a:lnT>
+                    <a:lnB w="6350" cap="flat" cmpd="sng" algn="ctr">
+                      <a:solidFill>
+                        <a:srgbClr val="000000"/>
+                      </a:solidFill>
+                      <a:prstDash val="solid"/>
+                      <a:round/>
+                      <a:headEnd type="none" w="med" len="med"/>
+                      <a:tailEnd type="none" w="med" len="med"/>
+                    </a:lnB>
+                  </a:tcPr>
+                </a:tc>
+                <a:tc>
+                  <a:txBody>
+                    <a:bodyPr/>
+                    <a:lstStyle/>
+                    <a:p>
+                      <a:pPr algn="l" fontAlgn="b"/>
+                      <a:r>
+                        <a:rPr lang="en-US" sz="1000" b="0" i="0" u="none" strike="noStrike">
+                          <a:solidFill>
+                            <a:srgbClr val="000000"/>
+                          </a:solidFill>
+                          <a:effectLst/>
+                          <a:latin typeface="Calibri" panose="020F0502020204030204" pitchFamily="34" charset="0"/>
+                        </a:rPr>
+                        <a:t>Pumpion</a:t>
+                      </a:r>
+                    </a:p>
+                  </a:txBody>
+                  <a:tcPr marL="6619" marR="6619" marT="6619" marB="0" anchor="b">
+                    <a:lnL w="6350" cap="flat" cmpd="sng" algn="ctr">
+                      <a:solidFill>
+                        <a:srgbClr val="000000"/>
+                      </a:solidFill>
+                      <a:prstDash val="solid"/>
+                      <a:round/>
+                      <a:headEnd type="none" w="med" len="med"/>
+                      <a:tailEnd type="none" w="med" len="med"/>
+                    </a:lnL>
+                    <a:lnR w="6350" cap="flat" cmpd="sng" algn="ctr">
+                      <a:solidFill>
+                        <a:srgbClr val="000000"/>
+                      </a:solidFill>
+                      <a:prstDash val="solid"/>
+                      <a:round/>
+                      <a:headEnd type="none" w="med" len="med"/>
+                      <a:tailEnd type="none" w="med" len="med"/>
+                    </a:lnR>
+                    <a:lnT w="6350" cap="flat" cmpd="sng" algn="ctr">
+                      <a:solidFill>
+                        <a:srgbClr val="000000"/>
+                      </a:solidFill>
+                      <a:prstDash val="solid"/>
+                      <a:round/>
+                      <a:headEnd type="none" w="med" len="med"/>
+                      <a:tailEnd type="none" w="med" len="med"/>
+                    </a:lnT>
+                    <a:lnB w="6350" cap="flat" cmpd="sng" algn="ctr">
+                      <a:solidFill>
+                        <a:srgbClr val="000000"/>
+                      </a:solidFill>
+                      <a:prstDash val="solid"/>
+                      <a:round/>
+                      <a:headEnd type="none" w="med" len="med"/>
+                      <a:tailEnd type="none" w="med" len="med"/>
+                    </a:lnB>
+                  </a:tcPr>
+                </a:tc>
+                <a:tc>
+                  <a:txBody>
+                    <a:bodyPr/>
+                    <a:lstStyle/>
+                    <a:p>
+                      <a:pPr algn="r" fontAlgn="b"/>
+                      <a:r>
+                        <a:rPr lang="en-US" sz="1000" b="0" i="0" u="none" strike="noStrike">
+                          <a:solidFill>
+                            <a:srgbClr val="000000"/>
+                          </a:solidFill>
+                          <a:effectLst/>
+                          <a:latin typeface="Calibri" panose="020F0502020204030204" pitchFamily="34" charset="0"/>
+                        </a:rPr>
+                        <a:t>2689</a:t>
+                      </a:r>
+                    </a:p>
+                  </a:txBody>
+                  <a:tcPr marL="6619" marR="6619" marT="6619" marB="0" anchor="b">
+                    <a:lnL w="6350" cap="flat" cmpd="sng" algn="ctr">
+                      <a:solidFill>
+                        <a:srgbClr val="000000"/>
+                      </a:solidFill>
+                      <a:prstDash val="solid"/>
+                      <a:round/>
+                      <a:headEnd type="none" w="med" len="med"/>
+                      <a:tailEnd type="none" w="med" len="med"/>
+                    </a:lnL>
+                    <a:lnR w="6350" cap="flat" cmpd="sng" algn="ctr">
+                      <a:solidFill>
+                        <a:srgbClr val="000000"/>
+                      </a:solidFill>
+                      <a:prstDash val="solid"/>
+                      <a:round/>
+                      <a:headEnd type="none" w="med" len="med"/>
+                      <a:tailEnd type="none" w="med" len="med"/>
+                    </a:lnR>
+                    <a:lnT w="6350" cap="flat" cmpd="sng" algn="ctr">
+                      <a:solidFill>
+                        <a:srgbClr val="000000"/>
+                      </a:solidFill>
+                      <a:prstDash val="solid"/>
+                      <a:round/>
+                      <a:headEnd type="none" w="med" len="med"/>
+                      <a:tailEnd type="none" w="med" len="med"/>
+                    </a:lnT>
+                    <a:lnB w="6350" cap="flat" cmpd="sng" algn="ctr">
+                      <a:solidFill>
+                        <a:srgbClr val="000000"/>
+                      </a:solidFill>
+                      <a:prstDash val="solid"/>
+                      <a:round/>
+                      <a:headEnd type="none" w="med" len="med"/>
+                      <a:tailEnd type="none" w="med" len="med"/>
+                    </a:lnB>
+                  </a:tcPr>
+                </a:tc>
+                <a:tc>
+                  <a:txBody>
+                    <a:bodyPr/>
+                    <a:lstStyle/>
+                    <a:p>
+                      <a:pPr algn="r" fontAlgn="b"/>
+                      <a:r>
+                        <a:rPr lang="en-US" sz="1000" b="0" i="0" u="none" strike="noStrike">
+                          <a:solidFill>
+                            <a:srgbClr val="000000"/>
+                          </a:solidFill>
+                          <a:effectLst/>
+                          <a:latin typeface="Calibri" panose="020F0502020204030204" pitchFamily="34" charset="0"/>
+                        </a:rPr>
+                        <a:t>0.06</a:t>
+                      </a:r>
+                    </a:p>
+                  </a:txBody>
+                  <a:tcPr marL="6619" marR="6619" marT="6619" marB="0" anchor="b">
+                    <a:lnL w="6350" cap="flat" cmpd="sng" algn="ctr">
+                      <a:solidFill>
+                        <a:srgbClr val="000000"/>
+                      </a:solidFill>
+                      <a:prstDash val="solid"/>
+                      <a:round/>
+                      <a:headEnd type="none" w="med" len="med"/>
+                      <a:tailEnd type="none" w="med" len="med"/>
+                    </a:lnL>
+                    <a:lnR w="6350" cap="flat" cmpd="sng" algn="ctr">
+                      <a:solidFill>
+                        <a:srgbClr val="000000"/>
+                      </a:solidFill>
+                      <a:prstDash val="solid"/>
+                      <a:round/>
+                      <a:headEnd type="none" w="med" len="med"/>
+                      <a:tailEnd type="none" w="med" len="med"/>
+                    </a:lnR>
+                    <a:lnT w="6350" cap="flat" cmpd="sng" algn="ctr">
+                      <a:solidFill>
+                        <a:srgbClr val="000000"/>
+                      </a:solidFill>
+                      <a:prstDash val="solid"/>
+                      <a:round/>
+                      <a:headEnd type="none" w="med" len="med"/>
+                      <a:tailEnd type="none" w="med" len="med"/>
+                    </a:lnT>
+                    <a:lnB w="6350" cap="flat" cmpd="sng" algn="ctr">
+                      <a:solidFill>
+                        <a:srgbClr val="000000"/>
+                      </a:solidFill>
+                      <a:prstDash val="solid"/>
+                      <a:round/>
+                      <a:headEnd type="none" w="med" len="med"/>
+                      <a:tailEnd type="none" w="med" len="med"/>
+                    </a:lnB>
+                  </a:tcPr>
+                </a:tc>
+                <a:tc>
+                  <a:txBody>
+                    <a:bodyPr/>
+                    <a:lstStyle/>
+                    <a:p>
+                      <a:pPr algn="r" fontAlgn="b"/>
+                      <a:r>
+                        <a:rPr lang="en-US" sz="1000" b="0" i="0" u="none" strike="noStrike">
+                          <a:solidFill>
+                            <a:srgbClr val="000000"/>
+                          </a:solidFill>
+                          <a:effectLst/>
+                          <a:latin typeface="Calibri" panose="020F0502020204030204" pitchFamily="34" charset="0"/>
+                        </a:rPr>
+                        <a:t>38</a:t>
+                      </a:r>
+                    </a:p>
+                  </a:txBody>
+                  <a:tcPr marL="6619" marR="6619" marT="6619" marB="0" anchor="b">
+                    <a:lnL w="6350" cap="flat" cmpd="sng" algn="ctr">
+                      <a:solidFill>
+                        <a:srgbClr val="000000"/>
+                      </a:solidFill>
+                      <a:prstDash val="solid"/>
+                      <a:round/>
+                      <a:headEnd type="none" w="med" len="med"/>
+                      <a:tailEnd type="none" w="med" len="med"/>
+                    </a:lnL>
+                    <a:lnR w="6350" cap="flat" cmpd="sng" algn="ctr">
+                      <a:solidFill>
+                        <a:srgbClr val="000000"/>
+                      </a:solidFill>
+                      <a:prstDash val="solid"/>
+                      <a:round/>
+                      <a:headEnd type="none" w="med" len="med"/>
+                      <a:tailEnd type="none" w="med" len="med"/>
+                    </a:lnR>
+                    <a:lnT w="6350" cap="flat" cmpd="sng" algn="ctr">
+                      <a:solidFill>
+                        <a:srgbClr val="000000"/>
+                      </a:solidFill>
+                      <a:prstDash val="solid"/>
+                      <a:round/>
+                      <a:headEnd type="none" w="med" len="med"/>
+                      <a:tailEnd type="none" w="med" len="med"/>
+                    </a:lnT>
+                    <a:lnB w="6350" cap="flat" cmpd="sng" algn="ctr">
+                      <a:solidFill>
+                        <a:srgbClr val="000000"/>
+                      </a:solidFill>
+                      <a:prstDash val="solid"/>
+                      <a:round/>
+                      <a:headEnd type="none" w="med" len="med"/>
+                      <a:tailEnd type="none" w="med" len="med"/>
+                    </a:lnB>
+                  </a:tcPr>
+                </a:tc>
+                <a:tc>
+                  <a:txBody>
+                    <a:bodyPr/>
+                    <a:lstStyle/>
+                    <a:p>
+                      <a:pPr algn="l" fontAlgn="b"/>
+                      <a:r>
+                        <a:rPr lang="en-US" sz="1000" b="0" i="0" u="none" strike="noStrike">
+                          <a:solidFill>
+                            <a:srgbClr val="000000"/>
+                          </a:solidFill>
+                          <a:effectLst/>
+                          <a:latin typeface="Calibri" panose="020F0502020204030204" pitchFamily="34" charset="0"/>
+                        </a:rPr>
+                        <a:t>Pumpkin Ale</a:t>
+                      </a:r>
+                    </a:p>
+                  </a:txBody>
+                  <a:tcPr marL="6619" marR="6619" marT="6619" marB="0" anchor="b">
+                    <a:lnL w="6350" cap="flat" cmpd="sng" algn="ctr">
+                      <a:solidFill>
+                        <a:srgbClr val="000000"/>
+                      </a:solidFill>
+                      <a:prstDash val="solid"/>
+                      <a:round/>
+                      <a:headEnd type="none" w="med" len="med"/>
+                      <a:tailEnd type="none" w="med" len="med"/>
+                    </a:lnL>
+                    <a:lnR w="6350" cap="flat" cmpd="sng" algn="ctr">
+                      <a:solidFill>
+                        <a:srgbClr val="000000"/>
+                      </a:solidFill>
+                      <a:prstDash val="solid"/>
+                      <a:round/>
+                      <a:headEnd type="none" w="med" len="med"/>
+                      <a:tailEnd type="none" w="med" len="med"/>
+                    </a:lnR>
+                    <a:lnT w="6350" cap="flat" cmpd="sng" algn="ctr">
+                      <a:solidFill>
+                        <a:srgbClr val="000000"/>
+                      </a:solidFill>
+                      <a:prstDash val="solid"/>
+                      <a:round/>
+                      <a:headEnd type="none" w="med" len="med"/>
+                      <a:tailEnd type="none" w="med" len="med"/>
+                    </a:lnT>
+                    <a:lnB w="6350" cap="flat" cmpd="sng" algn="ctr">
+                      <a:solidFill>
+                        <a:srgbClr val="000000"/>
+                      </a:solidFill>
+                      <a:prstDash val="solid"/>
+                      <a:round/>
+                      <a:headEnd type="none" w="med" len="med"/>
+                      <a:tailEnd type="none" w="med" len="med"/>
+                    </a:lnB>
+                  </a:tcPr>
+                </a:tc>
+                <a:tc>
+                  <a:txBody>
+                    <a:bodyPr/>
+                    <a:lstStyle/>
+                    <a:p>
+                      <a:pPr algn="r" fontAlgn="b"/>
+                      <a:r>
+                        <a:rPr lang="en-US" sz="1000" b="0" i="0" u="none" strike="noStrike">
+                          <a:solidFill>
+                            <a:srgbClr val="000000"/>
+                          </a:solidFill>
+                          <a:effectLst/>
+                          <a:latin typeface="Calibri" panose="020F0502020204030204" pitchFamily="34" charset="0"/>
+                        </a:rPr>
+                        <a:t>16</a:t>
+                      </a:r>
+                    </a:p>
+                  </a:txBody>
+                  <a:tcPr marL="6619" marR="6619" marT="6619" marB="0" anchor="b">
+                    <a:lnL w="6350" cap="flat" cmpd="sng" algn="ctr">
+                      <a:solidFill>
+                        <a:srgbClr val="000000"/>
+                      </a:solidFill>
+                      <a:prstDash val="solid"/>
+                      <a:round/>
+                      <a:headEnd type="none" w="med" len="med"/>
+                      <a:tailEnd type="none" w="med" len="med"/>
+                    </a:lnL>
+                    <a:lnR w="6350" cap="flat" cmpd="sng" algn="ctr">
+                      <a:solidFill>
+                        <a:srgbClr val="000000"/>
+                      </a:solidFill>
+                      <a:prstDash val="solid"/>
+                      <a:round/>
+                      <a:headEnd type="none" w="med" len="med"/>
+                      <a:tailEnd type="none" w="med" len="med"/>
+                    </a:lnR>
+                    <a:lnT w="6350" cap="flat" cmpd="sng" algn="ctr">
+                      <a:solidFill>
+                        <a:srgbClr val="000000"/>
+                      </a:solidFill>
+                      <a:prstDash val="solid"/>
+                      <a:round/>
+                      <a:headEnd type="none" w="med" len="med"/>
+                      <a:tailEnd type="none" w="med" len="med"/>
+                    </a:lnT>
+                    <a:lnB w="6350" cap="flat" cmpd="sng" algn="ctr">
+                      <a:solidFill>
+                        <a:srgbClr val="000000"/>
+                      </a:solidFill>
+                      <a:prstDash val="solid"/>
+                      <a:round/>
+                      <a:headEnd type="none" w="med" len="med"/>
+                      <a:tailEnd type="none" w="med" len="med"/>
+                    </a:lnB>
+                  </a:tcPr>
+                </a:tc>
+                <a:tc>
+                  <a:txBody>
+                    <a:bodyPr/>
+                    <a:lstStyle/>
+                    <a:p>
+                      <a:pPr algn="l" fontAlgn="b"/>
+                      <a:r>
+                        <a:rPr lang="en-US" sz="1000" b="0" i="0" u="none" strike="noStrike">
+                          <a:solidFill>
+                            <a:srgbClr val="000000"/>
+                          </a:solidFill>
+                          <a:effectLst/>
+                          <a:latin typeface="Calibri" panose="020F0502020204030204" pitchFamily="34" charset="0"/>
+                        </a:rPr>
+                        <a:t>NorthGate Brewing</a:t>
+                      </a:r>
+                    </a:p>
+                  </a:txBody>
+                  <a:tcPr marL="6619" marR="6619" marT="6619" marB="0" anchor="b">
+                    <a:lnL w="6350" cap="flat" cmpd="sng" algn="ctr">
+                      <a:solidFill>
+                        <a:srgbClr val="000000"/>
+                      </a:solidFill>
+                      <a:prstDash val="solid"/>
+                      <a:round/>
+                      <a:headEnd type="none" w="med" len="med"/>
+                      <a:tailEnd type="none" w="med" len="med"/>
+                    </a:lnL>
+                    <a:lnR w="6350" cap="flat" cmpd="sng" algn="ctr">
+                      <a:solidFill>
+                        <a:srgbClr val="000000"/>
+                      </a:solidFill>
+                      <a:prstDash val="solid"/>
+                      <a:round/>
+                      <a:headEnd type="none" w="med" len="med"/>
+                      <a:tailEnd type="none" w="med" len="med"/>
+                    </a:lnR>
+                    <a:lnT w="6350" cap="flat" cmpd="sng" algn="ctr">
+                      <a:solidFill>
+                        <a:srgbClr val="000000"/>
+                      </a:solidFill>
+                      <a:prstDash val="solid"/>
+                      <a:round/>
+                      <a:headEnd type="none" w="med" len="med"/>
+                      <a:tailEnd type="none" w="med" len="med"/>
+                    </a:lnT>
+                    <a:lnB w="6350" cap="flat" cmpd="sng" algn="ctr">
+                      <a:solidFill>
+                        <a:srgbClr val="000000"/>
+                      </a:solidFill>
+                      <a:prstDash val="solid"/>
+                      <a:round/>
+                      <a:headEnd type="none" w="med" len="med"/>
+                      <a:tailEnd type="none" w="med" len="med"/>
+                    </a:lnB>
+                  </a:tcPr>
+                </a:tc>
+                <a:tc>
+                  <a:txBody>
+                    <a:bodyPr/>
+                    <a:lstStyle/>
+                    <a:p>
+                      <a:pPr algn="l" fontAlgn="b"/>
+                      <a:r>
+                        <a:rPr lang="en-US" sz="1000" b="0" i="0" u="none" strike="noStrike">
+                          <a:solidFill>
+                            <a:srgbClr val="000000"/>
+                          </a:solidFill>
+                          <a:effectLst/>
+                          <a:latin typeface="Calibri" panose="020F0502020204030204" pitchFamily="34" charset="0"/>
+                        </a:rPr>
+                        <a:t>Minneapolis</a:t>
+                      </a:r>
+                    </a:p>
+                  </a:txBody>
+                  <a:tcPr marL="6619" marR="6619" marT="6619" marB="0" anchor="b">
+                    <a:lnL w="6350" cap="flat" cmpd="sng" algn="ctr">
+                      <a:solidFill>
+                        <a:srgbClr val="000000"/>
+                      </a:solidFill>
+                      <a:prstDash val="solid"/>
+                      <a:round/>
+                      <a:headEnd type="none" w="med" len="med"/>
+                      <a:tailEnd type="none" w="med" len="med"/>
+                    </a:lnL>
+                    <a:lnR w="6350" cap="flat" cmpd="sng" algn="ctr">
+                      <a:solidFill>
+                        <a:srgbClr val="000000"/>
+                      </a:solidFill>
+                      <a:prstDash val="solid"/>
+                      <a:round/>
+                      <a:headEnd type="none" w="med" len="med"/>
+                      <a:tailEnd type="none" w="med" len="med"/>
+                    </a:lnR>
+                    <a:lnT w="6350" cap="flat" cmpd="sng" algn="ctr">
+                      <a:solidFill>
+                        <a:srgbClr val="000000"/>
+                      </a:solidFill>
+                      <a:prstDash val="solid"/>
+                      <a:round/>
+                      <a:headEnd type="none" w="med" len="med"/>
+                      <a:tailEnd type="none" w="med" len="med"/>
+                    </a:lnT>
+                    <a:lnB w="6350" cap="flat" cmpd="sng" algn="ctr">
+                      <a:solidFill>
+                        <a:srgbClr val="000000"/>
+                      </a:solidFill>
+                      <a:prstDash val="solid"/>
+                      <a:round/>
+                      <a:headEnd type="none" w="med" len="med"/>
+                      <a:tailEnd type="none" w="med" len="med"/>
+                    </a:lnB>
+                  </a:tcPr>
+                </a:tc>
+                <a:tc>
+                  <a:txBody>
+                    <a:bodyPr/>
+                    <a:lstStyle/>
+                    <a:p>
+                      <a:pPr algn="l" fontAlgn="b"/>
+                      <a:r>
+                        <a:rPr lang="en-US" sz="1000" b="0" i="0" u="none" strike="noStrike">
+                          <a:solidFill>
+                            <a:srgbClr val="000000"/>
+                          </a:solidFill>
+                          <a:effectLst/>
+                          <a:latin typeface="Calibri" panose="020F0502020204030204" pitchFamily="34" charset="0"/>
+                        </a:rPr>
+                        <a:t>MN</a:t>
+                      </a:r>
+                    </a:p>
+                  </a:txBody>
+                  <a:tcPr marL="6619" marR="6619" marT="6619" marB="0" anchor="b">
+                    <a:lnL w="6350" cap="flat" cmpd="sng" algn="ctr">
+                      <a:solidFill>
+                        <a:srgbClr val="000000"/>
+                      </a:solidFill>
+                      <a:prstDash val="solid"/>
+                      <a:round/>
+                      <a:headEnd type="none" w="med" len="med"/>
+                      <a:tailEnd type="none" w="med" len="med"/>
+                    </a:lnL>
+                    <a:lnR w="6350" cap="flat" cmpd="sng" algn="ctr">
+                      <a:solidFill>
+                        <a:srgbClr val="000000"/>
+                      </a:solidFill>
+                      <a:prstDash val="solid"/>
+                      <a:round/>
+                      <a:headEnd type="none" w="med" len="med"/>
+                      <a:tailEnd type="none" w="med" len="med"/>
+                    </a:lnR>
+                    <a:lnT w="6350" cap="flat" cmpd="sng" algn="ctr">
+                      <a:solidFill>
+                        <a:srgbClr val="000000"/>
+                      </a:solidFill>
+                      <a:prstDash val="solid"/>
+                      <a:round/>
+                      <a:headEnd type="none" w="med" len="med"/>
+                      <a:tailEnd type="none" w="med" len="med"/>
+                    </a:lnT>
+                    <a:lnB w="6350" cap="flat" cmpd="sng" algn="ctr">
+                      <a:solidFill>
+                        <a:srgbClr val="000000"/>
+                      </a:solidFill>
+                      <a:prstDash val="solid"/>
+                      <a:round/>
+                      <a:headEnd type="none" w="med" len="med"/>
+                      <a:tailEnd type="none" w="med" len="med"/>
+                    </a:lnB>
+                  </a:tcPr>
+                </a:tc>
+                <a:extLst>
+                  <a:ext uri="{0D108BD9-81ED-4DB2-BD59-A6C34878D82A}">
+                    <a16:rowId xmlns:a16="http://schemas.microsoft.com/office/drawing/2014/main" val="3328767169"/>
+                  </a:ext>
+                </a:extLst>
+              </a:tr>
+              <a:tr h="158856">
+                <a:tc>
+                  <a:txBody>
+                    <a:bodyPr/>
+                    <a:lstStyle/>
+                    <a:p>
+                      <a:pPr algn="r" fontAlgn="b"/>
+                      <a:r>
+                        <a:rPr lang="en-US" sz="1000" b="0" i="0" u="none" strike="noStrike">
+                          <a:solidFill>
+                            <a:srgbClr val="000000"/>
+                          </a:solidFill>
+                          <a:effectLst/>
+                          <a:latin typeface="Calibri" panose="020F0502020204030204" pitchFamily="34" charset="0"/>
+                        </a:rPr>
+                        <a:t>1</a:t>
+                      </a:r>
+                    </a:p>
+                  </a:txBody>
+                  <a:tcPr marL="6619" marR="6619" marT="6619" marB="0" anchor="b">
+                    <a:lnL w="6350" cap="flat" cmpd="sng" algn="ctr">
+                      <a:solidFill>
+                        <a:srgbClr val="000000"/>
+                      </a:solidFill>
+                      <a:prstDash val="solid"/>
+                      <a:round/>
+                      <a:headEnd type="none" w="med" len="med"/>
+                      <a:tailEnd type="none" w="med" len="med"/>
+                    </a:lnL>
+                    <a:lnR w="6350" cap="flat" cmpd="sng" algn="ctr">
+                      <a:solidFill>
+                        <a:srgbClr val="000000"/>
+                      </a:solidFill>
+                      <a:prstDash val="solid"/>
+                      <a:round/>
+                      <a:headEnd type="none" w="med" len="med"/>
+                      <a:tailEnd type="none" w="med" len="med"/>
+                    </a:lnR>
+                    <a:lnT w="6350" cap="flat" cmpd="sng" algn="ctr">
+                      <a:solidFill>
+                        <a:srgbClr val="000000"/>
+                      </a:solidFill>
+                      <a:prstDash val="solid"/>
+                      <a:round/>
+                      <a:headEnd type="none" w="med" len="med"/>
+                      <a:tailEnd type="none" w="med" len="med"/>
+                    </a:lnT>
+                    <a:lnB w="6350" cap="flat" cmpd="sng" algn="ctr">
+                      <a:solidFill>
+                        <a:srgbClr val="000000"/>
+                      </a:solidFill>
+                      <a:prstDash val="solid"/>
+                      <a:round/>
+                      <a:headEnd type="none" w="med" len="med"/>
+                      <a:tailEnd type="none" w="med" len="med"/>
+                    </a:lnB>
+                  </a:tcPr>
+                </a:tc>
+                <a:tc>
+                  <a:txBody>
+                    <a:bodyPr/>
+                    <a:lstStyle/>
+                    <a:p>
+                      <a:pPr algn="l" fontAlgn="b"/>
+                      <a:r>
+                        <a:rPr lang="en-US" sz="1000" b="0" i="0" u="none" strike="noStrike">
+                          <a:solidFill>
+                            <a:srgbClr val="000000"/>
+                          </a:solidFill>
+                          <a:effectLst/>
+                          <a:latin typeface="Calibri" panose="020F0502020204030204" pitchFamily="34" charset="0"/>
+                        </a:rPr>
+                        <a:t>Stronghold</a:t>
+                      </a:r>
+                    </a:p>
+                  </a:txBody>
+                  <a:tcPr marL="6619" marR="6619" marT="6619" marB="0" anchor="b">
+                    <a:lnL w="6350" cap="flat" cmpd="sng" algn="ctr">
+                      <a:solidFill>
+                        <a:srgbClr val="000000"/>
+                      </a:solidFill>
+                      <a:prstDash val="solid"/>
+                      <a:round/>
+                      <a:headEnd type="none" w="med" len="med"/>
+                      <a:tailEnd type="none" w="med" len="med"/>
+                    </a:lnL>
+                    <a:lnR w="6350" cap="flat" cmpd="sng" algn="ctr">
+                      <a:solidFill>
+                        <a:srgbClr val="000000"/>
+                      </a:solidFill>
+                      <a:prstDash val="solid"/>
+                      <a:round/>
+                      <a:headEnd type="none" w="med" len="med"/>
+                      <a:tailEnd type="none" w="med" len="med"/>
+                    </a:lnR>
+                    <a:lnT w="6350" cap="flat" cmpd="sng" algn="ctr">
+                      <a:solidFill>
+                        <a:srgbClr val="000000"/>
+                      </a:solidFill>
+                      <a:prstDash val="solid"/>
+                      <a:round/>
+                      <a:headEnd type="none" w="med" len="med"/>
+                      <a:tailEnd type="none" w="med" len="med"/>
+                    </a:lnT>
+                    <a:lnB w="6350" cap="flat" cmpd="sng" algn="ctr">
+                      <a:solidFill>
+                        <a:srgbClr val="000000"/>
+                      </a:solidFill>
+                      <a:prstDash val="solid"/>
+                      <a:round/>
+                      <a:headEnd type="none" w="med" len="med"/>
+                      <a:tailEnd type="none" w="med" len="med"/>
+                    </a:lnB>
+                  </a:tcPr>
+                </a:tc>
+                <a:tc>
+                  <a:txBody>
+                    <a:bodyPr/>
+                    <a:lstStyle/>
+                    <a:p>
+                      <a:pPr algn="r" fontAlgn="b"/>
+                      <a:r>
+                        <a:rPr lang="en-US" sz="1000" b="0" i="0" u="none" strike="noStrike">
+                          <a:solidFill>
+                            <a:srgbClr val="000000"/>
+                          </a:solidFill>
+                          <a:effectLst/>
+                          <a:latin typeface="Calibri" panose="020F0502020204030204" pitchFamily="34" charset="0"/>
+                        </a:rPr>
+                        <a:t>2688</a:t>
+                      </a:r>
+                    </a:p>
+                  </a:txBody>
+                  <a:tcPr marL="6619" marR="6619" marT="6619" marB="0" anchor="b">
+                    <a:lnL w="6350" cap="flat" cmpd="sng" algn="ctr">
+                      <a:solidFill>
+                        <a:srgbClr val="000000"/>
+                      </a:solidFill>
+                      <a:prstDash val="solid"/>
+                      <a:round/>
+                      <a:headEnd type="none" w="med" len="med"/>
+                      <a:tailEnd type="none" w="med" len="med"/>
+                    </a:lnL>
+                    <a:lnR w="6350" cap="flat" cmpd="sng" algn="ctr">
+                      <a:solidFill>
+                        <a:srgbClr val="000000"/>
+                      </a:solidFill>
+                      <a:prstDash val="solid"/>
+                      <a:round/>
+                      <a:headEnd type="none" w="med" len="med"/>
+                      <a:tailEnd type="none" w="med" len="med"/>
+                    </a:lnR>
+                    <a:lnT w="6350" cap="flat" cmpd="sng" algn="ctr">
+                      <a:solidFill>
+                        <a:srgbClr val="000000"/>
+                      </a:solidFill>
+                      <a:prstDash val="solid"/>
+                      <a:round/>
+                      <a:headEnd type="none" w="med" len="med"/>
+                      <a:tailEnd type="none" w="med" len="med"/>
+                    </a:lnT>
+                    <a:lnB w="6350" cap="flat" cmpd="sng" algn="ctr">
+                      <a:solidFill>
+                        <a:srgbClr val="000000"/>
+                      </a:solidFill>
+                      <a:prstDash val="solid"/>
+                      <a:round/>
+                      <a:headEnd type="none" w="med" len="med"/>
+                      <a:tailEnd type="none" w="med" len="med"/>
+                    </a:lnB>
+                  </a:tcPr>
+                </a:tc>
+                <a:tc>
+                  <a:txBody>
+                    <a:bodyPr/>
+                    <a:lstStyle/>
+                    <a:p>
+                      <a:pPr algn="r" fontAlgn="b"/>
+                      <a:r>
+                        <a:rPr lang="en-US" sz="1000" b="0" i="0" u="none" strike="noStrike">
+                          <a:solidFill>
+                            <a:srgbClr val="000000"/>
+                          </a:solidFill>
+                          <a:effectLst/>
+                          <a:latin typeface="Calibri" panose="020F0502020204030204" pitchFamily="34" charset="0"/>
+                        </a:rPr>
+                        <a:t>0.06</a:t>
+                      </a:r>
+                    </a:p>
+                  </a:txBody>
+                  <a:tcPr marL="6619" marR="6619" marT="6619" marB="0" anchor="b">
+                    <a:lnL w="6350" cap="flat" cmpd="sng" algn="ctr">
+                      <a:solidFill>
+                        <a:srgbClr val="000000"/>
+                      </a:solidFill>
+                      <a:prstDash val="solid"/>
+                      <a:round/>
+                      <a:headEnd type="none" w="med" len="med"/>
+                      <a:tailEnd type="none" w="med" len="med"/>
+                    </a:lnL>
+                    <a:lnR w="6350" cap="flat" cmpd="sng" algn="ctr">
+                      <a:solidFill>
+                        <a:srgbClr val="000000"/>
+                      </a:solidFill>
+                      <a:prstDash val="solid"/>
+                      <a:round/>
+                      <a:headEnd type="none" w="med" len="med"/>
+                      <a:tailEnd type="none" w="med" len="med"/>
+                    </a:lnR>
+                    <a:lnT w="6350" cap="flat" cmpd="sng" algn="ctr">
+                      <a:solidFill>
+                        <a:srgbClr val="000000"/>
+                      </a:solidFill>
+                      <a:prstDash val="solid"/>
+                      <a:round/>
+                      <a:headEnd type="none" w="med" len="med"/>
+                      <a:tailEnd type="none" w="med" len="med"/>
+                    </a:lnT>
+                    <a:lnB w="6350" cap="flat" cmpd="sng" algn="ctr">
+                      <a:solidFill>
+                        <a:srgbClr val="000000"/>
+                      </a:solidFill>
+                      <a:prstDash val="solid"/>
+                      <a:round/>
+                      <a:headEnd type="none" w="med" len="med"/>
+                      <a:tailEnd type="none" w="med" len="med"/>
+                    </a:lnB>
+                  </a:tcPr>
+                </a:tc>
+                <a:tc>
+                  <a:txBody>
+                    <a:bodyPr/>
+                    <a:lstStyle/>
+                    <a:p>
+                      <a:pPr algn="r" fontAlgn="b"/>
+                      <a:r>
+                        <a:rPr lang="en-US" sz="1000" b="0" i="0" u="none" strike="noStrike">
+                          <a:solidFill>
+                            <a:srgbClr val="000000"/>
+                          </a:solidFill>
+                          <a:effectLst/>
+                          <a:latin typeface="Calibri" panose="020F0502020204030204" pitchFamily="34" charset="0"/>
+                        </a:rPr>
+                        <a:t>25</a:t>
+                      </a:r>
+                    </a:p>
+                  </a:txBody>
+                  <a:tcPr marL="6619" marR="6619" marT="6619" marB="0" anchor="b">
+                    <a:lnL w="6350" cap="flat" cmpd="sng" algn="ctr">
+                      <a:solidFill>
+                        <a:srgbClr val="000000"/>
+                      </a:solidFill>
+                      <a:prstDash val="solid"/>
+                      <a:round/>
+                      <a:headEnd type="none" w="med" len="med"/>
+                      <a:tailEnd type="none" w="med" len="med"/>
+                    </a:lnL>
+                    <a:lnR w="6350" cap="flat" cmpd="sng" algn="ctr">
+                      <a:solidFill>
+                        <a:srgbClr val="000000"/>
+                      </a:solidFill>
+                      <a:prstDash val="solid"/>
+                      <a:round/>
+                      <a:headEnd type="none" w="med" len="med"/>
+                      <a:tailEnd type="none" w="med" len="med"/>
+                    </a:lnR>
+                    <a:lnT w="6350" cap="flat" cmpd="sng" algn="ctr">
+                      <a:solidFill>
+                        <a:srgbClr val="000000"/>
+                      </a:solidFill>
+                      <a:prstDash val="solid"/>
+                      <a:round/>
+                      <a:headEnd type="none" w="med" len="med"/>
+                      <a:tailEnd type="none" w="med" len="med"/>
+                    </a:lnT>
+                    <a:lnB w="6350" cap="flat" cmpd="sng" algn="ctr">
+                      <a:solidFill>
+                        <a:srgbClr val="000000"/>
+                      </a:solidFill>
+                      <a:prstDash val="solid"/>
+                      <a:round/>
+                      <a:headEnd type="none" w="med" len="med"/>
+                      <a:tailEnd type="none" w="med" len="med"/>
+                    </a:lnB>
+                  </a:tcPr>
+                </a:tc>
+                <a:tc>
+                  <a:txBody>
+                    <a:bodyPr/>
+                    <a:lstStyle/>
+                    <a:p>
+                      <a:pPr algn="l" fontAlgn="b"/>
+                      <a:r>
+                        <a:rPr lang="en-US" sz="1000" b="0" i="0" u="none" strike="noStrike">
+                          <a:solidFill>
+                            <a:srgbClr val="000000"/>
+                          </a:solidFill>
+                          <a:effectLst/>
+                          <a:latin typeface="Calibri" panose="020F0502020204030204" pitchFamily="34" charset="0"/>
+                        </a:rPr>
+                        <a:t>American Porter</a:t>
+                      </a:r>
+                    </a:p>
+                  </a:txBody>
+                  <a:tcPr marL="6619" marR="6619" marT="6619" marB="0" anchor="b">
+                    <a:lnL w="6350" cap="flat" cmpd="sng" algn="ctr">
+                      <a:solidFill>
+                        <a:srgbClr val="000000"/>
+                      </a:solidFill>
+                      <a:prstDash val="solid"/>
+                      <a:round/>
+                      <a:headEnd type="none" w="med" len="med"/>
+                      <a:tailEnd type="none" w="med" len="med"/>
+                    </a:lnL>
+                    <a:lnR w="6350" cap="flat" cmpd="sng" algn="ctr">
+                      <a:solidFill>
+                        <a:srgbClr val="000000"/>
+                      </a:solidFill>
+                      <a:prstDash val="solid"/>
+                      <a:round/>
+                      <a:headEnd type="none" w="med" len="med"/>
+                      <a:tailEnd type="none" w="med" len="med"/>
+                    </a:lnR>
+                    <a:lnT w="6350" cap="flat" cmpd="sng" algn="ctr">
+                      <a:solidFill>
+                        <a:srgbClr val="000000"/>
+                      </a:solidFill>
+                      <a:prstDash val="solid"/>
+                      <a:round/>
+                      <a:headEnd type="none" w="med" len="med"/>
+                      <a:tailEnd type="none" w="med" len="med"/>
+                    </a:lnT>
+                    <a:lnB w="6350" cap="flat" cmpd="sng" algn="ctr">
+                      <a:solidFill>
+                        <a:srgbClr val="000000"/>
+                      </a:solidFill>
+                      <a:prstDash val="solid"/>
+                      <a:round/>
+                      <a:headEnd type="none" w="med" len="med"/>
+                      <a:tailEnd type="none" w="med" len="med"/>
+                    </a:lnB>
+                  </a:tcPr>
+                </a:tc>
+                <a:tc>
+                  <a:txBody>
+                    <a:bodyPr/>
+                    <a:lstStyle/>
+                    <a:p>
+                      <a:pPr algn="r" fontAlgn="b"/>
+                      <a:r>
+                        <a:rPr lang="en-US" sz="1000" b="0" i="0" u="none" strike="noStrike">
+                          <a:solidFill>
+                            <a:srgbClr val="000000"/>
+                          </a:solidFill>
+                          <a:effectLst/>
+                          <a:latin typeface="Calibri" panose="020F0502020204030204" pitchFamily="34" charset="0"/>
+                        </a:rPr>
+                        <a:t>16</a:t>
+                      </a:r>
+                    </a:p>
+                  </a:txBody>
+                  <a:tcPr marL="6619" marR="6619" marT="6619" marB="0" anchor="b">
+                    <a:lnL w="6350" cap="flat" cmpd="sng" algn="ctr">
+                      <a:solidFill>
+                        <a:srgbClr val="000000"/>
+                      </a:solidFill>
+                      <a:prstDash val="solid"/>
+                      <a:round/>
+                      <a:headEnd type="none" w="med" len="med"/>
+                      <a:tailEnd type="none" w="med" len="med"/>
+                    </a:lnL>
+                    <a:lnR w="6350" cap="flat" cmpd="sng" algn="ctr">
+                      <a:solidFill>
+                        <a:srgbClr val="000000"/>
+                      </a:solidFill>
+                      <a:prstDash val="solid"/>
+                      <a:round/>
+                      <a:headEnd type="none" w="med" len="med"/>
+                      <a:tailEnd type="none" w="med" len="med"/>
+                    </a:lnR>
+                    <a:lnT w="6350" cap="flat" cmpd="sng" algn="ctr">
+                      <a:solidFill>
+                        <a:srgbClr val="000000"/>
+                      </a:solidFill>
+                      <a:prstDash val="solid"/>
+                      <a:round/>
+                      <a:headEnd type="none" w="med" len="med"/>
+                      <a:tailEnd type="none" w="med" len="med"/>
+                    </a:lnT>
+                    <a:lnB w="6350" cap="flat" cmpd="sng" algn="ctr">
+                      <a:solidFill>
+                        <a:srgbClr val="000000"/>
+                      </a:solidFill>
+                      <a:prstDash val="solid"/>
+                      <a:round/>
+                      <a:headEnd type="none" w="med" len="med"/>
+                      <a:tailEnd type="none" w="med" len="med"/>
+                    </a:lnB>
+                  </a:tcPr>
+                </a:tc>
+                <a:tc>
+                  <a:txBody>
+                    <a:bodyPr/>
+                    <a:lstStyle/>
+                    <a:p>
+                      <a:pPr algn="l" fontAlgn="b"/>
+                      <a:r>
+                        <a:rPr lang="en-US" sz="1000" b="0" i="0" u="none" strike="noStrike">
+                          <a:solidFill>
+                            <a:srgbClr val="000000"/>
+                          </a:solidFill>
+                          <a:effectLst/>
+                          <a:latin typeface="Calibri" panose="020F0502020204030204" pitchFamily="34" charset="0"/>
+                        </a:rPr>
+                        <a:t>NorthGate Brewing</a:t>
+                      </a:r>
+                    </a:p>
+                  </a:txBody>
+                  <a:tcPr marL="6619" marR="6619" marT="6619" marB="0" anchor="b">
+                    <a:lnL w="6350" cap="flat" cmpd="sng" algn="ctr">
+                      <a:solidFill>
+                        <a:srgbClr val="000000"/>
+                      </a:solidFill>
+                      <a:prstDash val="solid"/>
+                      <a:round/>
+                      <a:headEnd type="none" w="med" len="med"/>
+                      <a:tailEnd type="none" w="med" len="med"/>
+                    </a:lnL>
+                    <a:lnR w="6350" cap="flat" cmpd="sng" algn="ctr">
+                      <a:solidFill>
+                        <a:srgbClr val="000000"/>
+                      </a:solidFill>
+                      <a:prstDash val="solid"/>
+                      <a:round/>
+                      <a:headEnd type="none" w="med" len="med"/>
+                      <a:tailEnd type="none" w="med" len="med"/>
+                    </a:lnR>
+                    <a:lnT w="6350" cap="flat" cmpd="sng" algn="ctr">
+                      <a:solidFill>
+                        <a:srgbClr val="000000"/>
+                      </a:solidFill>
+                      <a:prstDash val="solid"/>
+                      <a:round/>
+                      <a:headEnd type="none" w="med" len="med"/>
+                      <a:tailEnd type="none" w="med" len="med"/>
+                    </a:lnT>
+                    <a:lnB w="6350" cap="flat" cmpd="sng" algn="ctr">
+                      <a:solidFill>
+                        <a:srgbClr val="000000"/>
+                      </a:solidFill>
+                      <a:prstDash val="solid"/>
+                      <a:round/>
+                      <a:headEnd type="none" w="med" len="med"/>
+                      <a:tailEnd type="none" w="med" len="med"/>
+                    </a:lnB>
+                  </a:tcPr>
+                </a:tc>
+                <a:tc>
+                  <a:txBody>
+                    <a:bodyPr/>
+                    <a:lstStyle/>
+                    <a:p>
+                      <a:pPr algn="l" fontAlgn="b"/>
+                      <a:r>
+                        <a:rPr lang="en-US" sz="1000" b="0" i="0" u="none" strike="noStrike">
+                          <a:solidFill>
+                            <a:srgbClr val="000000"/>
+                          </a:solidFill>
+                          <a:effectLst/>
+                          <a:latin typeface="Calibri" panose="020F0502020204030204" pitchFamily="34" charset="0"/>
+                        </a:rPr>
+                        <a:t>Minneapolis</a:t>
+                      </a:r>
+                    </a:p>
+                  </a:txBody>
+                  <a:tcPr marL="6619" marR="6619" marT="6619" marB="0" anchor="b">
+                    <a:lnL w="6350" cap="flat" cmpd="sng" algn="ctr">
+                      <a:solidFill>
+                        <a:srgbClr val="000000"/>
+                      </a:solidFill>
+                      <a:prstDash val="solid"/>
+                      <a:round/>
+                      <a:headEnd type="none" w="med" len="med"/>
+                      <a:tailEnd type="none" w="med" len="med"/>
+                    </a:lnL>
+                    <a:lnR w="6350" cap="flat" cmpd="sng" algn="ctr">
+                      <a:solidFill>
+                        <a:srgbClr val="000000"/>
+                      </a:solidFill>
+                      <a:prstDash val="solid"/>
+                      <a:round/>
+                      <a:headEnd type="none" w="med" len="med"/>
+                      <a:tailEnd type="none" w="med" len="med"/>
+                    </a:lnR>
+                    <a:lnT w="6350" cap="flat" cmpd="sng" algn="ctr">
+                      <a:solidFill>
+                        <a:srgbClr val="000000"/>
+                      </a:solidFill>
+                      <a:prstDash val="solid"/>
+                      <a:round/>
+                      <a:headEnd type="none" w="med" len="med"/>
+                      <a:tailEnd type="none" w="med" len="med"/>
+                    </a:lnT>
+                    <a:lnB w="6350" cap="flat" cmpd="sng" algn="ctr">
+                      <a:solidFill>
+                        <a:srgbClr val="000000"/>
+                      </a:solidFill>
+                      <a:prstDash val="solid"/>
+                      <a:round/>
+                      <a:headEnd type="none" w="med" len="med"/>
+                      <a:tailEnd type="none" w="med" len="med"/>
+                    </a:lnB>
+                  </a:tcPr>
+                </a:tc>
+                <a:tc>
+                  <a:txBody>
+                    <a:bodyPr/>
+                    <a:lstStyle/>
+                    <a:p>
+                      <a:pPr algn="l" fontAlgn="b"/>
+                      <a:r>
+                        <a:rPr lang="en-US" sz="1000" b="0" i="0" u="none" strike="noStrike">
+                          <a:solidFill>
+                            <a:srgbClr val="000000"/>
+                          </a:solidFill>
+                          <a:effectLst/>
+                          <a:latin typeface="Calibri" panose="020F0502020204030204" pitchFamily="34" charset="0"/>
+                        </a:rPr>
+                        <a:t>MN</a:t>
+                      </a:r>
+                    </a:p>
+                  </a:txBody>
+                  <a:tcPr marL="6619" marR="6619" marT="6619" marB="0" anchor="b">
+                    <a:lnL w="6350" cap="flat" cmpd="sng" algn="ctr">
+                      <a:solidFill>
+                        <a:srgbClr val="000000"/>
+                      </a:solidFill>
+                      <a:prstDash val="solid"/>
+                      <a:round/>
+                      <a:headEnd type="none" w="med" len="med"/>
+                      <a:tailEnd type="none" w="med" len="med"/>
+                    </a:lnL>
+                    <a:lnR w="6350" cap="flat" cmpd="sng" algn="ctr">
+                      <a:solidFill>
+                        <a:srgbClr val="000000"/>
+                      </a:solidFill>
+                      <a:prstDash val="solid"/>
+                      <a:round/>
+                      <a:headEnd type="none" w="med" len="med"/>
+                      <a:tailEnd type="none" w="med" len="med"/>
+                    </a:lnR>
+                    <a:lnT w="6350" cap="flat" cmpd="sng" algn="ctr">
+                      <a:solidFill>
+                        <a:srgbClr val="000000"/>
+                      </a:solidFill>
+                      <a:prstDash val="solid"/>
+                      <a:round/>
+                      <a:headEnd type="none" w="med" len="med"/>
+                      <a:tailEnd type="none" w="med" len="med"/>
+                    </a:lnT>
+                    <a:lnB w="6350" cap="flat" cmpd="sng" algn="ctr">
+                      <a:solidFill>
+                        <a:srgbClr val="000000"/>
+                      </a:solidFill>
+                      <a:prstDash val="solid"/>
+                      <a:round/>
+                      <a:headEnd type="none" w="med" len="med"/>
+                      <a:tailEnd type="none" w="med" len="med"/>
+                    </a:lnB>
+                  </a:tcPr>
+                </a:tc>
+                <a:extLst>
+                  <a:ext uri="{0D108BD9-81ED-4DB2-BD59-A6C34878D82A}">
+                    <a16:rowId xmlns:a16="http://schemas.microsoft.com/office/drawing/2014/main" val="1427213732"/>
+                  </a:ext>
+                </a:extLst>
+              </a:tr>
+              <a:tr h="158856">
+                <a:tc>
+                  <a:txBody>
+                    <a:bodyPr/>
+                    <a:lstStyle/>
+                    <a:p>
+                      <a:pPr algn="r" fontAlgn="b"/>
+                      <a:r>
+                        <a:rPr lang="en-US" sz="1000" b="0" i="0" u="none" strike="noStrike">
+                          <a:solidFill>
+                            <a:srgbClr val="000000"/>
+                          </a:solidFill>
+                          <a:effectLst/>
+                          <a:latin typeface="Calibri" panose="020F0502020204030204" pitchFamily="34" charset="0"/>
+                        </a:rPr>
+                        <a:t>1</a:t>
+                      </a:r>
+                    </a:p>
+                  </a:txBody>
+                  <a:tcPr marL="6619" marR="6619" marT="6619" marB="0" anchor="b">
+                    <a:lnL w="6350" cap="flat" cmpd="sng" algn="ctr">
+                      <a:solidFill>
+                        <a:srgbClr val="000000"/>
+                      </a:solidFill>
+                      <a:prstDash val="solid"/>
+                      <a:round/>
+                      <a:headEnd type="none" w="med" len="med"/>
+                      <a:tailEnd type="none" w="med" len="med"/>
+                    </a:lnL>
+                    <a:lnR w="6350" cap="flat" cmpd="sng" algn="ctr">
+                      <a:solidFill>
+                        <a:srgbClr val="000000"/>
+                      </a:solidFill>
+                      <a:prstDash val="solid"/>
+                      <a:round/>
+                      <a:headEnd type="none" w="med" len="med"/>
+                      <a:tailEnd type="none" w="med" len="med"/>
+                    </a:lnR>
+                    <a:lnT w="6350" cap="flat" cmpd="sng" algn="ctr">
+                      <a:solidFill>
+                        <a:srgbClr val="000000"/>
+                      </a:solidFill>
+                      <a:prstDash val="solid"/>
+                      <a:round/>
+                      <a:headEnd type="none" w="med" len="med"/>
+                      <a:tailEnd type="none" w="med" len="med"/>
+                    </a:lnT>
+                    <a:lnB w="6350" cap="flat" cmpd="sng" algn="ctr">
+                      <a:solidFill>
+                        <a:srgbClr val="000000"/>
+                      </a:solidFill>
+                      <a:prstDash val="solid"/>
+                      <a:round/>
+                      <a:headEnd type="none" w="med" len="med"/>
+                      <a:tailEnd type="none" w="med" len="med"/>
+                    </a:lnB>
+                  </a:tcPr>
+                </a:tc>
+                <a:tc>
+                  <a:txBody>
+                    <a:bodyPr/>
+                    <a:lstStyle/>
+                    <a:p>
+                      <a:pPr algn="l" fontAlgn="b"/>
+                      <a:r>
+                        <a:rPr lang="en-US" sz="1000" b="0" i="0" u="none" strike="noStrike">
+                          <a:solidFill>
+                            <a:srgbClr val="000000"/>
+                          </a:solidFill>
+                          <a:effectLst/>
+                          <a:latin typeface="Calibri" panose="020F0502020204030204" pitchFamily="34" charset="0"/>
+                        </a:rPr>
+                        <a:t>Parapet ESB</a:t>
+                      </a:r>
+                    </a:p>
+                  </a:txBody>
+                  <a:tcPr marL="6619" marR="6619" marT="6619" marB="0" anchor="b">
+                    <a:lnL w="6350" cap="flat" cmpd="sng" algn="ctr">
+                      <a:solidFill>
+                        <a:srgbClr val="000000"/>
+                      </a:solidFill>
+                      <a:prstDash val="solid"/>
+                      <a:round/>
+                      <a:headEnd type="none" w="med" len="med"/>
+                      <a:tailEnd type="none" w="med" len="med"/>
+                    </a:lnL>
+                    <a:lnR w="6350" cap="flat" cmpd="sng" algn="ctr">
+                      <a:solidFill>
+                        <a:srgbClr val="000000"/>
+                      </a:solidFill>
+                      <a:prstDash val="solid"/>
+                      <a:round/>
+                      <a:headEnd type="none" w="med" len="med"/>
+                      <a:tailEnd type="none" w="med" len="med"/>
+                    </a:lnR>
+                    <a:lnT w="6350" cap="flat" cmpd="sng" algn="ctr">
+                      <a:solidFill>
+                        <a:srgbClr val="000000"/>
+                      </a:solidFill>
+                      <a:prstDash val="solid"/>
+                      <a:round/>
+                      <a:headEnd type="none" w="med" len="med"/>
+                      <a:tailEnd type="none" w="med" len="med"/>
+                    </a:lnT>
+                    <a:lnB w="6350" cap="flat" cmpd="sng" algn="ctr">
+                      <a:solidFill>
+                        <a:srgbClr val="000000"/>
+                      </a:solidFill>
+                      <a:prstDash val="solid"/>
+                      <a:round/>
+                      <a:headEnd type="none" w="med" len="med"/>
+                      <a:tailEnd type="none" w="med" len="med"/>
+                    </a:lnB>
+                  </a:tcPr>
+                </a:tc>
+                <a:tc>
+                  <a:txBody>
+                    <a:bodyPr/>
+                    <a:lstStyle/>
+                    <a:p>
+                      <a:pPr algn="r" fontAlgn="b"/>
+                      <a:r>
+                        <a:rPr lang="en-US" sz="1000" b="0" i="0" u="none" strike="noStrike">
+                          <a:solidFill>
+                            <a:srgbClr val="000000"/>
+                          </a:solidFill>
+                          <a:effectLst/>
+                          <a:latin typeface="Calibri" panose="020F0502020204030204" pitchFamily="34" charset="0"/>
+                        </a:rPr>
+                        <a:t>2687</a:t>
+                      </a:r>
+                    </a:p>
+                  </a:txBody>
+                  <a:tcPr marL="6619" marR="6619" marT="6619" marB="0" anchor="b">
+                    <a:lnL w="6350" cap="flat" cmpd="sng" algn="ctr">
+                      <a:solidFill>
+                        <a:srgbClr val="000000"/>
+                      </a:solidFill>
+                      <a:prstDash val="solid"/>
+                      <a:round/>
+                      <a:headEnd type="none" w="med" len="med"/>
+                      <a:tailEnd type="none" w="med" len="med"/>
+                    </a:lnL>
+                    <a:lnR w="6350" cap="flat" cmpd="sng" algn="ctr">
+                      <a:solidFill>
+                        <a:srgbClr val="000000"/>
+                      </a:solidFill>
+                      <a:prstDash val="solid"/>
+                      <a:round/>
+                      <a:headEnd type="none" w="med" len="med"/>
+                      <a:tailEnd type="none" w="med" len="med"/>
+                    </a:lnR>
+                    <a:lnT w="6350" cap="flat" cmpd="sng" algn="ctr">
+                      <a:solidFill>
+                        <a:srgbClr val="000000"/>
+                      </a:solidFill>
+                      <a:prstDash val="solid"/>
+                      <a:round/>
+                      <a:headEnd type="none" w="med" len="med"/>
+                      <a:tailEnd type="none" w="med" len="med"/>
+                    </a:lnT>
+                    <a:lnB w="6350" cap="flat" cmpd="sng" algn="ctr">
+                      <a:solidFill>
+                        <a:srgbClr val="000000"/>
+                      </a:solidFill>
+                      <a:prstDash val="solid"/>
+                      <a:round/>
+                      <a:headEnd type="none" w="med" len="med"/>
+                      <a:tailEnd type="none" w="med" len="med"/>
+                    </a:lnB>
+                  </a:tcPr>
+                </a:tc>
+                <a:tc>
+                  <a:txBody>
+                    <a:bodyPr/>
+                    <a:lstStyle/>
+                    <a:p>
+                      <a:pPr algn="r" fontAlgn="b"/>
+                      <a:r>
+                        <a:rPr lang="en-US" sz="1000" b="0" i="0" u="none" strike="noStrike">
+                          <a:solidFill>
+                            <a:srgbClr val="000000"/>
+                          </a:solidFill>
+                          <a:effectLst/>
+                          <a:latin typeface="Calibri" panose="020F0502020204030204" pitchFamily="34" charset="0"/>
+                        </a:rPr>
+                        <a:t>0.05</a:t>
+                      </a:r>
+                    </a:p>
+                  </a:txBody>
+                  <a:tcPr marL="6619" marR="6619" marT="6619" marB="0" anchor="b">
+                    <a:lnL w="6350" cap="flat" cmpd="sng" algn="ctr">
+                      <a:solidFill>
+                        <a:srgbClr val="000000"/>
+                      </a:solidFill>
+                      <a:prstDash val="solid"/>
+                      <a:round/>
+                      <a:headEnd type="none" w="med" len="med"/>
+                      <a:tailEnd type="none" w="med" len="med"/>
+                    </a:lnL>
+                    <a:lnR w="6350" cap="flat" cmpd="sng" algn="ctr">
+                      <a:solidFill>
+                        <a:srgbClr val="000000"/>
+                      </a:solidFill>
+                      <a:prstDash val="solid"/>
+                      <a:round/>
+                      <a:headEnd type="none" w="med" len="med"/>
+                      <a:tailEnd type="none" w="med" len="med"/>
+                    </a:lnR>
+                    <a:lnT w="6350" cap="flat" cmpd="sng" algn="ctr">
+                      <a:solidFill>
+                        <a:srgbClr val="000000"/>
+                      </a:solidFill>
+                      <a:prstDash val="solid"/>
+                      <a:round/>
+                      <a:headEnd type="none" w="med" len="med"/>
+                      <a:tailEnd type="none" w="med" len="med"/>
+                    </a:lnT>
+                    <a:lnB w="6350" cap="flat" cmpd="sng" algn="ctr">
+                      <a:solidFill>
+                        <a:srgbClr val="000000"/>
+                      </a:solidFill>
+                      <a:prstDash val="solid"/>
+                      <a:round/>
+                      <a:headEnd type="none" w="med" len="med"/>
+                      <a:tailEnd type="none" w="med" len="med"/>
+                    </a:lnB>
+                  </a:tcPr>
+                </a:tc>
+                <a:tc>
+                  <a:txBody>
+                    <a:bodyPr/>
+                    <a:lstStyle/>
+                    <a:p>
+                      <a:pPr algn="r" fontAlgn="b"/>
+                      <a:r>
+                        <a:rPr lang="en-US" sz="1000" b="0" i="0" u="none" strike="noStrike">
+                          <a:solidFill>
+                            <a:srgbClr val="000000"/>
+                          </a:solidFill>
+                          <a:effectLst/>
+                          <a:latin typeface="Calibri" panose="020F0502020204030204" pitchFamily="34" charset="0"/>
+                        </a:rPr>
+                        <a:t>47</a:t>
+                      </a:r>
+                    </a:p>
+                  </a:txBody>
+                  <a:tcPr marL="6619" marR="6619" marT="6619" marB="0" anchor="b">
+                    <a:lnL w="6350" cap="flat" cmpd="sng" algn="ctr">
+                      <a:solidFill>
+                        <a:srgbClr val="000000"/>
+                      </a:solidFill>
+                      <a:prstDash val="solid"/>
+                      <a:round/>
+                      <a:headEnd type="none" w="med" len="med"/>
+                      <a:tailEnd type="none" w="med" len="med"/>
+                    </a:lnL>
+                    <a:lnR w="6350" cap="flat" cmpd="sng" algn="ctr">
+                      <a:solidFill>
+                        <a:srgbClr val="000000"/>
+                      </a:solidFill>
+                      <a:prstDash val="solid"/>
+                      <a:round/>
+                      <a:headEnd type="none" w="med" len="med"/>
+                      <a:tailEnd type="none" w="med" len="med"/>
+                    </a:lnR>
+                    <a:lnT w="6350" cap="flat" cmpd="sng" algn="ctr">
+                      <a:solidFill>
+                        <a:srgbClr val="000000"/>
+                      </a:solidFill>
+                      <a:prstDash val="solid"/>
+                      <a:round/>
+                      <a:headEnd type="none" w="med" len="med"/>
+                      <a:tailEnd type="none" w="med" len="med"/>
+                    </a:lnT>
+                    <a:lnB w="6350" cap="flat" cmpd="sng" algn="ctr">
+                      <a:solidFill>
+                        <a:srgbClr val="000000"/>
+                      </a:solidFill>
+                      <a:prstDash val="solid"/>
+                      <a:round/>
+                      <a:headEnd type="none" w="med" len="med"/>
+                      <a:tailEnd type="none" w="med" len="med"/>
+                    </a:lnB>
+                  </a:tcPr>
+                </a:tc>
+                <a:tc>
+                  <a:txBody>
+                    <a:bodyPr/>
+                    <a:lstStyle/>
+                    <a:p>
+                      <a:pPr algn="l" fontAlgn="b"/>
+                      <a:r>
+                        <a:rPr lang="en-US" sz="1000" b="0" i="0" u="none" strike="noStrike">
+                          <a:solidFill>
+                            <a:srgbClr val="000000"/>
+                          </a:solidFill>
+                          <a:effectLst/>
+                          <a:latin typeface="Calibri" panose="020F0502020204030204" pitchFamily="34" charset="0"/>
+                        </a:rPr>
+                        <a:t>Extra Special / Strong Bitter (ESB)</a:t>
+                      </a:r>
+                    </a:p>
+                  </a:txBody>
+                  <a:tcPr marL="6619" marR="6619" marT="6619" marB="0" anchor="b">
+                    <a:lnL w="6350" cap="flat" cmpd="sng" algn="ctr">
+                      <a:solidFill>
+                        <a:srgbClr val="000000"/>
+                      </a:solidFill>
+                      <a:prstDash val="solid"/>
+                      <a:round/>
+                      <a:headEnd type="none" w="med" len="med"/>
+                      <a:tailEnd type="none" w="med" len="med"/>
+                    </a:lnL>
+                    <a:lnR w="6350" cap="flat" cmpd="sng" algn="ctr">
+                      <a:solidFill>
+                        <a:srgbClr val="000000"/>
+                      </a:solidFill>
+                      <a:prstDash val="solid"/>
+                      <a:round/>
+                      <a:headEnd type="none" w="med" len="med"/>
+                      <a:tailEnd type="none" w="med" len="med"/>
+                    </a:lnR>
+                    <a:lnT w="6350" cap="flat" cmpd="sng" algn="ctr">
+                      <a:solidFill>
+                        <a:srgbClr val="000000"/>
+                      </a:solidFill>
+                      <a:prstDash val="solid"/>
+                      <a:round/>
+                      <a:headEnd type="none" w="med" len="med"/>
+                      <a:tailEnd type="none" w="med" len="med"/>
+                    </a:lnT>
+                    <a:lnB w="6350" cap="flat" cmpd="sng" algn="ctr">
+                      <a:solidFill>
+                        <a:srgbClr val="000000"/>
+                      </a:solidFill>
+                      <a:prstDash val="solid"/>
+                      <a:round/>
+                      <a:headEnd type="none" w="med" len="med"/>
+                      <a:tailEnd type="none" w="med" len="med"/>
+                    </a:lnB>
+                  </a:tcPr>
+                </a:tc>
+                <a:tc>
+                  <a:txBody>
+                    <a:bodyPr/>
+                    <a:lstStyle/>
+                    <a:p>
+                      <a:pPr algn="r" fontAlgn="b"/>
+                      <a:r>
+                        <a:rPr lang="en-US" sz="1000" b="0" i="0" u="none" strike="noStrike" dirty="0">
+                          <a:solidFill>
+                            <a:srgbClr val="000000"/>
+                          </a:solidFill>
+                          <a:effectLst/>
+                          <a:latin typeface="Calibri" panose="020F0502020204030204" pitchFamily="34" charset="0"/>
+                        </a:rPr>
+                        <a:t>16</a:t>
+                      </a:r>
+                    </a:p>
+                  </a:txBody>
+                  <a:tcPr marL="6619" marR="6619" marT="6619" marB="0" anchor="b">
+                    <a:lnL w="6350" cap="flat" cmpd="sng" algn="ctr">
+                      <a:solidFill>
+                        <a:srgbClr val="000000"/>
+                      </a:solidFill>
+                      <a:prstDash val="solid"/>
+                      <a:round/>
+                      <a:headEnd type="none" w="med" len="med"/>
+                      <a:tailEnd type="none" w="med" len="med"/>
+                    </a:lnL>
+                    <a:lnR w="6350" cap="flat" cmpd="sng" algn="ctr">
+                      <a:solidFill>
+                        <a:srgbClr val="000000"/>
+                      </a:solidFill>
+                      <a:prstDash val="solid"/>
+                      <a:round/>
+                      <a:headEnd type="none" w="med" len="med"/>
+                      <a:tailEnd type="none" w="med" len="med"/>
+                    </a:lnR>
+                    <a:lnT w="6350" cap="flat" cmpd="sng" algn="ctr">
+                      <a:solidFill>
+                        <a:srgbClr val="000000"/>
+                      </a:solidFill>
+                      <a:prstDash val="solid"/>
+                      <a:round/>
+                      <a:headEnd type="none" w="med" len="med"/>
+                      <a:tailEnd type="none" w="med" len="med"/>
+                    </a:lnT>
+                    <a:lnB w="6350" cap="flat" cmpd="sng" algn="ctr">
+                      <a:solidFill>
+                        <a:srgbClr val="000000"/>
+                      </a:solidFill>
+                      <a:prstDash val="solid"/>
+                      <a:round/>
+                      <a:headEnd type="none" w="med" len="med"/>
+                      <a:tailEnd type="none" w="med" len="med"/>
+                    </a:lnB>
+                  </a:tcPr>
+                </a:tc>
+                <a:tc>
+                  <a:txBody>
+                    <a:bodyPr/>
+                    <a:lstStyle/>
+                    <a:p>
+                      <a:pPr algn="l" fontAlgn="b"/>
+                      <a:r>
+                        <a:rPr lang="en-US" sz="1000" b="0" i="0" u="none" strike="noStrike">
+                          <a:solidFill>
+                            <a:srgbClr val="000000"/>
+                          </a:solidFill>
+                          <a:effectLst/>
+                          <a:latin typeface="Calibri" panose="020F0502020204030204" pitchFamily="34" charset="0"/>
+                        </a:rPr>
+                        <a:t>NorthGate Brewing</a:t>
+                      </a:r>
+                    </a:p>
+                  </a:txBody>
+                  <a:tcPr marL="6619" marR="6619" marT="6619" marB="0" anchor="b">
+                    <a:lnL w="6350" cap="flat" cmpd="sng" algn="ctr">
+                      <a:solidFill>
+                        <a:srgbClr val="000000"/>
+                      </a:solidFill>
+                      <a:prstDash val="solid"/>
+                      <a:round/>
+                      <a:headEnd type="none" w="med" len="med"/>
+                      <a:tailEnd type="none" w="med" len="med"/>
+                    </a:lnL>
+                    <a:lnR w="6350" cap="flat" cmpd="sng" algn="ctr">
+                      <a:solidFill>
+                        <a:srgbClr val="000000"/>
+                      </a:solidFill>
+                      <a:prstDash val="solid"/>
+                      <a:round/>
+                      <a:headEnd type="none" w="med" len="med"/>
+                      <a:tailEnd type="none" w="med" len="med"/>
+                    </a:lnR>
+                    <a:lnT w="6350" cap="flat" cmpd="sng" algn="ctr">
+                      <a:solidFill>
+                        <a:srgbClr val="000000"/>
+                      </a:solidFill>
+                      <a:prstDash val="solid"/>
+                      <a:round/>
+                      <a:headEnd type="none" w="med" len="med"/>
+                      <a:tailEnd type="none" w="med" len="med"/>
+                    </a:lnT>
+                    <a:lnB w="6350" cap="flat" cmpd="sng" algn="ctr">
+                      <a:solidFill>
+                        <a:srgbClr val="000000"/>
+                      </a:solidFill>
+                      <a:prstDash val="solid"/>
+                      <a:round/>
+                      <a:headEnd type="none" w="med" len="med"/>
+                      <a:tailEnd type="none" w="med" len="med"/>
+                    </a:lnB>
+                  </a:tcPr>
+                </a:tc>
+                <a:tc>
+                  <a:txBody>
+                    <a:bodyPr/>
+                    <a:lstStyle/>
+                    <a:p>
+                      <a:pPr algn="l" fontAlgn="b"/>
+                      <a:r>
+                        <a:rPr lang="en-US" sz="1000" b="0" i="0" u="none" strike="noStrike">
+                          <a:solidFill>
+                            <a:srgbClr val="000000"/>
+                          </a:solidFill>
+                          <a:effectLst/>
+                          <a:latin typeface="Calibri" panose="020F0502020204030204" pitchFamily="34" charset="0"/>
+                        </a:rPr>
+                        <a:t>Minneapolis</a:t>
+                      </a:r>
+                    </a:p>
+                  </a:txBody>
+                  <a:tcPr marL="6619" marR="6619" marT="6619" marB="0" anchor="b">
+                    <a:lnL w="6350" cap="flat" cmpd="sng" algn="ctr">
+                      <a:solidFill>
+                        <a:srgbClr val="000000"/>
+                      </a:solidFill>
+                      <a:prstDash val="solid"/>
+                      <a:round/>
+                      <a:headEnd type="none" w="med" len="med"/>
+                      <a:tailEnd type="none" w="med" len="med"/>
+                    </a:lnL>
+                    <a:lnR w="6350" cap="flat" cmpd="sng" algn="ctr">
+                      <a:solidFill>
+                        <a:srgbClr val="000000"/>
+                      </a:solidFill>
+                      <a:prstDash val="solid"/>
+                      <a:round/>
+                      <a:headEnd type="none" w="med" len="med"/>
+                      <a:tailEnd type="none" w="med" len="med"/>
+                    </a:lnR>
+                    <a:lnT w="6350" cap="flat" cmpd="sng" algn="ctr">
+                      <a:solidFill>
+                        <a:srgbClr val="000000"/>
+                      </a:solidFill>
+                      <a:prstDash val="solid"/>
+                      <a:round/>
+                      <a:headEnd type="none" w="med" len="med"/>
+                      <a:tailEnd type="none" w="med" len="med"/>
+                    </a:lnT>
+                    <a:lnB w="6350" cap="flat" cmpd="sng" algn="ctr">
+                      <a:solidFill>
+                        <a:srgbClr val="000000"/>
+                      </a:solidFill>
+                      <a:prstDash val="solid"/>
+                      <a:round/>
+                      <a:headEnd type="none" w="med" len="med"/>
+                      <a:tailEnd type="none" w="med" len="med"/>
+                    </a:lnB>
+                  </a:tcPr>
+                </a:tc>
+                <a:tc>
+                  <a:txBody>
+                    <a:bodyPr/>
+                    <a:lstStyle/>
+                    <a:p>
+                      <a:pPr algn="l" fontAlgn="b"/>
+                      <a:r>
+                        <a:rPr lang="en-US" sz="1000" b="0" i="0" u="none" strike="noStrike">
+                          <a:solidFill>
+                            <a:srgbClr val="000000"/>
+                          </a:solidFill>
+                          <a:effectLst/>
+                          <a:latin typeface="Calibri" panose="020F0502020204030204" pitchFamily="34" charset="0"/>
+                        </a:rPr>
+                        <a:t>MN</a:t>
+                      </a:r>
+                    </a:p>
+                  </a:txBody>
+                  <a:tcPr marL="6619" marR="6619" marT="6619" marB="0" anchor="b">
+                    <a:lnL w="6350" cap="flat" cmpd="sng" algn="ctr">
+                      <a:solidFill>
+                        <a:srgbClr val="000000"/>
+                      </a:solidFill>
+                      <a:prstDash val="solid"/>
+                      <a:round/>
+                      <a:headEnd type="none" w="med" len="med"/>
+                      <a:tailEnd type="none" w="med" len="med"/>
+                    </a:lnL>
+                    <a:lnR w="6350" cap="flat" cmpd="sng" algn="ctr">
+                      <a:solidFill>
+                        <a:srgbClr val="000000"/>
+                      </a:solidFill>
+                      <a:prstDash val="solid"/>
+                      <a:round/>
+                      <a:headEnd type="none" w="med" len="med"/>
+                      <a:tailEnd type="none" w="med" len="med"/>
+                    </a:lnR>
+                    <a:lnT w="6350" cap="flat" cmpd="sng" algn="ctr">
+                      <a:solidFill>
+                        <a:srgbClr val="000000"/>
+                      </a:solidFill>
+                      <a:prstDash val="solid"/>
+                      <a:round/>
+                      <a:headEnd type="none" w="med" len="med"/>
+                      <a:tailEnd type="none" w="med" len="med"/>
+                    </a:lnT>
+                    <a:lnB w="6350" cap="flat" cmpd="sng" algn="ctr">
+                      <a:solidFill>
+                        <a:srgbClr val="000000"/>
+                      </a:solidFill>
+                      <a:prstDash val="solid"/>
+                      <a:round/>
+                      <a:headEnd type="none" w="med" len="med"/>
+                      <a:tailEnd type="none" w="med" len="med"/>
+                    </a:lnB>
+                  </a:tcPr>
+                </a:tc>
+                <a:extLst>
+                  <a:ext uri="{0D108BD9-81ED-4DB2-BD59-A6C34878D82A}">
+                    <a16:rowId xmlns:a16="http://schemas.microsoft.com/office/drawing/2014/main" val="3798078109"/>
+                  </a:ext>
+                </a:extLst>
+              </a:tr>
+              <a:tr h="158856">
+                <a:tc>
+                  <a:txBody>
+                    <a:bodyPr/>
+                    <a:lstStyle/>
+                    <a:p>
+                      <a:pPr algn="l" fontAlgn="b"/>
+                      <a:r>
+                        <a:rPr lang="en-US" sz="1000" b="0" i="0" u="none" strike="noStrike">
+                          <a:solidFill>
+                            <a:srgbClr val="000000"/>
+                          </a:solidFill>
+                          <a:effectLst/>
+                          <a:latin typeface="Calibri" panose="020F0502020204030204" pitchFamily="34" charset="0"/>
+                        </a:rPr>
+                        <a:t>…</a:t>
+                      </a:r>
+                    </a:p>
+                  </a:txBody>
+                  <a:tcPr marL="6619" marR="6619" marT="6619" marB="0" anchor="b">
+                    <a:lnL w="6350" cap="flat" cmpd="sng" algn="ctr">
+                      <a:solidFill>
+                        <a:srgbClr val="000000"/>
+                      </a:solidFill>
+                      <a:prstDash val="solid"/>
+                      <a:round/>
+                      <a:headEnd type="none" w="med" len="med"/>
+                      <a:tailEnd type="none" w="med" len="med"/>
+                    </a:lnL>
+                    <a:lnR w="6350" cap="flat" cmpd="sng" algn="ctr">
+                      <a:solidFill>
+                        <a:srgbClr val="000000"/>
+                      </a:solidFill>
+                      <a:prstDash val="solid"/>
+                      <a:round/>
+                      <a:headEnd type="none" w="med" len="med"/>
+                      <a:tailEnd type="none" w="med" len="med"/>
+                    </a:lnR>
+                    <a:lnT w="6350" cap="flat" cmpd="sng" algn="ctr">
+                      <a:solidFill>
+                        <a:srgbClr val="000000"/>
+                      </a:solidFill>
+                      <a:prstDash val="solid"/>
+                      <a:round/>
+                      <a:headEnd type="none" w="med" len="med"/>
+                      <a:tailEnd type="none" w="med" len="med"/>
+                    </a:lnT>
+                    <a:lnB w="6350" cap="flat" cmpd="sng" algn="ctr">
+                      <a:solidFill>
+                        <a:srgbClr val="000000"/>
+                      </a:solidFill>
+                      <a:prstDash val="solid"/>
+                      <a:round/>
+                      <a:headEnd type="none" w="med" len="med"/>
+                      <a:tailEnd type="none" w="med" len="med"/>
+                    </a:lnB>
+                  </a:tcPr>
+                </a:tc>
+                <a:tc>
+                  <a:txBody>
+                    <a:bodyPr/>
+                    <a:lstStyle/>
+                    <a:p>
+                      <a:pPr algn="l" fontAlgn="b"/>
+                      <a:r>
+                        <a:rPr lang="en-US" sz="1000" b="0" i="0" u="none" strike="noStrike">
+                          <a:solidFill>
+                            <a:srgbClr val="000000"/>
+                          </a:solidFill>
+                          <a:effectLst/>
+                          <a:latin typeface="Calibri" panose="020F0502020204030204" pitchFamily="34" charset="0"/>
+                        </a:rPr>
+                        <a:t>…</a:t>
+                      </a:r>
+                    </a:p>
+                  </a:txBody>
+                  <a:tcPr marL="6619" marR="6619" marT="6619" marB="0" anchor="b">
+                    <a:lnL w="6350" cap="flat" cmpd="sng" algn="ctr">
+                      <a:solidFill>
+                        <a:srgbClr val="000000"/>
+                      </a:solidFill>
+                      <a:prstDash val="solid"/>
+                      <a:round/>
+                      <a:headEnd type="none" w="med" len="med"/>
+                      <a:tailEnd type="none" w="med" len="med"/>
+                    </a:lnL>
+                    <a:lnR w="6350" cap="flat" cmpd="sng" algn="ctr">
+                      <a:solidFill>
+                        <a:srgbClr val="000000"/>
+                      </a:solidFill>
+                      <a:prstDash val="solid"/>
+                      <a:round/>
+                      <a:headEnd type="none" w="med" len="med"/>
+                      <a:tailEnd type="none" w="med" len="med"/>
+                    </a:lnR>
+                    <a:lnT w="6350" cap="flat" cmpd="sng" algn="ctr">
+                      <a:solidFill>
+                        <a:srgbClr val="000000"/>
+                      </a:solidFill>
+                      <a:prstDash val="solid"/>
+                      <a:round/>
+                      <a:headEnd type="none" w="med" len="med"/>
+                      <a:tailEnd type="none" w="med" len="med"/>
+                    </a:lnT>
+                    <a:lnB w="6350" cap="flat" cmpd="sng" algn="ctr">
+                      <a:solidFill>
+                        <a:srgbClr val="000000"/>
+                      </a:solidFill>
+                      <a:prstDash val="solid"/>
+                      <a:round/>
+                      <a:headEnd type="none" w="med" len="med"/>
+                      <a:tailEnd type="none" w="med" len="med"/>
+                    </a:lnB>
+                  </a:tcPr>
+                </a:tc>
+                <a:tc>
+                  <a:txBody>
+                    <a:bodyPr/>
+                    <a:lstStyle/>
+                    <a:p>
+                      <a:pPr algn="l" fontAlgn="b"/>
+                      <a:r>
+                        <a:rPr lang="en-US" sz="1000" b="0" i="0" u="none" strike="noStrike">
+                          <a:solidFill>
+                            <a:srgbClr val="000000"/>
+                          </a:solidFill>
+                          <a:effectLst/>
+                          <a:latin typeface="Calibri" panose="020F0502020204030204" pitchFamily="34" charset="0"/>
+                        </a:rPr>
+                        <a:t>…</a:t>
+                      </a:r>
+                    </a:p>
+                  </a:txBody>
+                  <a:tcPr marL="6619" marR="6619" marT="6619" marB="0" anchor="b">
+                    <a:lnL w="6350" cap="flat" cmpd="sng" algn="ctr">
+                      <a:solidFill>
+                        <a:srgbClr val="000000"/>
+                      </a:solidFill>
+                      <a:prstDash val="solid"/>
+                      <a:round/>
+                      <a:headEnd type="none" w="med" len="med"/>
+                      <a:tailEnd type="none" w="med" len="med"/>
+                    </a:lnL>
+                    <a:lnR w="6350" cap="flat" cmpd="sng" algn="ctr">
+                      <a:solidFill>
+                        <a:srgbClr val="000000"/>
+                      </a:solidFill>
+                      <a:prstDash val="solid"/>
+                      <a:round/>
+                      <a:headEnd type="none" w="med" len="med"/>
+                      <a:tailEnd type="none" w="med" len="med"/>
+                    </a:lnR>
+                    <a:lnT w="6350" cap="flat" cmpd="sng" algn="ctr">
+                      <a:solidFill>
+                        <a:srgbClr val="000000"/>
+                      </a:solidFill>
+                      <a:prstDash val="solid"/>
+                      <a:round/>
+                      <a:headEnd type="none" w="med" len="med"/>
+                      <a:tailEnd type="none" w="med" len="med"/>
+                    </a:lnT>
+                    <a:lnB w="6350" cap="flat" cmpd="sng" algn="ctr">
+                      <a:solidFill>
+                        <a:srgbClr val="000000"/>
+                      </a:solidFill>
+                      <a:prstDash val="solid"/>
+                      <a:round/>
+                      <a:headEnd type="none" w="med" len="med"/>
+                      <a:tailEnd type="none" w="med" len="med"/>
+                    </a:lnB>
+                  </a:tcPr>
+                </a:tc>
+                <a:tc>
+                  <a:txBody>
+                    <a:bodyPr/>
+                    <a:lstStyle/>
+                    <a:p>
+                      <a:pPr algn="l" fontAlgn="b"/>
+                      <a:r>
+                        <a:rPr lang="en-US" sz="1000" b="0" i="0" u="none" strike="noStrike">
+                          <a:solidFill>
+                            <a:srgbClr val="000000"/>
+                          </a:solidFill>
+                          <a:effectLst/>
+                          <a:latin typeface="Calibri" panose="020F0502020204030204" pitchFamily="34" charset="0"/>
+                        </a:rPr>
+                        <a:t>…</a:t>
+                      </a:r>
+                    </a:p>
+                  </a:txBody>
+                  <a:tcPr marL="6619" marR="6619" marT="6619" marB="0" anchor="b">
+                    <a:lnL w="6350" cap="flat" cmpd="sng" algn="ctr">
+                      <a:solidFill>
+                        <a:srgbClr val="000000"/>
+                      </a:solidFill>
+                      <a:prstDash val="solid"/>
+                      <a:round/>
+                      <a:headEnd type="none" w="med" len="med"/>
+                      <a:tailEnd type="none" w="med" len="med"/>
+                    </a:lnL>
+                    <a:lnR w="6350" cap="flat" cmpd="sng" algn="ctr">
+                      <a:solidFill>
+                        <a:srgbClr val="000000"/>
+                      </a:solidFill>
+                      <a:prstDash val="solid"/>
+                      <a:round/>
+                      <a:headEnd type="none" w="med" len="med"/>
+                      <a:tailEnd type="none" w="med" len="med"/>
+                    </a:lnR>
+                    <a:lnT w="6350" cap="flat" cmpd="sng" algn="ctr">
+                      <a:solidFill>
+                        <a:srgbClr val="000000"/>
+                      </a:solidFill>
+                      <a:prstDash val="solid"/>
+                      <a:round/>
+                      <a:headEnd type="none" w="med" len="med"/>
+                      <a:tailEnd type="none" w="med" len="med"/>
+                    </a:lnT>
+                    <a:lnB w="6350" cap="flat" cmpd="sng" algn="ctr">
+                      <a:solidFill>
+                        <a:srgbClr val="000000"/>
+                      </a:solidFill>
+                      <a:prstDash val="solid"/>
+                      <a:round/>
+                      <a:headEnd type="none" w="med" len="med"/>
+                      <a:tailEnd type="none" w="med" len="med"/>
+                    </a:lnB>
+                  </a:tcPr>
+                </a:tc>
+                <a:tc>
+                  <a:txBody>
+                    <a:bodyPr/>
+                    <a:lstStyle/>
+                    <a:p>
+                      <a:pPr algn="l" fontAlgn="b"/>
+                      <a:r>
+                        <a:rPr lang="en-US" sz="1000" b="0" i="0" u="none" strike="noStrike">
+                          <a:solidFill>
+                            <a:srgbClr val="000000"/>
+                          </a:solidFill>
+                          <a:effectLst/>
+                          <a:latin typeface="Calibri" panose="020F0502020204030204" pitchFamily="34" charset="0"/>
+                        </a:rPr>
+                        <a:t>…</a:t>
+                      </a:r>
+                    </a:p>
+                  </a:txBody>
+                  <a:tcPr marL="6619" marR="6619" marT="6619" marB="0" anchor="b">
+                    <a:lnL w="6350" cap="flat" cmpd="sng" algn="ctr">
+                      <a:solidFill>
+                        <a:srgbClr val="000000"/>
+                      </a:solidFill>
+                      <a:prstDash val="solid"/>
+                      <a:round/>
+                      <a:headEnd type="none" w="med" len="med"/>
+                      <a:tailEnd type="none" w="med" len="med"/>
+                    </a:lnL>
+                    <a:lnR w="6350" cap="flat" cmpd="sng" algn="ctr">
+                      <a:solidFill>
+                        <a:srgbClr val="000000"/>
+                      </a:solidFill>
+                      <a:prstDash val="solid"/>
+                      <a:round/>
+                      <a:headEnd type="none" w="med" len="med"/>
+                      <a:tailEnd type="none" w="med" len="med"/>
+                    </a:lnR>
+                    <a:lnT w="6350" cap="flat" cmpd="sng" algn="ctr">
+                      <a:solidFill>
+                        <a:srgbClr val="000000"/>
+                      </a:solidFill>
+                      <a:prstDash val="solid"/>
+                      <a:round/>
+                      <a:headEnd type="none" w="med" len="med"/>
+                      <a:tailEnd type="none" w="med" len="med"/>
+                    </a:lnT>
+                    <a:lnB w="6350" cap="flat" cmpd="sng" algn="ctr">
+                      <a:solidFill>
+                        <a:srgbClr val="000000"/>
+                      </a:solidFill>
+                      <a:prstDash val="solid"/>
+                      <a:round/>
+                      <a:headEnd type="none" w="med" len="med"/>
+                      <a:tailEnd type="none" w="med" len="med"/>
+                    </a:lnB>
+                  </a:tcPr>
+                </a:tc>
+                <a:tc>
+                  <a:txBody>
+                    <a:bodyPr/>
+                    <a:lstStyle/>
+                    <a:p>
+                      <a:pPr algn="l" fontAlgn="b"/>
+                      <a:r>
+                        <a:rPr lang="en-US" sz="1000" b="0" i="0" u="none" strike="noStrike">
+                          <a:solidFill>
+                            <a:srgbClr val="000000"/>
+                          </a:solidFill>
+                          <a:effectLst/>
+                          <a:latin typeface="Calibri" panose="020F0502020204030204" pitchFamily="34" charset="0"/>
+                        </a:rPr>
+                        <a:t>…</a:t>
+                      </a:r>
+                    </a:p>
+                  </a:txBody>
+                  <a:tcPr marL="6619" marR="6619" marT="6619" marB="0" anchor="b">
+                    <a:lnL w="6350" cap="flat" cmpd="sng" algn="ctr">
+                      <a:solidFill>
+                        <a:srgbClr val="000000"/>
+                      </a:solidFill>
+                      <a:prstDash val="solid"/>
+                      <a:round/>
+                      <a:headEnd type="none" w="med" len="med"/>
+                      <a:tailEnd type="none" w="med" len="med"/>
+                    </a:lnL>
+                    <a:lnR w="6350" cap="flat" cmpd="sng" algn="ctr">
+                      <a:solidFill>
+                        <a:srgbClr val="000000"/>
+                      </a:solidFill>
+                      <a:prstDash val="solid"/>
+                      <a:round/>
+                      <a:headEnd type="none" w="med" len="med"/>
+                      <a:tailEnd type="none" w="med" len="med"/>
+                    </a:lnR>
+                    <a:lnT w="6350" cap="flat" cmpd="sng" algn="ctr">
+                      <a:solidFill>
+                        <a:srgbClr val="000000"/>
+                      </a:solidFill>
+                      <a:prstDash val="solid"/>
+                      <a:round/>
+                      <a:headEnd type="none" w="med" len="med"/>
+                      <a:tailEnd type="none" w="med" len="med"/>
+                    </a:lnT>
+                    <a:lnB w="6350" cap="flat" cmpd="sng" algn="ctr">
+                      <a:solidFill>
+                        <a:srgbClr val="000000"/>
+                      </a:solidFill>
+                      <a:prstDash val="solid"/>
+                      <a:round/>
+                      <a:headEnd type="none" w="med" len="med"/>
+                      <a:tailEnd type="none" w="med" len="med"/>
+                    </a:lnB>
+                  </a:tcPr>
+                </a:tc>
+                <a:tc>
+                  <a:txBody>
+                    <a:bodyPr/>
+                    <a:lstStyle/>
+                    <a:p>
+                      <a:pPr algn="l" fontAlgn="b"/>
+                      <a:r>
+                        <a:rPr lang="en-US" sz="1000" b="0" i="0" u="none" strike="noStrike">
+                          <a:solidFill>
+                            <a:srgbClr val="000000"/>
+                          </a:solidFill>
+                          <a:effectLst/>
+                          <a:latin typeface="Calibri" panose="020F0502020204030204" pitchFamily="34" charset="0"/>
+                        </a:rPr>
+                        <a:t>…</a:t>
+                      </a:r>
+                    </a:p>
+                  </a:txBody>
+                  <a:tcPr marL="6619" marR="6619" marT="6619" marB="0" anchor="b">
+                    <a:lnL w="6350" cap="flat" cmpd="sng" algn="ctr">
+                      <a:solidFill>
+                        <a:srgbClr val="000000"/>
+                      </a:solidFill>
+                      <a:prstDash val="solid"/>
+                      <a:round/>
+                      <a:headEnd type="none" w="med" len="med"/>
+                      <a:tailEnd type="none" w="med" len="med"/>
+                    </a:lnL>
+                    <a:lnR w="6350" cap="flat" cmpd="sng" algn="ctr">
+                      <a:solidFill>
+                        <a:srgbClr val="000000"/>
+                      </a:solidFill>
+                      <a:prstDash val="solid"/>
+                      <a:round/>
+                      <a:headEnd type="none" w="med" len="med"/>
+                      <a:tailEnd type="none" w="med" len="med"/>
+                    </a:lnR>
+                    <a:lnT w="6350" cap="flat" cmpd="sng" algn="ctr">
+                      <a:solidFill>
+                        <a:srgbClr val="000000"/>
+                      </a:solidFill>
+                      <a:prstDash val="solid"/>
+                      <a:round/>
+                      <a:headEnd type="none" w="med" len="med"/>
+                      <a:tailEnd type="none" w="med" len="med"/>
+                    </a:lnT>
+                    <a:lnB w="6350" cap="flat" cmpd="sng" algn="ctr">
+                      <a:solidFill>
+                        <a:srgbClr val="000000"/>
+                      </a:solidFill>
+                      <a:prstDash val="solid"/>
+                      <a:round/>
+                      <a:headEnd type="none" w="med" len="med"/>
+                      <a:tailEnd type="none" w="med" len="med"/>
+                    </a:lnB>
+                  </a:tcPr>
+                </a:tc>
+                <a:tc>
+                  <a:txBody>
+                    <a:bodyPr/>
+                    <a:lstStyle/>
+                    <a:p>
+                      <a:pPr algn="l" fontAlgn="b"/>
+                      <a:r>
+                        <a:rPr lang="en-US" sz="1000" b="0" i="0" u="none" strike="noStrike">
+                          <a:solidFill>
+                            <a:srgbClr val="000000"/>
+                          </a:solidFill>
+                          <a:effectLst/>
+                          <a:latin typeface="Calibri" panose="020F0502020204030204" pitchFamily="34" charset="0"/>
+                        </a:rPr>
+                        <a:t>…</a:t>
+                      </a:r>
+                    </a:p>
+                  </a:txBody>
+                  <a:tcPr marL="6619" marR="6619" marT="6619" marB="0" anchor="b">
+                    <a:lnL w="6350" cap="flat" cmpd="sng" algn="ctr">
+                      <a:solidFill>
+                        <a:srgbClr val="000000"/>
+                      </a:solidFill>
+                      <a:prstDash val="solid"/>
+                      <a:round/>
+                      <a:headEnd type="none" w="med" len="med"/>
+                      <a:tailEnd type="none" w="med" len="med"/>
+                    </a:lnL>
+                    <a:lnR w="6350" cap="flat" cmpd="sng" algn="ctr">
+                      <a:solidFill>
+                        <a:srgbClr val="000000"/>
+                      </a:solidFill>
+                      <a:prstDash val="solid"/>
+                      <a:round/>
+                      <a:headEnd type="none" w="med" len="med"/>
+                      <a:tailEnd type="none" w="med" len="med"/>
+                    </a:lnR>
+                    <a:lnT w="6350" cap="flat" cmpd="sng" algn="ctr">
+                      <a:solidFill>
+                        <a:srgbClr val="000000"/>
+                      </a:solidFill>
+                      <a:prstDash val="solid"/>
+                      <a:round/>
+                      <a:headEnd type="none" w="med" len="med"/>
+                      <a:tailEnd type="none" w="med" len="med"/>
+                    </a:lnT>
+                    <a:lnB w="6350" cap="flat" cmpd="sng" algn="ctr">
+                      <a:solidFill>
+                        <a:srgbClr val="000000"/>
+                      </a:solidFill>
+                      <a:prstDash val="solid"/>
+                      <a:round/>
+                      <a:headEnd type="none" w="med" len="med"/>
+                      <a:tailEnd type="none" w="med" len="med"/>
+                    </a:lnB>
+                  </a:tcPr>
+                </a:tc>
+                <a:tc>
+                  <a:txBody>
+                    <a:bodyPr/>
+                    <a:lstStyle/>
+                    <a:p>
+                      <a:pPr algn="l" fontAlgn="b"/>
+                      <a:r>
+                        <a:rPr lang="en-US" sz="1000" b="0" i="0" u="none" strike="noStrike">
+                          <a:solidFill>
+                            <a:srgbClr val="000000"/>
+                          </a:solidFill>
+                          <a:effectLst/>
+                          <a:latin typeface="Calibri" panose="020F0502020204030204" pitchFamily="34" charset="0"/>
+                        </a:rPr>
+                        <a:t>…</a:t>
+                      </a:r>
+                    </a:p>
+                  </a:txBody>
+                  <a:tcPr marL="6619" marR="6619" marT="6619" marB="0" anchor="b">
+                    <a:lnL w="6350" cap="flat" cmpd="sng" algn="ctr">
+                      <a:solidFill>
+                        <a:srgbClr val="000000"/>
+                      </a:solidFill>
+                      <a:prstDash val="solid"/>
+                      <a:round/>
+                      <a:headEnd type="none" w="med" len="med"/>
+                      <a:tailEnd type="none" w="med" len="med"/>
+                    </a:lnL>
+                    <a:lnR w="6350" cap="flat" cmpd="sng" algn="ctr">
+                      <a:solidFill>
+                        <a:srgbClr val="000000"/>
+                      </a:solidFill>
+                      <a:prstDash val="solid"/>
+                      <a:round/>
+                      <a:headEnd type="none" w="med" len="med"/>
+                      <a:tailEnd type="none" w="med" len="med"/>
+                    </a:lnR>
+                    <a:lnT w="6350" cap="flat" cmpd="sng" algn="ctr">
+                      <a:solidFill>
+                        <a:srgbClr val="000000"/>
+                      </a:solidFill>
+                      <a:prstDash val="solid"/>
+                      <a:round/>
+                      <a:headEnd type="none" w="med" len="med"/>
+                      <a:tailEnd type="none" w="med" len="med"/>
+                    </a:lnT>
+                    <a:lnB w="6350" cap="flat" cmpd="sng" algn="ctr">
+                      <a:solidFill>
+                        <a:srgbClr val="000000"/>
+                      </a:solidFill>
+                      <a:prstDash val="solid"/>
+                      <a:round/>
+                      <a:headEnd type="none" w="med" len="med"/>
+                      <a:tailEnd type="none" w="med" len="med"/>
+                    </a:lnB>
+                  </a:tcPr>
+                </a:tc>
+                <a:tc>
+                  <a:txBody>
+                    <a:bodyPr/>
+                    <a:lstStyle/>
+                    <a:p>
+                      <a:pPr algn="l" fontAlgn="b"/>
+                      <a:r>
+                        <a:rPr lang="en-US" sz="1000" b="0" i="0" u="none" strike="noStrike" dirty="0">
+                          <a:solidFill>
+                            <a:srgbClr val="000000"/>
+                          </a:solidFill>
+                          <a:effectLst/>
+                          <a:latin typeface="Calibri" panose="020F0502020204030204" pitchFamily="34" charset="0"/>
+                        </a:rPr>
+                        <a:t>…</a:t>
+                      </a:r>
+                    </a:p>
+                  </a:txBody>
+                  <a:tcPr marL="6619" marR="6619" marT="6619" marB="0" anchor="b">
+                    <a:lnL w="6350" cap="flat" cmpd="sng" algn="ctr">
+                      <a:solidFill>
+                        <a:srgbClr val="000000"/>
+                      </a:solidFill>
+                      <a:prstDash val="solid"/>
+                      <a:round/>
+                      <a:headEnd type="none" w="med" len="med"/>
+                      <a:tailEnd type="none" w="med" len="med"/>
+                    </a:lnL>
+                    <a:lnR w="6350" cap="flat" cmpd="sng" algn="ctr">
+                      <a:solidFill>
+                        <a:srgbClr val="000000"/>
+                      </a:solidFill>
+                      <a:prstDash val="solid"/>
+                      <a:round/>
+                      <a:headEnd type="none" w="med" len="med"/>
+                      <a:tailEnd type="none" w="med" len="med"/>
+                    </a:lnR>
+                    <a:lnT w="6350" cap="flat" cmpd="sng" algn="ctr">
+                      <a:solidFill>
+                        <a:srgbClr val="000000"/>
+                      </a:solidFill>
+                      <a:prstDash val="solid"/>
+                      <a:round/>
+                      <a:headEnd type="none" w="med" len="med"/>
+                      <a:tailEnd type="none" w="med" len="med"/>
+                    </a:lnT>
+                    <a:lnB w="6350" cap="flat" cmpd="sng" algn="ctr">
+                      <a:solidFill>
+                        <a:srgbClr val="000000"/>
+                      </a:solidFill>
+                      <a:prstDash val="solid"/>
+                      <a:round/>
+                      <a:headEnd type="none" w="med" len="med"/>
+                      <a:tailEnd type="none" w="med" len="med"/>
+                    </a:lnB>
+                  </a:tcPr>
+                </a:tc>
+                <a:extLst>
+                  <a:ext uri="{0D108BD9-81ED-4DB2-BD59-A6C34878D82A}">
+                    <a16:rowId xmlns:a16="http://schemas.microsoft.com/office/drawing/2014/main" val="211282576"/>
+                  </a:ext>
+                </a:extLst>
+              </a:tr>
+            </a:tbl>
+          </a:graphicData>
+        </a:graphic>
+      </p:graphicFrame>
     </p:spTree>
     <p:extLst>
       <p:ext uri="{BB962C8B-B14F-4D97-AF65-F5344CB8AC3E}">
-        <p14:creationId xmlns:p14="http://schemas.microsoft.com/office/powerpoint/2010/main" val="3487394547"/>
+        <p14:creationId xmlns:p14="http://schemas.microsoft.com/office/powerpoint/2010/main" val="2001367759"/>
       </p:ext>
     </p:extLst>
   </p:cSld>
@@ -2798,95 +7568,2382 @@
           <a:bodyPr/>
           <a:lstStyle/>
           <a:p>
+            <a:pPr marL="215900" lvl="0">
+              <a:lnSpc>
+                <a:spcPct val="115000"/>
+              </a:lnSpc>
+              <a:spcBef>
+                <a:spcPts val="0"/>
+              </a:spcBef>
+              <a:buClr>
+                <a:schemeClr val="dk1"/>
+              </a:buClr>
+              <a:buSzPts val="1100"/>
+            </a:pPr>
             <a:r>
-              <a:rPr lang="en-US" dirty="0"/>
-              <a:t>Merge Data</a:t>
+              <a:rPr lang="en-US" sz="3200" dirty="0"/>
+              <a:t>Number of Breweries by State</a:t>
             </a:r>
           </a:p>
         </p:txBody>
       </p:sp>
-      <p:pic>
-        <p:nvPicPr>
-          <p:cNvPr id="5" name="Google Shape;69;p15">
+      <p:graphicFrame>
+        <p:nvGraphicFramePr>
+          <p:cNvPr id="9" name="Table 8">
             <a:extLst>
               <a:ext uri="{FF2B5EF4-FFF2-40B4-BE49-F238E27FC236}">
-                <a16:creationId xmlns:a16="http://schemas.microsoft.com/office/drawing/2014/main" id="{BAE7DE87-71B9-4508-B065-7A1E23E4C3E9}"/>
+                <a16:creationId xmlns:a16="http://schemas.microsoft.com/office/drawing/2014/main" id="{CA9278A8-E15A-4C89-8B84-AA832330981A}"/>
               </a:ext>
             </a:extLst>
           </p:cNvPr>
-          <p:cNvPicPr preferRelativeResize="0">
-            <a:picLocks noGrp="1"/>
-          </p:cNvPicPr>
+          <p:cNvGraphicFramePr>
+            <a:graphicFrameLocks noGrp="1"/>
+          </p:cNvGraphicFramePr>
           <p:nvPr>
-            <p:ph idx="1"/>
+            <p:extLst>
+              <p:ext uri="{D42A27DB-BD31-4B8C-83A1-F6EECF244321}">
+                <p14:modId xmlns:p14="http://schemas.microsoft.com/office/powerpoint/2010/main" val="1299933287"/>
+              </p:ext>
+            </p:extLst>
           </p:nvPr>
-        </p:nvPicPr>
-        <p:blipFill>
-          <a:blip r:embed="rId2">
-            <a:alphaModFix/>
-          </a:blip>
-          <a:stretch>
-            <a:fillRect/>
-          </a:stretch>
-        </p:blipFill>
+        </p:nvGraphicFramePr>
+        <p:xfrm>
+          <a:off x="3000086" y="1662545"/>
+          <a:ext cx="3143827" cy="3572235"/>
+        </p:xfrm>
+        <a:graphic>
+          <a:graphicData uri="http://schemas.openxmlformats.org/drawingml/2006/table">
+            <a:tbl>
+              <a:tblPr/>
+              <a:tblGrid>
+                <a:gridCol w="1134370">
+                  <a:extLst>
+                    <a:ext uri="{9D8B030D-6E8A-4147-A177-3AD203B41FA5}">
+                      <a16:colId xmlns:a16="http://schemas.microsoft.com/office/drawing/2014/main" val="3150080418"/>
+                    </a:ext>
+                  </a:extLst>
+                </a:gridCol>
+                <a:gridCol w="2009457">
+                  <a:extLst>
+                    <a:ext uri="{9D8B030D-6E8A-4147-A177-3AD203B41FA5}">
+                      <a16:colId xmlns:a16="http://schemas.microsoft.com/office/drawing/2014/main" val="613975834"/>
+                    </a:ext>
+                  </a:extLst>
+                </a:gridCol>
+              </a:tblGrid>
+              <a:tr h="238149">
+                <a:tc gridSpan="2">
+                  <a:txBody>
+                    <a:bodyPr/>
+                    <a:lstStyle/>
+                    <a:p>
+                      <a:pPr algn="ctr" fontAlgn="b"/>
+                      <a:r>
+                        <a:rPr lang="en-US" sz="1100" b="1" i="0" u="none" strike="noStrike">
+                          <a:solidFill>
+                            <a:srgbClr val="FFFFFF"/>
+                          </a:solidFill>
+                          <a:effectLst/>
+                          <a:latin typeface="Calibri" panose="020F0502020204030204" pitchFamily="34" charset="0"/>
+                        </a:rPr>
+                        <a:t>Breweries by State</a:t>
+                      </a:r>
+                    </a:p>
+                  </a:txBody>
+                  <a:tcPr marL="7620" marR="7620" marT="7620" marB="0" anchor="b">
+                    <a:lnL w="6350" cap="flat" cmpd="sng" algn="ctr">
+                      <a:solidFill>
+                        <a:srgbClr val="000000"/>
+                      </a:solidFill>
+                      <a:prstDash val="solid"/>
+                      <a:round/>
+                      <a:headEnd type="none" w="med" len="med"/>
+                      <a:tailEnd type="none" w="med" len="med"/>
+                    </a:lnL>
+                    <a:lnR w="6350" cap="flat" cmpd="sng" algn="ctr">
+                      <a:solidFill>
+                        <a:srgbClr val="000000"/>
+                      </a:solidFill>
+                      <a:prstDash val="solid"/>
+                      <a:round/>
+                      <a:headEnd type="none" w="med" len="med"/>
+                      <a:tailEnd type="none" w="med" len="med"/>
+                    </a:lnR>
+                    <a:lnT w="6350" cap="flat" cmpd="sng" algn="ctr">
+                      <a:solidFill>
+                        <a:srgbClr val="000000"/>
+                      </a:solidFill>
+                      <a:prstDash val="solid"/>
+                      <a:round/>
+                      <a:headEnd type="none" w="med" len="med"/>
+                      <a:tailEnd type="none" w="med" len="med"/>
+                    </a:lnT>
+                    <a:lnB w="6350" cap="flat" cmpd="sng" algn="ctr">
+                      <a:solidFill>
+                        <a:srgbClr val="000000"/>
+                      </a:solidFill>
+                      <a:prstDash val="solid"/>
+                      <a:round/>
+                      <a:headEnd type="none" w="med" len="med"/>
+                      <a:tailEnd type="none" w="med" len="med"/>
+                    </a:lnB>
+                    <a:solidFill>
+                      <a:srgbClr val="4472C4"/>
+                    </a:solidFill>
+                  </a:tcPr>
+                </a:tc>
+                <a:tc hMerge="1">
+                  <a:txBody>
+                    <a:bodyPr/>
+                    <a:lstStyle/>
+                    <a:p>
+                      <a:endParaRPr lang="en-US"/>
+                    </a:p>
+                  </a:txBody>
+                  <a:tcPr/>
+                </a:tc>
+                <a:extLst>
+                  <a:ext uri="{0D108BD9-81ED-4DB2-BD59-A6C34878D82A}">
+                    <a16:rowId xmlns:a16="http://schemas.microsoft.com/office/drawing/2014/main" val="2780557123"/>
+                  </a:ext>
+                </a:extLst>
+              </a:tr>
+              <a:tr h="238149">
+                <a:tc>
+                  <a:txBody>
+                    <a:bodyPr/>
+                    <a:lstStyle/>
+                    <a:p>
+                      <a:pPr algn="ctr" fontAlgn="b"/>
+                      <a:r>
+                        <a:rPr lang="en-US" sz="1100" b="1" i="0" u="none" strike="noStrike">
+                          <a:solidFill>
+                            <a:srgbClr val="FFFFFF"/>
+                          </a:solidFill>
+                          <a:effectLst/>
+                          <a:latin typeface="Calibri" panose="020F0502020204030204" pitchFamily="34" charset="0"/>
+                        </a:rPr>
+                        <a:t>State</a:t>
+                      </a:r>
+                    </a:p>
+                  </a:txBody>
+                  <a:tcPr marL="7620" marR="7620" marT="7620" marB="0" anchor="b">
+                    <a:lnL w="6350" cap="flat" cmpd="sng" algn="ctr">
+                      <a:solidFill>
+                        <a:srgbClr val="000000"/>
+                      </a:solidFill>
+                      <a:prstDash val="solid"/>
+                      <a:round/>
+                      <a:headEnd type="none" w="med" len="med"/>
+                      <a:tailEnd type="none" w="med" len="med"/>
+                    </a:lnL>
+                    <a:lnR w="6350" cap="flat" cmpd="sng" algn="ctr">
+                      <a:solidFill>
+                        <a:srgbClr val="000000"/>
+                      </a:solidFill>
+                      <a:prstDash val="solid"/>
+                      <a:round/>
+                      <a:headEnd type="none" w="med" len="med"/>
+                      <a:tailEnd type="none" w="med" len="med"/>
+                    </a:lnR>
+                    <a:lnT w="6350" cap="flat" cmpd="sng" algn="ctr">
+                      <a:solidFill>
+                        <a:srgbClr val="000000"/>
+                      </a:solidFill>
+                      <a:prstDash val="solid"/>
+                      <a:round/>
+                      <a:headEnd type="none" w="med" len="med"/>
+                      <a:tailEnd type="none" w="med" len="med"/>
+                    </a:lnT>
+                    <a:lnB w="6350" cap="flat" cmpd="sng" algn="ctr">
+                      <a:solidFill>
+                        <a:srgbClr val="000000"/>
+                      </a:solidFill>
+                      <a:prstDash val="solid"/>
+                      <a:round/>
+                      <a:headEnd type="none" w="med" len="med"/>
+                      <a:tailEnd type="none" w="med" len="med"/>
+                    </a:lnB>
+                    <a:solidFill>
+                      <a:srgbClr val="4472C4"/>
+                    </a:solidFill>
+                  </a:tcPr>
+                </a:tc>
+                <a:tc>
+                  <a:txBody>
+                    <a:bodyPr/>
+                    <a:lstStyle/>
+                    <a:p>
+                      <a:pPr algn="ctr" fontAlgn="b"/>
+                      <a:r>
+                        <a:rPr lang="en-US" sz="1100" b="1" i="0" u="none" strike="noStrike">
+                          <a:solidFill>
+                            <a:srgbClr val="FFFFFF"/>
+                          </a:solidFill>
+                          <a:effectLst/>
+                          <a:latin typeface="Calibri" panose="020F0502020204030204" pitchFamily="34" charset="0"/>
+                        </a:rPr>
+                        <a:t># of Breweries</a:t>
+                      </a:r>
+                    </a:p>
+                  </a:txBody>
+                  <a:tcPr marL="7620" marR="7620" marT="7620" marB="0" anchor="b">
+                    <a:lnL w="6350" cap="flat" cmpd="sng" algn="ctr">
+                      <a:solidFill>
+                        <a:srgbClr val="000000"/>
+                      </a:solidFill>
+                      <a:prstDash val="solid"/>
+                      <a:round/>
+                      <a:headEnd type="none" w="med" len="med"/>
+                      <a:tailEnd type="none" w="med" len="med"/>
+                    </a:lnL>
+                    <a:lnR w="6350" cap="flat" cmpd="sng" algn="ctr">
+                      <a:solidFill>
+                        <a:srgbClr val="000000"/>
+                      </a:solidFill>
+                      <a:prstDash val="solid"/>
+                      <a:round/>
+                      <a:headEnd type="none" w="med" len="med"/>
+                      <a:tailEnd type="none" w="med" len="med"/>
+                    </a:lnR>
+                    <a:lnT w="6350" cap="flat" cmpd="sng" algn="ctr">
+                      <a:solidFill>
+                        <a:srgbClr val="000000"/>
+                      </a:solidFill>
+                      <a:prstDash val="solid"/>
+                      <a:round/>
+                      <a:headEnd type="none" w="med" len="med"/>
+                      <a:tailEnd type="none" w="med" len="med"/>
+                    </a:lnT>
+                    <a:lnB w="6350" cap="flat" cmpd="sng" algn="ctr">
+                      <a:solidFill>
+                        <a:srgbClr val="000000"/>
+                      </a:solidFill>
+                      <a:prstDash val="solid"/>
+                      <a:round/>
+                      <a:headEnd type="none" w="med" len="med"/>
+                      <a:tailEnd type="none" w="med" len="med"/>
+                    </a:lnB>
+                    <a:solidFill>
+                      <a:srgbClr val="4472C4"/>
+                    </a:solidFill>
+                  </a:tcPr>
+                </a:tc>
+                <a:extLst>
+                  <a:ext uri="{0D108BD9-81ED-4DB2-BD59-A6C34878D82A}">
+                    <a16:rowId xmlns:a16="http://schemas.microsoft.com/office/drawing/2014/main" val="3106170322"/>
+                  </a:ext>
+                </a:extLst>
+              </a:tr>
+              <a:tr h="238149">
+                <a:tc>
+                  <a:txBody>
+                    <a:bodyPr/>
+                    <a:lstStyle/>
+                    <a:p>
+                      <a:pPr algn="ctr" fontAlgn="b"/>
+                      <a:r>
+                        <a:rPr lang="en-US" sz="1100" b="1" i="0" u="none" strike="noStrike">
+                          <a:solidFill>
+                            <a:srgbClr val="000000"/>
+                          </a:solidFill>
+                          <a:effectLst/>
+                          <a:latin typeface="Calibri" panose="020F0502020204030204" pitchFamily="34" charset="0"/>
+                        </a:rPr>
+                        <a:t>CO</a:t>
+                      </a:r>
+                    </a:p>
+                  </a:txBody>
+                  <a:tcPr marL="7620" marR="7620" marT="7620" marB="0" anchor="b">
+                    <a:lnL w="6350" cap="flat" cmpd="sng" algn="ctr">
+                      <a:solidFill>
+                        <a:srgbClr val="000000"/>
+                      </a:solidFill>
+                      <a:prstDash val="solid"/>
+                      <a:round/>
+                      <a:headEnd type="none" w="med" len="med"/>
+                      <a:tailEnd type="none" w="med" len="med"/>
+                    </a:lnL>
+                    <a:lnR w="6350" cap="flat" cmpd="sng" algn="ctr">
+                      <a:solidFill>
+                        <a:srgbClr val="000000"/>
+                      </a:solidFill>
+                      <a:prstDash val="solid"/>
+                      <a:round/>
+                      <a:headEnd type="none" w="med" len="med"/>
+                      <a:tailEnd type="none" w="med" len="med"/>
+                    </a:lnR>
+                    <a:lnT w="6350" cap="flat" cmpd="sng" algn="ctr">
+                      <a:solidFill>
+                        <a:srgbClr val="000000"/>
+                      </a:solidFill>
+                      <a:prstDash val="solid"/>
+                      <a:round/>
+                      <a:headEnd type="none" w="med" len="med"/>
+                      <a:tailEnd type="none" w="med" len="med"/>
+                    </a:lnT>
+                    <a:lnB w="6350" cap="flat" cmpd="sng" algn="ctr">
+                      <a:solidFill>
+                        <a:srgbClr val="000000"/>
+                      </a:solidFill>
+                      <a:prstDash val="solid"/>
+                      <a:round/>
+                      <a:headEnd type="none" w="med" len="med"/>
+                      <a:tailEnd type="none" w="med" len="med"/>
+                    </a:lnB>
+                  </a:tcPr>
+                </a:tc>
+                <a:tc>
+                  <a:txBody>
+                    <a:bodyPr/>
+                    <a:lstStyle/>
+                    <a:p>
+                      <a:pPr algn="ctr" fontAlgn="b"/>
+                      <a:r>
+                        <a:rPr lang="en-US" sz="1100" b="0" i="0" u="none" strike="noStrike">
+                          <a:solidFill>
+                            <a:srgbClr val="000000"/>
+                          </a:solidFill>
+                          <a:effectLst/>
+                          <a:latin typeface="Calibri" panose="020F0502020204030204" pitchFamily="34" charset="0"/>
+                        </a:rPr>
+                        <a:t>47</a:t>
+                      </a:r>
+                    </a:p>
+                  </a:txBody>
+                  <a:tcPr marL="7620" marR="7620" marT="7620" marB="0" anchor="b">
+                    <a:lnL w="6350" cap="flat" cmpd="sng" algn="ctr">
+                      <a:solidFill>
+                        <a:srgbClr val="000000"/>
+                      </a:solidFill>
+                      <a:prstDash val="solid"/>
+                      <a:round/>
+                      <a:headEnd type="none" w="med" len="med"/>
+                      <a:tailEnd type="none" w="med" len="med"/>
+                    </a:lnL>
+                    <a:lnR w="6350" cap="flat" cmpd="sng" algn="ctr">
+                      <a:solidFill>
+                        <a:srgbClr val="000000"/>
+                      </a:solidFill>
+                      <a:prstDash val="solid"/>
+                      <a:round/>
+                      <a:headEnd type="none" w="med" len="med"/>
+                      <a:tailEnd type="none" w="med" len="med"/>
+                    </a:lnR>
+                    <a:lnT w="6350" cap="flat" cmpd="sng" algn="ctr">
+                      <a:solidFill>
+                        <a:srgbClr val="000000"/>
+                      </a:solidFill>
+                      <a:prstDash val="solid"/>
+                      <a:round/>
+                      <a:headEnd type="none" w="med" len="med"/>
+                      <a:tailEnd type="none" w="med" len="med"/>
+                    </a:lnT>
+                    <a:lnB w="6350" cap="flat" cmpd="sng" algn="ctr">
+                      <a:solidFill>
+                        <a:srgbClr val="000000"/>
+                      </a:solidFill>
+                      <a:prstDash val="solid"/>
+                      <a:round/>
+                      <a:headEnd type="none" w="med" len="med"/>
+                      <a:tailEnd type="none" w="med" len="med"/>
+                    </a:lnB>
+                  </a:tcPr>
+                </a:tc>
+                <a:extLst>
+                  <a:ext uri="{0D108BD9-81ED-4DB2-BD59-A6C34878D82A}">
+                    <a16:rowId xmlns:a16="http://schemas.microsoft.com/office/drawing/2014/main" val="3513505507"/>
+                  </a:ext>
+                </a:extLst>
+              </a:tr>
+              <a:tr h="238149">
+                <a:tc>
+                  <a:txBody>
+                    <a:bodyPr/>
+                    <a:lstStyle/>
+                    <a:p>
+                      <a:pPr algn="ctr" fontAlgn="b"/>
+                      <a:r>
+                        <a:rPr lang="en-US" sz="1100" b="1" i="0" u="none" strike="noStrike">
+                          <a:solidFill>
+                            <a:srgbClr val="000000"/>
+                          </a:solidFill>
+                          <a:effectLst/>
+                          <a:latin typeface="Calibri" panose="020F0502020204030204" pitchFamily="34" charset="0"/>
+                        </a:rPr>
+                        <a:t>CA</a:t>
+                      </a:r>
+                    </a:p>
+                  </a:txBody>
+                  <a:tcPr marL="7620" marR="7620" marT="7620" marB="0" anchor="b">
+                    <a:lnL w="6350" cap="flat" cmpd="sng" algn="ctr">
+                      <a:solidFill>
+                        <a:srgbClr val="000000"/>
+                      </a:solidFill>
+                      <a:prstDash val="solid"/>
+                      <a:round/>
+                      <a:headEnd type="none" w="med" len="med"/>
+                      <a:tailEnd type="none" w="med" len="med"/>
+                    </a:lnL>
+                    <a:lnR w="6350" cap="flat" cmpd="sng" algn="ctr">
+                      <a:solidFill>
+                        <a:srgbClr val="000000"/>
+                      </a:solidFill>
+                      <a:prstDash val="solid"/>
+                      <a:round/>
+                      <a:headEnd type="none" w="med" len="med"/>
+                      <a:tailEnd type="none" w="med" len="med"/>
+                    </a:lnR>
+                    <a:lnT w="6350" cap="flat" cmpd="sng" algn="ctr">
+                      <a:solidFill>
+                        <a:srgbClr val="000000"/>
+                      </a:solidFill>
+                      <a:prstDash val="solid"/>
+                      <a:round/>
+                      <a:headEnd type="none" w="med" len="med"/>
+                      <a:tailEnd type="none" w="med" len="med"/>
+                    </a:lnT>
+                    <a:lnB w="6350" cap="flat" cmpd="sng" algn="ctr">
+                      <a:solidFill>
+                        <a:srgbClr val="000000"/>
+                      </a:solidFill>
+                      <a:prstDash val="solid"/>
+                      <a:round/>
+                      <a:headEnd type="none" w="med" len="med"/>
+                      <a:tailEnd type="none" w="med" len="med"/>
+                    </a:lnB>
+                  </a:tcPr>
+                </a:tc>
+                <a:tc>
+                  <a:txBody>
+                    <a:bodyPr/>
+                    <a:lstStyle/>
+                    <a:p>
+                      <a:pPr algn="ctr" fontAlgn="b"/>
+                      <a:r>
+                        <a:rPr lang="en-US" sz="1100" b="0" i="0" u="none" strike="noStrike">
+                          <a:solidFill>
+                            <a:srgbClr val="000000"/>
+                          </a:solidFill>
+                          <a:effectLst/>
+                          <a:latin typeface="Calibri" panose="020F0502020204030204" pitchFamily="34" charset="0"/>
+                        </a:rPr>
+                        <a:t>39</a:t>
+                      </a:r>
+                    </a:p>
+                  </a:txBody>
+                  <a:tcPr marL="7620" marR="7620" marT="7620" marB="0" anchor="b">
+                    <a:lnL w="6350" cap="flat" cmpd="sng" algn="ctr">
+                      <a:solidFill>
+                        <a:srgbClr val="000000"/>
+                      </a:solidFill>
+                      <a:prstDash val="solid"/>
+                      <a:round/>
+                      <a:headEnd type="none" w="med" len="med"/>
+                      <a:tailEnd type="none" w="med" len="med"/>
+                    </a:lnL>
+                    <a:lnR w="6350" cap="flat" cmpd="sng" algn="ctr">
+                      <a:solidFill>
+                        <a:srgbClr val="000000"/>
+                      </a:solidFill>
+                      <a:prstDash val="solid"/>
+                      <a:round/>
+                      <a:headEnd type="none" w="med" len="med"/>
+                      <a:tailEnd type="none" w="med" len="med"/>
+                    </a:lnR>
+                    <a:lnT w="6350" cap="flat" cmpd="sng" algn="ctr">
+                      <a:solidFill>
+                        <a:srgbClr val="000000"/>
+                      </a:solidFill>
+                      <a:prstDash val="solid"/>
+                      <a:round/>
+                      <a:headEnd type="none" w="med" len="med"/>
+                      <a:tailEnd type="none" w="med" len="med"/>
+                    </a:lnT>
+                    <a:lnB w="6350" cap="flat" cmpd="sng" algn="ctr">
+                      <a:solidFill>
+                        <a:srgbClr val="000000"/>
+                      </a:solidFill>
+                      <a:prstDash val="solid"/>
+                      <a:round/>
+                      <a:headEnd type="none" w="med" len="med"/>
+                      <a:tailEnd type="none" w="med" len="med"/>
+                    </a:lnB>
+                  </a:tcPr>
+                </a:tc>
+                <a:extLst>
+                  <a:ext uri="{0D108BD9-81ED-4DB2-BD59-A6C34878D82A}">
+                    <a16:rowId xmlns:a16="http://schemas.microsoft.com/office/drawing/2014/main" val="3980497803"/>
+                  </a:ext>
+                </a:extLst>
+              </a:tr>
+              <a:tr h="238149">
+                <a:tc>
+                  <a:txBody>
+                    <a:bodyPr/>
+                    <a:lstStyle/>
+                    <a:p>
+                      <a:pPr algn="ctr" fontAlgn="b"/>
+                      <a:r>
+                        <a:rPr lang="en-US" sz="1100" b="1" i="0" u="none" strike="noStrike">
+                          <a:solidFill>
+                            <a:srgbClr val="000000"/>
+                          </a:solidFill>
+                          <a:effectLst/>
+                          <a:latin typeface="Calibri" panose="020F0502020204030204" pitchFamily="34" charset="0"/>
+                        </a:rPr>
+                        <a:t>MI</a:t>
+                      </a:r>
+                    </a:p>
+                  </a:txBody>
+                  <a:tcPr marL="7620" marR="7620" marT="7620" marB="0" anchor="b">
+                    <a:lnL w="6350" cap="flat" cmpd="sng" algn="ctr">
+                      <a:solidFill>
+                        <a:srgbClr val="000000"/>
+                      </a:solidFill>
+                      <a:prstDash val="solid"/>
+                      <a:round/>
+                      <a:headEnd type="none" w="med" len="med"/>
+                      <a:tailEnd type="none" w="med" len="med"/>
+                    </a:lnL>
+                    <a:lnR w="6350" cap="flat" cmpd="sng" algn="ctr">
+                      <a:solidFill>
+                        <a:srgbClr val="000000"/>
+                      </a:solidFill>
+                      <a:prstDash val="solid"/>
+                      <a:round/>
+                      <a:headEnd type="none" w="med" len="med"/>
+                      <a:tailEnd type="none" w="med" len="med"/>
+                    </a:lnR>
+                    <a:lnT w="6350" cap="flat" cmpd="sng" algn="ctr">
+                      <a:solidFill>
+                        <a:srgbClr val="000000"/>
+                      </a:solidFill>
+                      <a:prstDash val="solid"/>
+                      <a:round/>
+                      <a:headEnd type="none" w="med" len="med"/>
+                      <a:tailEnd type="none" w="med" len="med"/>
+                    </a:lnT>
+                    <a:lnB w="6350" cap="flat" cmpd="sng" algn="ctr">
+                      <a:solidFill>
+                        <a:srgbClr val="000000"/>
+                      </a:solidFill>
+                      <a:prstDash val="solid"/>
+                      <a:round/>
+                      <a:headEnd type="none" w="med" len="med"/>
+                      <a:tailEnd type="none" w="med" len="med"/>
+                    </a:lnB>
+                  </a:tcPr>
+                </a:tc>
+                <a:tc>
+                  <a:txBody>
+                    <a:bodyPr/>
+                    <a:lstStyle/>
+                    <a:p>
+                      <a:pPr algn="ctr" fontAlgn="b"/>
+                      <a:r>
+                        <a:rPr lang="en-US" sz="1100" b="0" i="0" u="none" strike="noStrike">
+                          <a:solidFill>
+                            <a:srgbClr val="000000"/>
+                          </a:solidFill>
+                          <a:effectLst/>
+                          <a:latin typeface="Calibri" panose="020F0502020204030204" pitchFamily="34" charset="0"/>
+                        </a:rPr>
+                        <a:t>32</a:t>
+                      </a:r>
+                    </a:p>
+                  </a:txBody>
+                  <a:tcPr marL="7620" marR="7620" marT="7620" marB="0" anchor="b">
+                    <a:lnL w="6350" cap="flat" cmpd="sng" algn="ctr">
+                      <a:solidFill>
+                        <a:srgbClr val="000000"/>
+                      </a:solidFill>
+                      <a:prstDash val="solid"/>
+                      <a:round/>
+                      <a:headEnd type="none" w="med" len="med"/>
+                      <a:tailEnd type="none" w="med" len="med"/>
+                    </a:lnL>
+                    <a:lnR w="6350" cap="flat" cmpd="sng" algn="ctr">
+                      <a:solidFill>
+                        <a:srgbClr val="000000"/>
+                      </a:solidFill>
+                      <a:prstDash val="solid"/>
+                      <a:round/>
+                      <a:headEnd type="none" w="med" len="med"/>
+                      <a:tailEnd type="none" w="med" len="med"/>
+                    </a:lnR>
+                    <a:lnT w="6350" cap="flat" cmpd="sng" algn="ctr">
+                      <a:solidFill>
+                        <a:srgbClr val="000000"/>
+                      </a:solidFill>
+                      <a:prstDash val="solid"/>
+                      <a:round/>
+                      <a:headEnd type="none" w="med" len="med"/>
+                      <a:tailEnd type="none" w="med" len="med"/>
+                    </a:lnT>
+                    <a:lnB w="6350" cap="flat" cmpd="sng" algn="ctr">
+                      <a:solidFill>
+                        <a:srgbClr val="000000"/>
+                      </a:solidFill>
+                      <a:prstDash val="solid"/>
+                      <a:round/>
+                      <a:headEnd type="none" w="med" len="med"/>
+                      <a:tailEnd type="none" w="med" len="med"/>
+                    </a:lnB>
+                  </a:tcPr>
+                </a:tc>
+                <a:extLst>
+                  <a:ext uri="{0D108BD9-81ED-4DB2-BD59-A6C34878D82A}">
+                    <a16:rowId xmlns:a16="http://schemas.microsoft.com/office/drawing/2014/main" val="3506346842"/>
+                  </a:ext>
+                </a:extLst>
+              </a:tr>
+              <a:tr h="238149">
+                <a:tc>
+                  <a:txBody>
+                    <a:bodyPr/>
+                    <a:lstStyle/>
+                    <a:p>
+                      <a:pPr algn="ctr" fontAlgn="b"/>
+                      <a:r>
+                        <a:rPr lang="en-US" sz="1100" b="1" i="0" u="none" strike="noStrike">
+                          <a:solidFill>
+                            <a:srgbClr val="000000"/>
+                          </a:solidFill>
+                          <a:effectLst/>
+                          <a:latin typeface="Calibri" panose="020F0502020204030204" pitchFamily="34" charset="0"/>
+                        </a:rPr>
+                        <a:t>OR</a:t>
+                      </a:r>
+                    </a:p>
+                  </a:txBody>
+                  <a:tcPr marL="7620" marR="7620" marT="7620" marB="0" anchor="b">
+                    <a:lnL w="6350" cap="flat" cmpd="sng" algn="ctr">
+                      <a:solidFill>
+                        <a:srgbClr val="000000"/>
+                      </a:solidFill>
+                      <a:prstDash val="solid"/>
+                      <a:round/>
+                      <a:headEnd type="none" w="med" len="med"/>
+                      <a:tailEnd type="none" w="med" len="med"/>
+                    </a:lnL>
+                    <a:lnR w="6350" cap="flat" cmpd="sng" algn="ctr">
+                      <a:solidFill>
+                        <a:srgbClr val="000000"/>
+                      </a:solidFill>
+                      <a:prstDash val="solid"/>
+                      <a:round/>
+                      <a:headEnd type="none" w="med" len="med"/>
+                      <a:tailEnd type="none" w="med" len="med"/>
+                    </a:lnR>
+                    <a:lnT w="6350" cap="flat" cmpd="sng" algn="ctr">
+                      <a:solidFill>
+                        <a:srgbClr val="000000"/>
+                      </a:solidFill>
+                      <a:prstDash val="solid"/>
+                      <a:round/>
+                      <a:headEnd type="none" w="med" len="med"/>
+                      <a:tailEnd type="none" w="med" len="med"/>
+                    </a:lnT>
+                    <a:lnB w="6350" cap="flat" cmpd="sng" algn="ctr">
+                      <a:solidFill>
+                        <a:srgbClr val="000000"/>
+                      </a:solidFill>
+                      <a:prstDash val="solid"/>
+                      <a:round/>
+                      <a:headEnd type="none" w="med" len="med"/>
+                      <a:tailEnd type="none" w="med" len="med"/>
+                    </a:lnB>
+                  </a:tcPr>
+                </a:tc>
+                <a:tc>
+                  <a:txBody>
+                    <a:bodyPr/>
+                    <a:lstStyle/>
+                    <a:p>
+                      <a:pPr algn="ctr" fontAlgn="b"/>
+                      <a:r>
+                        <a:rPr lang="en-US" sz="1100" b="0" i="0" u="none" strike="noStrike">
+                          <a:solidFill>
+                            <a:srgbClr val="000000"/>
+                          </a:solidFill>
+                          <a:effectLst/>
+                          <a:latin typeface="Calibri" panose="020F0502020204030204" pitchFamily="34" charset="0"/>
+                        </a:rPr>
+                        <a:t>29</a:t>
+                      </a:r>
+                    </a:p>
+                  </a:txBody>
+                  <a:tcPr marL="7620" marR="7620" marT="7620" marB="0" anchor="b">
+                    <a:lnL w="6350" cap="flat" cmpd="sng" algn="ctr">
+                      <a:solidFill>
+                        <a:srgbClr val="000000"/>
+                      </a:solidFill>
+                      <a:prstDash val="solid"/>
+                      <a:round/>
+                      <a:headEnd type="none" w="med" len="med"/>
+                      <a:tailEnd type="none" w="med" len="med"/>
+                    </a:lnL>
+                    <a:lnR w="6350" cap="flat" cmpd="sng" algn="ctr">
+                      <a:solidFill>
+                        <a:srgbClr val="000000"/>
+                      </a:solidFill>
+                      <a:prstDash val="solid"/>
+                      <a:round/>
+                      <a:headEnd type="none" w="med" len="med"/>
+                      <a:tailEnd type="none" w="med" len="med"/>
+                    </a:lnR>
+                    <a:lnT w="6350" cap="flat" cmpd="sng" algn="ctr">
+                      <a:solidFill>
+                        <a:srgbClr val="000000"/>
+                      </a:solidFill>
+                      <a:prstDash val="solid"/>
+                      <a:round/>
+                      <a:headEnd type="none" w="med" len="med"/>
+                      <a:tailEnd type="none" w="med" len="med"/>
+                    </a:lnT>
+                    <a:lnB w="6350" cap="flat" cmpd="sng" algn="ctr">
+                      <a:solidFill>
+                        <a:srgbClr val="000000"/>
+                      </a:solidFill>
+                      <a:prstDash val="solid"/>
+                      <a:round/>
+                      <a:headEnd type="none" w="med" len="med"/>
+                      <a:tailEnd type="none" w="med" len="med"/>
+                    </a:lnB>
+                  </a:tcPr>
+                </a:tc>
+                <a:extLst>
+                  <a:ext uri="{0D108BD9-81ED-4DB2-BD59-A6C34878D82A}">
+                    <a16:rowId xmlns:a16="http://schemas.microsoft.com/office/drawing/2014/main" val="4189727880"/>
+                  </a:ext>
+                </a:extLst>
+              </a:tr>
+              <a:tr h="238149">
+                <a:tc>
+                  <a:txBody>
+                    <a:bodyPr/>
+                    <a:lstStyle/>
+                    <a:p>
+                      <a:pPr algn="ctr" fontAlgn="b"/>
+                      <a:r>
+                        <a:rPr lang="en-US" sz="1100" b="1" i="0" u="none" strike="noStrike">
+                          <a:solidFill>
+                            <a:srgbClr val="000000"/>
+                          </a:solidFill>
+                          <a:effectLst/>
+                          <a:latin typeface="Calibri" panose="020F0502020204030204" pitchFamily="34" charset="0"/>
+                        </a:rPr>
+                        <a:t>TX</a:t>
+                      </a:r>
+                    </a:p>
+                  </a:txBody>
+                  <a:tcPr marL="7620" marR="7620" marT="7620" marB="0" anchor="b">
+                    <a:lnL w="6350" cap="flat" cmpd="sng" algn="ctr">
+                      <a:solidFill>
+                        <a:srgbClr val="000000"/>
+                      </a:solidFill>
+                      <a:prstDash val="solid"/>
+                      <a:round/>
+                      <a:headEnd type="none" w="med" len="med"/>
+                      <a:tailEnd type="none" w="med" len="med"/>
+                    </a:lnL>
+                    <a:lnR w="6350" cap="flat" cmpd="sng" algn="ctr">
+                      <a:solidFill>
+                        <a:srgbClr val="000000"/>
+                      </a:solidFill>
+                      <a:prstDash val="solid"/>
+                      <a:round/>
+                      <a:headEnd type="none" w="med" len="med"/>
+                      <a:tailEnd type="none" w="med" len="med"/>
+                    </a:lnR>
+                    <a:lnT w="6350" cap="flat" cmpd="sng" algn="ctr">
+                      <a:solidFill>
+                        <a:srgbClr val="000000"/>
+                      </a:solidFill>
+                      <a:prstDash val="solid"/>
+                      <a:round/>
+                      <a:headEnd type="none" w="med" len="med"/>
+                      <a:tailEnd type="none" w="med" len="med"/>
+                    </a:lnT>
+                    <a:lnB w="6350" cap="flat" cmpd="sng" algn="ctr">
+                      <a:solidFill>
+                        <a:srgbClr val="000000"/>
+                      </a:solidFill>
+                      <a:prstDash val="solid"/>
+                      <a:round/>
+                      <a:headEnd type="none" w="med" len="med"/>
+                      <a:tailEnd type="none" w="med" len="med"/>
+                    </a:lnB>
+                  </a:tcPr>
+                </a:tc>
+                <a:tc>
+                  <a:txBody>
+                    <a:bodyPr/>
+                    <a:lstStyle/>
+                    <a:p>
+                      <a:pPr algn="ctr" fontAlgn="b"/>
+                      <a:r>
+                        <a:rPr lang="en-US" sz="1100" b="0" i="0" u="none" strike="noStrike">
+                          <a:solidFill>
+                            <a:srgbClr val="000000"/>
+                          </a:solidFill>
+                          <a:effectLst/>
+                          <a:latin typeface="Calibri" panose="020F0502020204030204" pitchFamily="34" charset="0"/>
+                        </a:rPr>
+                        <a:t>28</a:t>
+                      </a:r>
+                    </a:p>
+                  </a:txBody>
+                  <a:tcPr marL="7620" marR="7620" marT="7620" marB="0" anchor="b">
+                    <a:lnL w="6350" cap="flat" cmpd="sng" algn="ctr">
+                      <a:solidFill>
+                        <a:srgbClr val="000000"/>
+                      </a:solidFill>
+                      <a:prstDash val="solid"/>
+                      <a:round/>
+                      <a:headEnd type="none" w="med" len="med"/>
+                      <a:tailEnd type="none" w="med" len="med"/>
+                    </a:lnL>
+                    <a:lnR w="6350" cap="flat" cmpd="sng" algn="ctr">
+                      <a:solidFill>
+                        <a:srgbClr val="000000"/>
+                      </a:solidFill>
+                      <a:prstDash val="solid"/>
+                      <a:round/>
+                      <a:headEnd type="none" w="med" len="med"/>
+                      <a:tailEnd type="none" w="med" len="med"/>
+                    </a:lnR>
+                    <a:lnT w="6350" cap="flat" cmpd="sng" algn="ctr">
+                      <a:solidFill>
+                        <a:srgbClr val="000000"/>
+                      </a:solidFill>
+                      <a:prstDash val="solid"/>
+                      <a:round/>
+                      <a:headEnd type="none" w="med" len="med"/>
+                      <a:tailEnd type="none" w="med" len="med"/>
+                    </a:lnT>
+                    <a:lnB w="6350" cap="flat" cmpd="sng" algn="ctr">
+                      <a:solidFill>
+                        <a:srgbClr val="000000"/>
+                      </a:solidFill>
+                      <a:prstDash val="solid"/>
+                      <a:round/>
+                      <a:headEnd type="none" w="med" len="med"/>
+                      <a:tailEnd type="none" w="med" len="med"/>
+                    </a:lnB>
+                  </a:tcPr>
+                </a:tc>
+                <a:extLst>
+                  <a:ext uri="{0D108BD9-81ED-4DB2-BD59-A6C34878D82A}">
+                    <a16:rowId xmlns:a16="http://schemas.microsoft.com/office/drawing/2014/main" val="2651584066"/>
+                  </a:ext>
+                </a:extLst>
+              </a:tr>
+              <a:tr h="238149">
+                <a:tc>
+                  <a:txBody>
+                    <a:bodyPr/>
+                    <a:lstStyle/>
+                    <a:p>
+                      <a:pPr algn="ctr" fontAlgn="b"/>
+                      <a:r>
+                        <a:rPr lang="en-US" sz="1100" b="1" i="0" u="none" strike="noStrike">
+                          <a:solidFill>
+                            <a:srgbClr val="000000"/>
+                          </a:solidFill>
+                          <a:effectLst/>
+                          <a:latin typeface="Calibri" panose="020F0502020204030204" pitchFamily="34" charset="0"/>
+                        </a:rPr>
+                        <a:t>PA</a:t>
+                      </a:r>
+                    </a:p>
+                  </a:txBody>
+                  <a:tcPr marL="7620" marR="7620" marT="7620" marB="0" anchor="b">
+                    <a:lnL w="6350" cap="flat" cmpd="sng" algn="ctr">
+                      <a:solidFill>
+                        <a:srgbClr val="000000"/>
+                      </a:solidFill>
+                      <a:prstDash val="solid"/>
+                      <a:round/>
+                      <a:headEnd type="none" w="med" len="med"/>
+                      <a:tailEnd type="none" w="med" len="med"/>
+                    </a:lnL>
+                    <a:lnR w="6350" cap="flat" cmpd="sng" algn="ctr">
+                      <a:solidFill>
+                        <a:srgbClr val="000000"/>
+                      </a:solidFill>
+                      <a:prstDash val="solid"/>
+                      <a:round/>
+                      <a:headEnd type="none" w="med" len="med"/>
+                      <a:tailEnd type="none" w="med" len="med"/>
+                    </a:lnR>
+                    <a:lnT w="6350" cap="flat" cmpd="sng" algn="ctr">
+                      <a:solidFill>
+                        <a:srgbClr val="000000"/>
+                      </a:solidFill>
+                      <a:prstDash val="solid"/>
+                      <a:round/>
+                      <a:headEnd type="none" w="med" len="med"/>
+                      <a:tailEnd type="none" w="med" len="med"/>
+                    </a:lnT>
+                    <a:lnB w="6350" cap="flat" cmpd="sng" algn="ctr">
+                      <a:solidFill>
+                        <a:srgbClr val="000000"/>
+                      </a:solidFill>
+                      <a:prstDash val="solid"/>
+                      <a:round/>
+                      <a:headEnd type="none" w="med" len="med"/>
+                      <a:tailEnd type="none" w="med" len="med"/>
+                    </a:lnB>
+                  </a:tcPr>
+                </a:tc>
+                <a:tc>
+                  <a:txBody>
+                    <a:bodyPr/>
+                    <a:lstStyle/>
+                    <a:p>
+                      <a:pPr algn="ctr" fontAlgn="b"/>
+                      <a:r>
+                        <a:rPr lang="en-US" sz="1100" b="0" i="0" u="none" strike="noStrike">
+                          <a:solidFill>
+                            <a:srgbClr val="000000"/>
+                          </a:solidFill>
+                          <a:effectLst/>
+                          <a:latin typeface="Calibri" panose="020F0502020204030204" pitchFamily="34" charset="0"/>
+                        </a:rPr>
+                        <a:t>25</a:t>
+                      </a:r>
+                    </a:p>
+                  </a:txBody>
+                  <a:tcPr marL="7620" marR="7620" marT="7620" marB="0" anchor="b">
+                    <a:lnL w="6350" cap="flat" cmpd="sng" algn="ctr">
+                      <a:solidFill>
+                        <a:srgbClr val="000000"/>
+                      </a:solidFill>
+                      <a:prstDash val="solid"/>
+                      <a:round/>
+                      <a:headEnd type="none" w="med" len="med"/>
+                      <a:tailEnd type="none" w="med" len="med"/>
+                    </a:lnL>
+                    <a:lnR w="6350" cap="flat" cmpd="sng" algn="ctr">
+                      <a:solidFill>
+                        <a:srgbClr val="000000"/>
+                      </a:solidFill>
+                      <a:prstDash val="solid"/>
+                      <a:round/>
+                      <a:headEnd type="none" w="med" len="med"/>
+                      <a:tailEnd type="none" w="med" len="med"/>
+                    </a:lnR>
+                    <a:lnT w="6350" cap="flat" cmpd="sng" algn="ctr">
+                      <a:solidFill>
+                        <a:srgbClr val="000000"/>
+                      </a:solidFill>
+                      <a:prstDash val="solid"/>
+                      <a:round/>
+                      <a:headEnd type="none" w="med" len="med"/>
+                      <a:tailEnd type="none" w="med" len="med"/>
+                    </a:lnT>
+                    <a:lnB w="6350" cap="flat" cmpd="sng" algn="ctr">
+                      <a:solidFill>
+                        <a:srgbClr val="000000"/>
+                      </a:solidFill>
+                      <a:prstDash val="solid"/>
+                      <a:round/>
+                      <a:headEnd type="none" w="med" len="med"/>
+                      <a:tailEnd type="none" w="med" len="med"/>
+                    </a:lnB>
+                  </a:tcPr>
+                </a:tc>
+                <a:extLst>
+                  <a:ext uri="{0D108BD9-81ED-4DB2-BD59-A6C34878D82A}">
+                    <a16:rowId xmlns:a16="http://schemas.microsoft.com/office/drawing/2014/main" val="2392342551"/>
+                  </a:ext>
+                </a:extLst>
+              </a:tr>
+              <a:tr h="238149">
+                <a:tc>
+                  <a:txBody>
+                    <a:bodyPr/>
+                    <a:lstStyle/>
+                    <a:p>
+                      <a:pPr algn="ctr" fontAlgn="b"/>
+                      <a:r>
+                        <a:rPr lang="en-US" sz="1100" b="1" i="0" u="none" strike="noStrike">
+                          <a:solidFill>
+                            <a:srgbClr val="000000"/>
+                          </a:solidFill>
+                          <a:effectLst/>
+                          <a:latin typeface="Calibri" panose="020F0502020204030204" pitchFamily="34" charset="0"/>
+                        </a:rPr>
+                        <a:t>…</a:t>
+                      </a:r>
+                    </a:p>
+                  </a:txBody>
+                  <a:tcPr marL="7620" marR="7620" marT="7620" marB="0" anchor="b">
+                    <a:lnL w="6350" cap="flat" cmpd="sng" algn="ctr">
+                      <a:solidFill>
+                        <a:srgbClr val="000000"/>
+                      </a:solidFill>
+                      <a:prstDash val="solid"/>
+                      <a:round/>
+                      <a:headEnd type="none" w="med" len="med"/>
+                      <a:tailEnd type="none" w="med" len="med"/>
+                    </a:lnL>
+                    <a:lnR w="6350" cap="flat" cmpd="sng" algn="ctr">
+                      <a:solidFill>
+                        <a:srgbClr val="000000"/>
+                      </a:solidFill>
+                      <a:prstDash val="solid"/>
+                      <a:round/>
+                      <a:headEnd type="none" w="med" len="med"/>
+                      <a:tailEnd type="none" w="med" len="med"/>
+                    </a:lnR>
+                    <a:lnT w="6350" cap="flat" cmpd="sng" algn="ctr">
+                      <a:solidFill>
+                        <a:srgbClr val="000000"/>
+                      </a:solidFill>
+                      <a:prstDash val="solid"/>
+                      <a:round/>
+                      <a:headEnd type="none" w="med" len="med"/>
+                      <a:tailEnd type="none" w="med" len="med"/>
+                    </a:lnT>
+                    <a:lnB w="6350" cap="flat" cmpd="sng" algn="ctr">
+                      <a:solidFill>
+                        <a:srgbClr val="000000"/>
+                      </a:solidFill>
+                      <a:prstDash val="solid"/>
+                      <a:round/>
+                      <a:headEnd type="none" w="med" len="med"/>
+                      <a:tailEnd type="none" w="med" len="med"/>
+                    </a:lnB>
+                  </a:tcPr>
+                </a:tc>
+                <a:tc>
+                  <a:txBody>
+                    <a:bodyPr/>
+                    <a:lstStyle/>
+                    <a:p>
+                      <a:pPr algn="ctr" fontAlgn="b"/>
+                      <a:r>
+                        <a:rPr lang="en-US" sz="1100" b="0" i="0" u="none" strike="noStrike">
+                          <a:solidFill>
+                            <a:srgbClr val="000000"/>
+                          </a:solidFill>
+                          <a:effectLst/>
+                          <a:latin typeface="Calibri" panose="020F0502020204030204" pitchFamily="34" charset="0"/>
+                        </a:rPr>
+                        <a:t>…</a:t>
+                      </a:r>
+                    </a:p>
+                  </a:txBody>
+                  <a:tcPr marL="7620" marR="7620" marT="7620" marB="0" anchor="b">
+                    <a:lnL w="6350" cap="flat" cmpd="sng" algn="ctr">
+                      <a:solidFill>
+                        <a:srgbClr val="000000"/>
+                      </a:solidFill>
+                      <a:prstDash val="solid"/>
+                      <a:round/>
+                      <a:headEnd type="none" w="med" len="med"/>
+                      <a:tailEnd type="none" w="med" len="med"/>
+                    </a:lnL>
+                    <a:lnR w="6350" cap="flat" cmpd="sng" algn="ctr">
+                      <a:solidFill>
+                        <a:srgbClr val="000000"/>
+                      </a:solidFill>
+                      <a:prstDash val="solid"/>
+                      <a:round/>
+                      <a:headEnd type="none" w="med" len="med"/>
+                      <a:tailEnd type="none" w="med" len="med"/>
+                    </a:lnR>
+                    <a:lnT w="6350" cap="flat" cmpd="sng" algn="ctr">
+                      <a:solidFill>
+                        <a:srgbClr val="000000"/>
+                      </a:solidFill>
+                      <a:prstDash val="solid"/>
+                      <a:round/>
+                      <a:headEnd type="none" w="med" len="med"/>
+                      <a:tailEnd type="none" w="med" len="med"/>
+                    </a:lnT>
+                    <a:lnB w="6350" cap="flat" cmpd="sng" algn="ctr">
+                      <a:solidFill>
+                        <a:srgbClr val="000000"/>
+                      </a:solidFill>
+                      <a:prstDash val="solid"/>
+                      <a:round/>
+                      <a:headEnd type="none" w="med" len="med"/>
+                      <a:tailEnd type="none" w="med" len="med"/>
+                    </a:lnB>
+                  </a:tcPr>
+                </a:tc>
+                <a:extLst>
+                  <a:ext uri="{0D108BD9-81ED-4DB2-BD59-A6C34878D82A}">
+                    <a16:rowId xmlns:a16="http://schemas.microsoft.com/office/drawing/2014/main" val="599140973"/>
+                  </a:ext>
+                </a:extLst>
+              </a:tr>
+              <a:tr h="238149">
+                <a:tc>
+                  <a:txBody>
+                    <a:bodyPr/>
+                    <a:lstStyle/>
+                    <a:p>
+                      <a:pPr algn="ctr" fontAlgn="b"/>
+                      <a:r>
+                        <a:rPr lang="en-US" sz="1100" b="1" i="0" u="none" strike="noStrike">
+                          <a:solidFill>
+                            <a:srgbClr val="000000"/>
+                          </a:solidFill>
+                          <a:effectLst/>
+                          <a:latin typeface="Calibri" panose="020F0502020204030204" pitchFamily="34" charset="0"/>
+                        </a:rPr>
+                        <a:t>MS</a:t>
+                      </a:r>
+                    </a:p>
+                  </a:txBody>
+                  <a:tcPr marL="7620" marR="7620" marT="7620" marB="0" anchor="b">
+                    <a:lnL w="6350" cap="flat" cmpd="sng" algn="ctr">
+                      <a:solidFill>
+                        <a:srgbClr val="000000"/>
+                      </a:solidFill>
+                      <a:prstDash val="solid"/>
+                      <a:round/>
+                      <a:headEnd type="none" w="med" len="med"/>
+                      <a:tailEnd type="none" w="med" len="med"/>
+                    </a:lnL>
+                    <a:lnR w="6350" cap="flat" cmpd="sng" algn="ctr">
+                      <a:solidFill>
+                        <a:srgbClr val="000000"/>
+                      </a:solidFill>
+                      <a:prstDash val="solid"/>
+                      <a:round/>
+                      <a:headEnd type="none" w="med" len="med"/>
+                      <a:tailEnd type="none" w="med" len="med"/>
+                    </a:lnR>
+                    <a:lnT w="6350" cap="flat" cmpd="sng" algn="ctr">
+                      <a:solidFill>
+                        <a:srgbClr val="000000"/>
+                      </a:solidFill>
+                      <a:prstDash val="solid"/>
+                      <a:round/>
+                      <a:headEnd type="none" w="med" len="med"/>
+                      <a:tailEnd type="none" w="med" len="med"/>
+                    </a:lnT>
+                    <a:lnB w="6350" cap="flat" cmpd="sng" algn="ctr">
+                      <a:solidFill>
+                        <a:srgbClr val="000000"/>
+                      </a:solidFill>
+                      <a:prstDash val="solid"/>
+                      <a:round/>
+                      <a:headEnd type="none" w="med" len="med"/>
+                      <a:tailEnd type="none" w="med" len="med"/>
+                    </a:lnB>
+                  </a:tcPr>
+                </a:tc>
+                <a:tc>
+                  <a:txBody>
+                    <a:bodyPr/>
+                    <a:lstStyle/>
+                    <a:p>
+                      <a:pPr algn="ctr" fontAlgn="b"/>
+                      <a:r>
+                        <a:rPr lang="en-US" sz="1100" b="0" i="0" u="none" strike="noStrike">
+                          <a:solidFill>
+                            <a:srgbClr val="000000"/>
+                          </a:solidFill>
+                          <a:effectLst/>
+                          <a:latin typeface="Calibri" panose="020F0502020204030204" pitchFamily="34" charset="0"/>
+                        </a:rPr>
+                        <a:t>2</a:t>
+                      </a:r>
+                    </a:p>
+                  </a:txBody>
+                  <a:tcPr marL="7620" marR="7620" marT="7620" marB="0" anchor="b">
+                    <a:lnL w="6350" cap="flat" cmpd="sng" algn="ctr">
+                      <a:solidFill>
+                        <a:srgbClr val="000000"/>
+                      </a:solidFill>
+                      <a:prstDash val="solid"/>
+                      <a:round/>
+                      <a:headEnd type="none" w="med" len="med"/>
+                      <a:tailEnd type="none" w="med" len="med"/>
+                    </a:lnL>
+                    <a:lnR w="6350" cap="flat" cmpd="sng" algn="ctr">
+                      <a:solidFill>
+                        <a:srgbClr val="000000"/>
+                      </a:solidFill>
+                      <a:prstDash val="solid"/>
+                      <a:round/>
+                      <a:headEnd type="none" w="med" len="med"/>
+                      <a:tailEnd type="none" w="med" len="med"/>
+                    </a:lnR>
+                    <a:lnT w="6350" cap="flat" cmpd="sng" algn="ctr">
+                      <a:solidFill>
+                        <a:srgbClr val="000000"/>
+                      </a:solidFill>
+                      <a:prstDash val="solid"/>
+                      <a:round/>
+                      <a:headEnd type="none" w="med" len="med"/>
+                      <a:tailEnd type="none" w="med" len="med"/>
+                    </a:lnT>
+                    <a:lnB w="6350" cap="flat" cmpd="sng" algn="ctr">
+                      <a:solidFill>
+                        <a:srgbClr val="000000"/>
+                      </a:solidFill>
+                      <a:prstDash val="solid"/>
+                      <a:round/>
+                      <a:headEnd type="none" w="med" len="med"/>
+                      <a:tailEnd type="none" w="med" len="med"/>
+                    </a:lnB>
+                  </a:tcPr>
+                </a:tc>
+                <a:extLst>
+                  <a:ext uri="{0D108BD9-81ED-4DB2-BD59-A6C34878D82A}">
+                    <a16:rowId xmlns:a16="http://schemas.microsoft.com/office/drawing/2014/main" val="149911145"/>
+                  </a:ext>
+                </a:extLst>
+              </a:tr>
+              <a:tr h="238149">
+                <a:tc>
+                  <a:txBody>
+                    <a:bodyPr/>
+                    <a:lstStyle/>
+                    <a:p>
+                      <a:pPr algn="ctr" fontAlgn="b"/>
+                      <a:r>
+                        <a:rPr lang="en-US" sz="1100" b="1" i="0" u="none" strike="noStrike">
+                          <a:solidFill>
+                            <a:srgbClr val="000000"/>
+                          </a:solidFill>
+                          <a:effectLst/>
+                          <a:latin typeface="Calibri" panose="020F0502020204030204" pitchFamily="34" charset="0"/>
+                        </a:rPr>
+                        <a:t>NV</a:t>
+                      </a:r>
+                    </a:p>
+                  </a:txBody>
+                  <a:tcPr marL="7620" marR="7620" marT="7620" marB="0" anchor="b">
+                    <a:lnL w="6350" cap="flat" cmpd="sng" algn="ctr">
+                      <a:solidFill>
+                        <a:srgbClr val="000000"/>
+                      </a:solidFill>
+                      <a:prstDash val="solid"/>
+                      <a:round/>
+                      <a:headEnd type="none" w="med" len="med"/>
+                      <a:tailEnd type="none" w="med" len="med"/>
+                    </a:lnL>
+                    <a:lnR w="6350" cap="flat" cmpd="sng" algn="ctr">
+                      <a:solidFill>
+                        <a:srgbClr val="000000"/>
+                      </a:solidFill>
+                      <a:prstDash val="solid"/>
+                      <a:round/>
+                      <a:headEnd type="none" w="med" len="med"/>
+                      <a:tailEnd type="none" w="med" len="med"/>
+                    </a:lnR>
+                    <a:lnT w="6350" cap="flat" cmpd="sng" algn="ctr">
+                      <a:solidFill>
+                        <a:srgbClr val="000000"/>
+                      </a:solidFill>
+                      <a:prstDash val="solid"/>
+                      <a:round/>
+                      <a:headEnd type="none" w="med" len="med"/>
+                      <a:tailEnd type="none" w="med" len="med"/>
+                    </a:lnT>
+                    <a:lnB w="6350" cap="flat" cmpd="sng" algn="ctr">
+                      <a:solidFill>
+                        <a:srgbClr val="000000"/>
+                      </a:solidFill>
+                      <a:prstDash val="solid"/>
+                      <a:round/>
+                      <a:headEnd type="none" w="med" len="med"/>
+                      <a:tailEnd type="none" w="med" len="med"/>
+                    </a:lnB>
+                  </a:tcPr>
+                </a:tc>
+                <a:tc>
+                  <a:txBody>
+                    <a:bodyPr/>
+                    <a:lstStyle/>
+                    <a:p>
+                      <a:pPr algn="ctr" fontAlgn="b"/>
+                      <a:r>
+                        <a:rPr lang="en-US" sz="1100" b="0" i="0" u="none" strike="noStrike">
+                          <a:solidFill>
+                            <a:srgbClr val="000000"/>
+                          </a:solidFill>
+                          <a:effectLst/>
+                          <a:latin typeface="Calibri" panose="020F0502020204030204" pitchFamily="34" charset="0"/>
+                        </a:rPr>
+                        <a:t>2</a:t>
+                      </a:r>
+                    </a:p>
+                  </a:txBody>
+                  <a:tcPr marL="7620" marR="7620" marT="7620" marB="0" anchor="b">
+                    <a:lnL w="6350" cap="flat" cmpd="sng" algn="ctr">
+                      <a:solidFill>
+                        <a:srgbClr val="000000"/>
+                      </a:solidFill>
+                      <a:prstDash val="solid"/>
+                      <a:round/>
+                      <a:headEnd type="none" w="med" len="med"/>
+                      <a:tailEnd type="none" w="med" len="med"/>
+                    </a:lnL>
+                    <a:lnR w="6350" cap="flat" cmpd="sng" algn="ctr">
+                      <a:solidFill>
+                        <a:srgbClr val="000000"/>
+                      </a:solidFill>
+                      <a:prstDash val="solid"/>
+                      <a:round/>
+                      <a:headEnd type="none" w="med" len="med"/>
+                      <a:tailEnd type="none" w="med" len="med"/>
+                    </a:lnR>
+                    <a:lnT w="6350" cap="flat" cmpd="sng" algn="ctr">
+                      <a:solidFill>
+                        <a:srgbClr val="000000"/>
+                      </a:solidFill>
+                      <a:prstDash val="solid"/>
+                      <a:round/>
+                      <a:headEnd type="none" w="med" len="med"/>
+                      <a:tailEnd type="none" w="med" len="med"/>
+                    </a:lnT>
+                    <a:lnB w="6350" cap="flat" cmpd="sng" algn="ctr">
+                      <a:solidFill>
+                        <a:srgbClr val="000000"/>
+                      </a:solidFill>
+                      <a:prstDash val="solid"/>
+                      <a:round/>
+                      <a:headEnd type="none" w="med" len="med"/>
+                      <a:tailEnd type="none" w="med" len="med"/>
+                    </a:lnB>
+                  </a:tcPr>
+                </a:tc>
+                <a:extLst>
+                  <a:ext uri="{0D108BD9-81ED-4DB2-BD59-A6C34878D82A}">
+                    <a16:rowId xmlns:a16="http://schemas.microsoft.com/office/drawing/2014/main" val="1471705289"/>
+                  </a:ext>
+                </a:extLst>
+              </a:tr>
+              <a:tr h="238149">
+                <a:tc>
+                  <a:txBody>
+                    <a:bodyPr/>
+                    <a:lstStyle/>
+                    <a:p>
+                      <a:pPr algn="ctr" fontAlgn="b"/>
+                      <a:r>
+                        <a:rPr lang="en-US" sz="1100" b="1" i="0" u="none" strike="noStrike">
+                          <a:solidFill>
+                            <a:srgbClr val="000000"/>
+                          </a:solidFill>
+                          <a:effectLst/>
+                          <a:latin typeface="Calibri" panose="020F0502020204030204" pitchFamily="34" charset="0"/>
+                        </a:rPr>
+                        <a:t>DC</a:t>
+                      </a:r>
+                    </a:p>
+                  </a:txBody>
+                  <a:tcPr marL="7620" marR="7620" marT="7620" marB="0" anchor="b">
+                    <a:lnL w="6350" cap="flat" cmpd="sng" algn="ctr">
+                      <a:solidFill>
+                        <a:srgbClr val="000000"/>
+                      </a:solidFill>
+                      <a:prstDash val="solid"/>
+                      <a:round/>
+                      <a:headEnd type="none" w="med" len="med"/>
+                      <a:tailEnd type="none" w="med" len="med"/>
+                    </a:lnL>
+                    <a:lnR w="6350" cap="flat" cmpd="sng" algn="ctr">
+                      <a:solidFill>
+                        <a:srgbClr val="000000"/>
+                      </a:solidFill>
+                      <a:prstDash val="solid"/>
+                      <a:round/>
+                      <a:headEnd type="none" w="med" len="med"/>
+                      <a:tailEnd type="none" w="med" len="med"/>
+                    </a:lnR>
+                    <a:lnT w="6350" cap="flat" cmpd="sng" algn="ctr">
+                      <a:solidFill>
+                        <a:srgbClr val="000000"/>
+                      </a:solidFill>
+                      <a:prstDash val="solid"/>
+                      <a:round/>
+                      <a:headEnd type="none" w="med" len="med"/>
+                      <a:tailEnd type="none" w="med" len="med"/>
+                    </a:lnT>
+                    <a:lnB w="6350" cap="flat" cmpd="sng" algn="ctr">
+                      <a:solidFill>
+                        <a:srgbClr val="000000"/>
+                      </a:solidFill>
+                      <a:prstDash val="solid"/>
+                      <a:round/>
+                      <a:headEnd type="none" w="med" len="med"/>
+                      <a:tailEnd type="none" w="med" len="med"/>
+                    </a:lnB>
+                  </a:tcPr>
+                </a:tc>
+                <a:tc>
+                  <a:txBody>
+                    <a:bodyPr/>
+                    <a:lstStyle/>
+                    <a:p>
+                      <a:pPr algn="ctr" fontAlgn="b"/>
+                      <a:r>
+                        <a:rPr lang="en-US" sz="1100" b="0" i="0" u="none" strike="noStrike">
+                          <a:solidFill>
+                            <a:srgbClr val="000000"/>
+                          </a:solidFill>
+                          <a:effectLst/>
+                          <a:latin typeface="Calibri" panose="020F0502020204030204" pitchFamily="34" charset="0"/>
+                        </a:rPr>
+                        <a:t>1</a:t>
+                      </a:r>
+                    </a:p>
+                  </a:txBody>
+                  <a:tcPr marL="7620" marR="7620" marT="7620" marB="0" anchor="b">
+                    <a:lnL w="6350" cap="flat" cmpd="sng" algn="ctr">
+                      <a:solidFill>
+                        <a:srgbClr val="000000"/>
+                      </a:solidFill>
+                      <a:prstDash val="solid"/>
+                      <a:round/>
+                      <a:headEnd type="none" w="med" len="med"/>
+                      <a:tailEnd type="none" w="med" len="med"/>
+                    </a:lnL>
+                    <a:lnR w="6350" cap="flat" cmpd="sng" algn="ctr">
+                      <a:solidFill>
+                        <a:srgbClr val="000000"/>
+                      </a:solidFill>
+                      <a:prstDash val="solid"/>
+                      <a:round/>
+                      <a:headEnd type="none" w="med" len="med"/>
+                      <a:tailEnd type="none" w="med" len="med"/>
+                    </a:lnR>
+                    <a:lnT w="6350" cap="flat" cmpd="sng" algn="ctr">
+                      <a:solidFill>
+                        <a:srgbClr val="000000"/>
+                      </a:solidFill>
+                      <a:prstDash val="solid"/>
+                      <a:round/>
+                      <a:headEnd type="none" w="med" len="med"/>
+                      <a:tailEnd type="none" w="med" len="med"/>
+                    </a:lnT>
+                    <a:lnB w="6350" cap="flat" cmpd="sng" algn="ctr">
+                      <a:solidFill>
+                        <a:srgbClr val="000000"/>
+                      </a:solidFill>
+                      <a:prstDash val="solid"/>
+                      <a:round/>
+                      <a:headEnd type="none" w="med" len="med"/>
+                      <a:tailEnd type="none" w="med" len="med"/>
+                    </a:lnB>
+                  </a:tcPr>
+                </a:tc>
+                <a:extLst>
+                  <a:ext uri="{0D108BD9-81ED-4DB2-BD59-A6C34878D82A}">
+                    <a16:rowId xmlns:a16="http://schemas.microsoft.com/office/drawing/2014/main" val="2836735757"/>
+                  </a:ext>
+                </a:extLst>
+              </a:tr>
+              <a:tr h="238149">
+                <a:tc>
+                  <a:txBody>
+                    <a:bodyPr/>
+                    <a:lstStyle/>
+                    <a:p>
+                      <a:pPr algn="ctr" fontAlgn="b"/>
+                      <a:r>
+                        <a:rPr lang="en-US" sz="1100" b="1" i="0" u="none" strike="noStrike">
+                          <a:solidFill>
+                            <a:srgbClr val="000000"/>
+                          </a:solidFill>
+                          <a:effectLst/>
+                          <a:latin typeface="Calibri" panose="020F0502020204030204" pitchFamily="34" charset="0"/>
+                        </a:rPr>
+                        <a:t>ND</a:t>
+                      </a:r>
+                    </a:p>
+                  </a:txBody>
+                  <a:tcPr marL="7620" marR="7620" marT="7620" marB="0" anchor="b">
+                    <a:lnL w="6350" cap="flat" cmpd="sng" algn="ctr">
+                      <a:solidFill>
+                        <a:srgbClr val="000000"/>
+                      </a:solidFill>
+                      <a:prstDash val="solid"/>
+                      <a:round/>
+                      <a:headEnd type="none" w="med" len="med"/>
+                      <a:tailEnd type="none" w="med" len="med"/>
+                    </a:lnL>
+                    <a:lnR w="6350" cap="flat" cmpd="sng" algn="ctr">
+                      <a:solidFill>
+                        <a:srgbClr val="000000"/>
+                      </a:solidFill>
+                      <a:prstDash val="solid"/>
+                      <a:round/>
+                      <a:headEnd type="none" w="med" len="med"/>
+                      <a:tailEnd type="none" w="med" len="med"/>
+                    </a:lnR>
+                    <a:lnT w="6350" cap="flat" cmpd="sng" algn="ctr">
+                      <a:solidFill>
+                        <a:srgbClr val="000000"/>
+                      </a:solidFill>
+                      <a:prstDash val="solid"/>
+                      <a:round/>
+                      <a:headEnd type="none" w="med" len="med"/>
+                      <a:tailEnd type="none" w="med" len="med"/>
+                    </a:lnT>
+                    <a:lnB w="6350" cap="flat" cmpd="sng" algn="ctr">
+                      <a:solidFill>
+                        <a:srgbClr val="000000"/>
+                      </a:solidFill>
+                      <a:prstDash val="solid"/>
+                      <a:round/>
+                      <a:headEnd type="none" w="med" len="med"/>
+                      <a:tailEnd type="none" w="med" len="med"/>
+                    </a:lnB>
+                  </a:tcPr>
+                </a:tc>
+                <a:tc>
+                  <a:txBody>
+                    <a:bodyPr/>
+                    <a:lstStyle/>
+                    <a:p>
+                      <a:pPr algn="ctr" fontAlgn="b"/>
+                      <a:r>
+                        <a:rPr lang="en-US" sz="1100" b="0" i="0" u="none" strike="noStrike">
+                          <a:solidFill>
+                            <a:srgbClr val="000000"/>
+                          </a:solidFill>
+                          <a:effectLst/>
+                          <a:latin typeface="Calibri" panose="020F0502020204030204" pitchFamily="34" charset="0"/>
+                        </a:rPr>
+                        <a:t>1</a:t>
+                      </a:r>
+                    </a:p>
+                  </a:txBody>
+                  <a:tcPr marL="7620" marR="7620" marT="7620" marB="0" anchor="b">
+                    <a:lnL w="6350" cap="flat" cmpd="sng" algn="ctr">
+                      <a:solidFill>
+                        <a:srgbClr val="000000"/>
+                      </a:solidFill>
+                      <a:prstDash val="solid"/>
+                      <a:round/>
+                      <a:headEnd type="none" w="med" len="med"/>
+                      <a:tailEnd type="none" w="med" len="med"/>
+                    </a:lnL>
+                    <a:lnR w="6350" cap="flat" cmpd="sng" algn="ctr">
+                      <a:solidFill>
+                        <a:srgbClr val="000000"/>
+                      </a:solidFill>
+                      <a:prstDash val="solid"/>
+                      <a:round/>
+                      <a:headEnd type="none" w="med" len="med"/>
+                      <a:tailEnd type="none" w="med" len="med"/>
+                    </a:lnR>
+                    <a:lnT w="6350" cap="flat" cmpd="sng" algn="ctr">
+                      <a:solidFill>
+                        <a:srgbClr val="000000"/>
+                      </a:solidFill>
+                      <a:prstDash val="solid"/>
+                      <a:round/>
+                      <a:headEnd type="none" w="med" len="med"/>
+                      <a:tailEnd type="none" w="med" len="med"/>
+                    </a:lnT>
+                    <a:lnB w="6350" cap="flat" cmpd="sng" algn="ctr">
+                      <a:solidFill>
+                        <a:srgbClr val="000000"/>
+                      </a:solidFill>
+                      <a:prstDash val="solid"/>
+                      <a:round/>
+                      <a:headEnd type="none" w="med" len="med"/>
+                      <a:tailEnd type="none" w="med" len="med"/>
+                    </a:lnB>
+                  </a:tcPr>
+                </a:tc>
+                <a:extLst>
+                  <a:ext uri="{0D108BD9-81ED-4DB2-BD59-A6C34878D82A}">
+                    <a16:rowId xmlns:a16="http://schemas.microsoft.com/office/drawing/2014/main" val="3501754962"/>
+                  </a:ext>
+                </a:extLst>
+              </a:tr>
+              <a:tr h="238149">
+                <a:tc>
+                  <a:txBody>
+                    <a:bodyPr/>
+                    <a:lstStyle/>
+                    <a:p>
+                      <a:pPr algn="ctr" fontAlgn="b"/>
+                      <a:r>
+                        <a:rPr lang="en-US" sz="1100" b="1" i="0" u="none" strike="noStrike">
+                          <a:solidFill>
+                            <a:srgbClr val="000000"/>
+                          </a:solidFill>
+                          <a:effectLst/>
+                          <a:latin typeface="Calibri" panose="020F0502020204030204" pitchFamily="34" charset="0"/>
+                        </a:rPr>
+                        <a:t>SD</a:t>
+                      </a:r>
+                    </a:p>
+                  </a:txBody>
+                  <a:tcPr marL="7620" marR="7620" marT="7620" marB="0" anchor="b">
+                    <a:lnL w="6350" cap="flat" cmpd="sng" algn="ctr">
+                      <a:solidFill>
+                        <a:srgbClr val="000000"/>
+                      </a:solidFill>
+                      <a:prstDash val="solid"/>
+                      <a:round/>
+                      <a:headEnd type="none" w="med" len="med"/>
+                      <a:tailEnd type="none" w="med" len="med"/>
+                    </a:lnL>
+                    <a:lnR w="6350" cap="flat" cmpd="sng" algn="ctr">
+                      <a:solidFill>
+                        <a:srgbClr val="000000"/>
+                      </a:solidFill>
+                      <a:prstDash val="solid"/>
+                      <a:round/>
+                      <a:headEnd type="none" w="med" len="med"/>
+                      <a:tailEnd type="none" w="med" len="med"/>
+                    </a:lnR>
+                    <a:lnT w="6350" cap="flat" cmpd="sng" algn="ctr">
+                      <a:solidFill>
+                        <a:srgbClr val="000000"/>
+                      </a:solidFill>
+                      <a:prstDash val="solid"/>
+                      <a:round/>
+                      <a:headEnd type="none" w="med" len="med"/>
+                      <a:tailEnd type="none" w="med" len="med"/>
+                    </a:lnT>
+                    <a:lnB w="6350" cap="flat" cmpd="sng" algn="ctr">
+                      <a:solidFill>
+                        <a:srgbClr val="000000"/>
+                      </a:solidFill>
+                      <a:prstDash val="solid"/>
+                      <a:round/>
+                      <a:headEnd type="none" w="med" len="med"/>
+                      <a:tailEnd type="none" w="med" len="med"/>
+                    </a:lnB>
+                  </a:tcPr>
+                </a:tc>
+                <a:tc>
+                  <a:txBody>
+                    <a:bodyPr/>
+                    <a:lstStyle/>
+                    <a:p>
+                      <a:pPr algn="ctr" fontAlgn="b"/>
+                      <a:r>
+                        <a:rPr lang="en-US" sz="1100" b="0" i="0" u="none" strike="noStrike">
+                          <a:solidFill>
+                            <a:srgbClr val="000000"/>
+                          </a:solidFill>
+                          <a:effectLst/>
+                          <a:latin typeface="Calibri" panose="020F0502020204030204" pitchFamily="34" charset="0"/>
+                        </a:rPr>
+                        <a:t>1</a:t>
+                      </a:r>
+                    </a:p>
+                  </a:txBody>
+                  <a:tcPr marL="7620" marR="7620" marT="7620" marB="0" anchor="b">
+                    <a:lnL w="6350" cap="flat" cmpd="sng" algn="ctr">
+                      <a:solidFill>
+                        <a:srgbClr val="000000"/>
+                      </a:solidFill>
+                      <a:prstDash val="solid"/>
+                      <a:round/>
+                      <a:headEnd type="none" w="med" len="med"/>
+                      <a:tailEnd type="none" w="med" len="med"/>
+                    </a:lnL>
+                    <a:lnR w="6350" cap="flat" cmpd="sng" algn="ctr">
+                      <a:solidFill>
+                        <a:srgbClr val="000000"/>
+                      </a:solidFill>
+                      <a:prstDash val="solid"/>
+                      <a:round/>
+                      <a:headEnd type="none" w="med" len="med"/>
+                      <a:tailEnd type="none" w="med" len="med"/>
+                    </a:lnR>
+                    <a:lnT w="6350" cap="flat" cmpd="sng" algn="ctr">
+                      <a:solidFill>
+                        <a:srgbClr val="000000"/>
+                      </a:solidFill>
+                      <a:prstDash val="solid"/>
+                      <a:round/>
+                      <a:headEnd type="none" w="med" len="med"/>
+                      <a:tailEnd type="none" w="med" len="med"/>
+                    </a:lnT>
+                    <a:lnB w="6350" cap="flat" cmpd="sng" algn="ctr">
+                      <a:solidFill>
+                        <a:srgbClr val="000000"/>
+                      </a:solidFill>
+                      <a:prstDash val="solid"/>
+                      <a:round/>
+                      <a:headEnd type="none" w="med" len="med"/>
+                      <a:tailEnd type="none" w="med" len="med"/>
+                    </a:lnB>
+                  </a:tcPr>
+                </a:tc>
+                <a:extLst>
+                  <a:ext uri="{0D108BD9-81ED-4DB2-BD59-A6C34878D82A}">
+                    <a16:rowId xmlns:a16="http://schemas.microsoft.com/office/drawing/2014/main" val="2693692740"/>
+                  </a:ext>
+                </a:extLst>
+              </a:tr>
+              <a:tr h="238149">
+                <a:tc>
+                  <a:txBody>
+                    <a:bodyPr/>
+                    <a:lstStyle/>
+                    <a:p>
+                      <a:pPr algn="ctr" fontAlgn="b"/>
+                      <a:r>
+                        <a:rPr lang="en-US" sz="1100" b="1" i="0" u="none" strike="noStrike">
+                          <a:solidFill>
+                            <a:srgbClr val="000000"/>
+                          </a:solidFill>
+                          <a:effectLst/>
+                          <a:latin typeface="Calibri" panose="020F0502020204030204" pitchFamily="34" charset="0"/>
+                        </a:rPr>
+                        <a:t>WV</a:t>
+                      </a:r>
+                    </a:p>
+                  </a:txBody>
+                  <a:tcPr marL="7620" marR="7620" marT="7620" marB="0" anchor="b">
+                    <a:lnL w="6350" cap="flat" cmpd="sng" algn="ctr">
+                      <a:solidFill>
+                        <a:srgbClr val="000000"/>
+                      </a:solidFill>
+                      <a:prstDash val="solid"/>
+                      <a:round/>
+                      <a:headEnd type="none" w="med" len="med"/>
+                      <a:tailEnd type="none" w="med" len="med"/>
+                    </a:lnL>
+                    <a:lnR w="6350" cap="flat" cmpd="sng" algn="ctr">
+                      <a:solidFill>
+                        <a:srgbClr val="000000"/>
+                      </a:solidFill>
+                      <a:prstDash val="solid"/>
+                      <a:round/>
+                      <a:headEnd type="none" w="med" len="med"/>
+                      <a:tailEnd type="none" w="med" len="med"/>
+                    </a:lnR>
+                    <a:lnT w="6350" cap="flat" cmpd="sng" algn="ctr">
+                      <a:solidFill>
+                        <a:srgbClr val="000000"/>
+                      </a:solidFill>
+                      <a:prstDash val="solid"/>
+                      <a:round/>
+                      <a:headEnd type="none" w="med" len="med"/>
+                      <a:tailEnd type="none" w="med" len="med"/>
+                    </a:lnT>
+                    <a:lnB w="6350" cap="flat" cmpd="sng" algn="ctr">
+                      <a:solidFill>
+                        <a:srgbClr val="000000"/>
+                      </a:solidFill>
+                      <a:prstDash val="solid"/>
+                      <a:round/>
+                      <a:headEnd type="none" w="med" len="med"/>
+                      <a:tailEnd type="none" w="med" len="med"/>
+                    </a:lnB>
+                  </a:tcPr>
+                </a:tc>
+                <a:tc>
+                  <a:txBody>
+                    <a:bodyPr/>
+                    <a:lstStyle/>
+                    <a:p>
+                      <a:pPr algn="ctr" fontAlgn="b"/>
+                      <a:r>
+                        <a:rPr lang="en-US" sz="1100" b="0" i="0" u="none" strike="noStrike" dirty="0">
+                          <a:solidFill>
+                            <a:srgbClr val="000000"/>
+                          </a:solidFill>
+                          <a:effectLst/>
+                          <a:latin typeface="Calibri" panose="020F0502020204030204" pitchFamily="34" charset="0"/>
+                        </a:rPr>
+                        <a:t>1</a:t>
+                      </a:r>
+                    </a:p>
+                  </a:txBody>
+                  <a:tcPr marL="7620" marR="7620" marT="7620" marB="0" anchor="b">
+                    <a:lnL w="6350" cap="flat" cmpd="sng" algn="ctr">
+                      <a:solidFill>
+                        <a:srgbClr val="000000"/>
+                      </a:solidFill>
+                      <a:prstDash val="solid"/>
+                      <a:round/>
+                      <a:headEnd type="none" w="med" len="med"/>
+                      <a:tailEnd type="none" w="med" len="med"/>
+                    </a:lnL>
+                    <a:lnR w="6350" cap="flat" cmpd="sng" algn="ctr">
+                      <a:solidFill>
+                        <a:srgbClr val="000000"/>
+                      </a:solidFill>
+                      <a:prstDash val="solid"/>
+                      <a:round/>
+                      <a:headEnd type="none" w="med" len="med"/>
+                      <a:tailEnd type="none" w="med" len="med"/>
+                    </a:lnR>
+                    <a:lnT w="6350" cap="flat" cmpd="sng" algn="ctr">
+                      <a:solidFill>
+                        <a:srgbClr val="000000"/>
+                      </a:solidFill>
+                      <a:prstDash val="solid"/>
+                      <a:round/>
+                      <a:headEnd type="none" w="med" len="med"/>
+                      <a:tailEnd type="none" w="med" len="med"/>
+                    </a:lnT>
+                    <a:lnB w="6350" cap="flat" cmpd="sng" algn="ctr">
+                      <a:solidFill>
+                        <a:srgbClr val="000000"/>
+                      </a:solidFill>
+                      <a:prstDash val="solid"/>
+                      <a:round/>
+                      <a:headEnd type="none" w="med" len="med"/>
+                      <a:tailEnd type="none" w="med" len="med"/>
+                    </a:lnB>
+                  </a:tcPr>
+                </a:tc>
+                <a:extLst>
+                  <a:ext uri="{0D108BD9-81ED-4DB2-BD59-A6C34878D82A}">
+                    <a16:rowId xmlns:a16="http://schemas.microsoft.com/office/drawing/2014/main" val="2128844056"/>
+                  </a:ext>
+                </a:extLst>
+              </a:tr>
+            </a:tbl>
+          </a:graphicData>
+        </a:graphic>
+      </p:graphicFrame>
+      <p:sp>
+        <p:nvSpPr>
+          <p:cNvPr id="10" name="Left Brace 9">
+            <a:extLst>
+              <a:ext uri="{FF2B5EF4-FFF2-40B4-BE49-F238E27FC236}">
+                <a16:creationId xmlns:a16="http://schemas.microsoft.com/office/drawing/2014/main" id="{1B8647A9-493E-48B7-8A14-A210A4120CB2}"/>
+              </a:ext>
+            </a:extLst>
+          </p:cNvPr>
+          <p:cNvSpPr/>
+          <p:nvPr/>
+        </p:nvSpPr>
         <p:spPr>
           <a:xfrm>
-            <a:off x="0" y="1481667"/>
-            <a:ext cx="9144000" cy="1947333"/>
+            <a:off x="2618509" y="2119745"/>
+            <a:ext cx="235527" cy="1413164"/>
+          </a:xfrm>
+          <a:prstGeom prst="leftBrace">
+            <a:avLst/>
+          </a:prstGeom>
+        </p:spPr>
+        <p:style>
+          <a:lnRef idx="1">
+            <a:schemeClr val="accent1"/>
+          </a:lnRef>
+          <a:fillRef idx="0">
+            <a:schemeClr val="accent1"/>
+          </a:fillRef>
+          <a:effectRef idx="0">
+            <a:schemeClr val="accent1"/>
+          </a:effectRef>
+          <a:fontRef idx="minor">
+            <a:schemeClr val="tx1"/>
+          </a:fontRef>
+        </p:style>
+        <p:txBody>
+          <a:bodyPr rtlCol="0" anchor="ctr"/>
+          <a:lstStyle/>
+          <a:p>
+            <a:pPr algn="ctr"/>
+            <a:endParaRPr lang="en-US" dirty="0"/>
+          </a:p>
+        </p:txBody>
+      </p:sp>
+      <p:sp>
+        <p:nvSpPr>
+          <p:cNvPr id="11" name="TextBox 10">
+            <a:extLst>
+              <a:ext uri="{FF2B5EF4-FFF2-40B4-BE49-F238E27FC236}">
+                <a16:creationId xmlns:a16="http://schemas.microsoft.com/office/drawing/2014/main" id="{B10B1397-670D-43E2-81F8-79C5AAD9C234}"/>
+              </a:ext>
+            </a:extLst>
+          </p:cNvPr>
+          <p:cNvSpPr txBox="1"/>
+          <p:nvPr/>
+        </p:nvSpPr>
+        <p:spPr>
+          <a:xfrm>
+            <a:off x="1198995" y="2641661"/>
+            <a:ext cx="1419514" cy="369332"/>
           </a:xfrm>
           <a:prstGeom prst="rect">
             <a:avLst/>
           </a:prstGeom>
           <a:noFill/>
-          <a:ln>
-            <a:noFill/>
-          </a:ln>
         </p:spPr>
-      </p:pic>
-      <p:pic>
-        <p:nvPicPr>
-          <p:cNvPr id="6" name="Google Shape;70;p15">
+        <p:txBody>
+          <a:bodyPr wrap="square" rtlCol="0">
+            <a:spAutoFit/>
+          </a:bodyPr>
+          <a:lstStyle/>
+          <a:p>
+            <a:r>
+              <a:rPr lang="en-US" b="1" dirty="0"/>
+              <a:t>Top States</a:t>
+            </a:r>
+          </a:p>
+        </p:txBody>
+      </p:sp>
+      <p:sp>
+        <p:nvSpPr>
+          <p:cNvPr id="12" name="TextBox 11">
             <a:extLst>
               <a:ext uri="{FF2B5EF4-FFF2-40B4-BE49-F238E27FC236}">
-                <a16:creationId xmlns:a16="http://schemas.microsoft.com/office/drawing/2014/main" id="{743627EA-859F-48FE-A99B-AF39EB1DDB04}"/>
+                <a16:creationId xmlns:a16="http://schemas.microsoft.com/office/drawing/2014/main" id="{9B6A9AC2-96E6-4285-8A17-B046D41AC71C}"/>
               </a:ext>
             </a:extLst>
           </p:cNvPr>
-          <p:cNvPicPr preferRelativeResize="0"/>
+          <p:cNvSpPr txBox="1"/>
           <p:nvPr/>
-        </p:nvPicPr>
-        <p:blipFill>
-          <a:blip r:embed="rId3">
-            <a:alphaModFix/>
-          </a:blip>
-          <a:stretch>
-            <a:fillRect/>
-          </a:stretch>
-        </p:blipFill>
+        </p:nvSpPr>
         <p:spPr>
           <a:xfrm>
-            <a:off x="330363" y="3539067"/>
-            <a:ext cx="8483274" cy="1915574"/>
+            <a:off x="6691745" y="4325120"/>
+            <a:ext cx="1890570" cy="369332"/>
           </a:xfrm>
           <a:prstGeom prst="rect">
             <a:avLst/>
           </a:prstGeom>
           <a:noFill/>
-          <a:ln>
-            <a:noFill/>
-          </a:ln>
         </p:spPr>
-      </p:pic>
+        <p:txBody>
+          <a:bodyPr wrap="square" rtlCol="0">
+            <a:spAutoFit/>
+          </a:bodyPr>
+          <a:lstStyle/>
+          <a:p>
+            <a:r>
+              <a:rPr lang="en-US" b="1" dirty="0"/>
+              <a:t>Bottom States</a:t>
+            </a:r>
+          </a:p>
+        </p:txBody>
+      </p:sp>
+      <p:sp>
+        <p:nvSpPr>
+          <p:cNvPr id="13" name="Right Brace 12">
+            <a:extLst>
+              <a:ext uri="{FF2B5EF4-FFF2-40B4-BE49-F238E27FC236}">
+                <a16:creationId xmlns:a16="http://schemas.microsoft.com/office/drawing/2014/main" id="{F3CABFED-8E70-4A9A-B370-7C3D7BB31D7D}"/>
+              </a:ext>
+            </a:extLst>
+          </p:cNvPr>
+          <p:cNvSpPr/>
+          <p:nvPr/>
+        </p:nvSpPr>
+        <p:spPr>
+          <a:xfrm>
+            <a:off x="6289963" y="3823855"/>
+            <a:ext cx="401782" cy="1410925"/>
+          </a:xfrm>
+          <a:prstGeom prst="rightBrace">
+            <a:avLst/>
+          </a:prstGeom>
+        </p:spPr>
+        <p:style>
+          <a:lnRef idx="1">
+            <a:schemeClr val="accent1"/>
+          </a:lnRef>
+          <a:fillRef idx="0">
+            <a:schemeClr val="accent1"/>
+          </a:fillRef>
+          <a:effectRef idx="0">
+            <a:schemeClr val="accent1"/>
+          </a:effectRef>
+          <a:fontRef idx="minor">
+            <a:schemeClr val="tx1"/>
+          </a:fontRef>
+        </p:style>
+        <p:txBody>
+          <a:bodyPr rtlCol="0" anchor="ctr"/>
+          <a:lstStyle/>
+          <a:p>
+            <a:pPr algn="ctr"/>
+            <a:endParaRPr lang="en-US"/>
+          </a:p>
+        </p:txBody>
+      </p:sp>
     </p:spTree>
     <p:extLst>
       <p:ext uri="{BB962C8B-B14F-4D97-AF65-F5344CB8AC3E}">
-        <p14:creationId xmlns:p14="http://schemas.microsoft.com/office/powerpoint/2010/main" val="2001367759"/>
+        <p14:creationId xmlns:p14="http://schemas.microsoft.com/office/powerpoint/2010/main" val="3487394547"/>
       </p:ext>
     </p:extLst>
   </p:cSld>
   <p:clrMapOvr>
     <a:masterClrMapping/>
   </p:clrMapOvr>
+  <p:timing>
+    <p:tnLst>
+      <p:par>
+        <p:cTn id="1" dur="indefinite" restart="never" nodeType="tmRoot">
+          <p:childTnLst>
+            <p:seq concurrent="1" nextAc="seek">
+              <p:cTn id="2" dur="indefinite" nodeType="mainSeq">
+                <p:childTnLst>
+                  <p:par>
+                    <p:cTn id="3" fill="hold">
+                      <p:stCondLst>
+                        <p:cond delay="indefinite"/>
+                      </p:stCondLst>
+                      <p:childTnLst>
+                        <p:par>
+                          <p:cTn id="4" fill="hold">
+                            <p:stCondLst>
+                              <p:cond delay="0"/>
+                            </p:stCondLst>
+                            <p:childTnLst>
+                              <p:par>
+                                <p:cTn id="5" presetID="2" presetClass="entr" presetSubtype="4" fill="hold" grpId="0" nodeType="clickEffect">
+                                  <p:stCondLst>
+                                    <p:cond delay="0"/>
+                                  </p:stCondLst>
+                                  <p:childTnLst>
+                                    <p:set>
+                                      <p:cBhvr>
+                                        <p:cTn id="6" dur="1" fill="hold">
+                                          <p:stCondLst>
+                                            <p:cond delay="0"/>
+                                          </p:stCondLst>
+                                        </p:cTn>
+                                        <p:tgtEl>
+                                          <p:spTgt spid="11"/>
+                                        </p:tgtEl>
+                                        <p:attrNameLst>
+                                          <p:attrName>style.visibility</p:attrName>
+                                        </p:attrNameLst>
+                                      </p:cBhvr>
+                                      <p:to>
+                                        <p:strVal val="visible"/>
+                                      </p:to>
+                                    </p:set>
+                                    <p:anim calcmode="lin" valueType="num">
+                                      <p:cBhvr additive="base">
+                                        <p:cTn id="7" dur="500" fill="hold"/>
+                                        <p:tgtEl>
+                                          <p:spTgt spid="11"/>
+                                        </p:tgtEl>
+                                        <p:attrNameLst>
+                                          <p:attrName>ppt_x</p:attrName>
+                                        </p:attrNameLst>
+                                      </p:cBhvr>
+                                      <p:tavLst>
+                                        <p:tav tm="0">
+                                          <p:val>
+                                            <p:strVal val="#ppt_x"/>
+                                          </p:val>
+                                        </p:tav>
+                                        <p:tav tm="100000">
+                                          <p:val>
+                                            <p:strVal val="#ppt_x"/>
+                                          </p:val>
+                                        </p:tav>
+                                      </p:tavLst>
+                                    </p:anim>
+                                    <p:anim calcmode="lin" valueType="num">
+                                      <p:cBhvr additive="base">
+                                        <p:cTn id="8" dur="500" fill="hold"/>
+                                        <p:tgtEl>
+                                          <p:spTgt spid="11"/>
+                                        </p:tgtEl>
+                                        <p:attrNameLst>
+                                          <p:attrName>ppt_y</p:attrName>
+                                        </p:attrNameLst>
+                                      </p:cBhvr>
+                                      <p:tavLst>
+                                        <p:tav tm="0">
+                                          <p:val>
+                                            <p:strVal val="1+#ppt_h/2"/>
+                                          </p:val>
+                                        </p:tav>
+                                        <p:tav tm="100000">
+                                          <p:val>
+                                            <p:strVal val="#ppt_y"/>
+                                          </p:val>
+                                        </p:tav>
+                                      </p:tavLst>
+                                    </p:anim>
+                                  </p:childTnLst>
+                                </p:cTn>
+                              </p:par>
+                              <p:par>
+                                <p:cTn id="9" presetID="2" presetClass="entr" presetSubtype="4" fill="hold" grpId="0" nodeType="withEffect">
+                                  <p:stCondLst>
+                                    <p:cond delay="0"/>
+                                  </p:stCondLst>
+                                  <p:childTnLst>
+                                    <p:set>
+                                      <p:cBhvr>
+                                        <p:cTn id="10" dur="1" fill="hold">
+                                          <p:stCondLst>
+                                            <p:cond delay="0"/>
+                                          </p:stCondLst>
+                                        </p:cTn>
+                                        <p:tgtEl>
+                                          <p:spTgt spid="10"/>
+                                        </p:tgtEl>
+                                        <p:attrNameLst>
+                                          <p:attrName>style.visibility</p:attrName>
+                                        </p:attrNameLst>
+                                      </p:cBhvr>
+                                      <p:to>
+                                        <p:strVal val="visible"/>
+                                      </p:to>
+                                    </p:set>
+                                    <p:anim calcmode="lin" valueType="num">
+                                      <p:cBhvr additive="base">
+                                        <p:cTn id="11" dur="500" fill="hold"/>
+                                        <p:tgtEl>
+                                          <p:spTgt spid="10"/>
+                                        </p:tgtEl>
+                                        <p:attrNameLst>
+                                          <p:attrName>ppt_x</p:attrName>
+                                        </p:attrNameLst>
+                                      </p:cBhvr>
+                                      <p:tavLst>
+                                        <p:tav tm="0">
+                                          <p:val>
+                                            <p:strVal val="#ppt_x"/>
+                                          </p:val>
+                                        </p:tav>
+                                        <p:tav tm="100000">
+                                          <p:val>
+                                            <p:strVal val="#ppt_x"/>
+                                          </p:val>
+                                        </p:tav>
+                                      </p:tavLst>
+                                    </p:anim>
+                                    <p:anim calcmode="lin" valueType="num">
+                                      <p:cBhvr additive="base">
+                                        <p:cTn id="12" dur="500" fill="hold"/>
+                                        <p:tgtEl>
+                                          <p:spTgt spid="10"/>
+                                        </p:tgtEl>
+                                        <p:attrNameLst>
+                                          <p:attrName>ppt_y</p:attrName>
+                                        </p:attrNameLst>
+                                      </p:cBhvr>
+                                      <p:tavLst>
+                                        <p:tav tm="0">
+                                          <p:val>
+                                            <p:strVal val="1+#ppt_h/2"/>
+                                          </p:val>
+                                        </p:tav>
+                                        <p:tav tm="100000">
+                                          <p:val>
+                                            <p:strVal val="#ppt_y"/>
+                                          </p:val>
+                                        </p:tav>
+                                      </p:tavLst>
+                                    </p:anim>
+                                  </p:childTnLst>
+                                </p:cTn>
+                              </p:par>
+                            </p:childTnLst>
+                          </p:cTn>
+                        </p:par>
+                      </p:childTnLst>
+                    </p:cTn>
+                  </p:par>
+                  <p:par>
+                    <p:cTn id="13" fill="hold">
+                      <p:stCondLst>
+                        <p:cond delay="indefinite"/>
+                      </p:stCondLst>
+                      <p:childTnLst>
+                        <p:par>
+                          <p:cTn id="14" fill="hold">
+                            <p:stCondLst>
+                              <p:cond delay="0"/>
+                            </p:stCondLst>
+                            <p:childTnLst>
+                              <p:par>
+                                <p:cTn id="15" presetID="2" presetClass="entr" presetSubtype="4" fill="hold" grpId="0" nodeType="clickEffect">
+                                  <p:stCondLst>
+                                    <p:cond delay="0"/>
+                                  </p:stCondLst>
+                                  <p:childTnLst>
+                                    <p:set>
+                                      <p:cBhvr>
+                                        <p:cTn id="16" dur="1" fill="hold">
+                                          <p:stCondLst>
+                                            <p:cond delay="0"/>
+                                          </p:stCondLst>
+                                        </p:cTn>
+                                        <p:tgtEl>
+                                          <p:spTgt spid="13"/>
+                                        </p:tgtEl>
+                                        <p:attrNameLst>
+                                          <p:attrName>style.visibility</p:attrName>
+                                        </p:attrNameLst>
+                                      </p:cBhvr>
+                                      <p:to>
+                                        <p:strVal val="visible"/>
+                                      </p:to>
+                                    </p:set>
+                                    <p:anim calcmode="lin" valueType="num">
+                                      <p:cBhvr additive="base">
+                                        <p:cTn id="17" dur="500" fill="hold"/>
+                                        <p:tgtEl>
+                                          <p:spTgt spid="13"/>
+                                        </p:tgtEl>
+                                        <p:attrNameLst>
+                                          <p:attrName>ppt_x</p:attrName>
+                                        </p:attrNameLst>
+                                      </p:cBhvr>
+                                      <p:tavLst>
+                                        <p:tav tm="0">
+                                          <p:val>
+                                            <p:strVal val="#ppt_x"/>
+                                          </p:val>
+                                        </p:tav>
+                                        <p:tav tm="100000">
+                                          <p:val>
+                                            <p:strVal val="#ppt_x"/>
+                                          </p:val>
+                                        </p:tav>
+                                      </p:tavLst>
+                                    </p:anim>
+                                    <p:anim calcmode="lin" valueType="num">
+                                      <p:cBhvr additive="base">
+                                        <p:cTn id="18" dur="500" fill="hold"/>
+                                        <p:tgtEl>
+                                          <p:spTgt spid="13"/>
+                                        </p:tgtEl>
+                                        <p:attrNameLst>
+                                          <p:attrName>ppt_y</p:attrName>
+                                        </p:attrNameLst>
+                                      </p:cBhvr>
+                                      <p:tavLst>
+                                        <p:tav tm="0">
+                                          <p:val>
+                                            <p:strVal val="1+#ppt_h/2"/>
+                                          </p:val>
+                                        </p:tav>
+                                        <p:tav tm="100000">
+                                          <p:val>
+                                            <p:strVal val="#ppt_y"/>
+                                          </p:val>
+                                        </p:tav>
+                                      </p:tavLst>
+                                    </p:anim>
+                                  </p:childTnLst>
+                                </p:cTn>
+                              </p:par>
+                              <p:par>
+                                <p:cTn id="19" presetID="2" presetClass="entr" presetSubtype="4" fill="hold" grpId="0" nodeType="withEffect">
+                                  <p:stCondLst>
+                                    <p:cond delay="0"/>
+                                  </p:stCondLst>
+                                  <p:childTnLst>
+                                    <p:set>
+                                      <p:cBhvr>
+                                        <p:cTn id="20" dur="1" fill="hold">
+                                          <p:stCondLst>
+                                            <p:cond delay="0"/>
+                                          </p:stCondLst>
+                                        </p:cTn>
+                                        <p:tgtEl>
+                                          <p:spTgt spid="12"/>
+                                        </p:tgtEl>
+                                        <p:attrNameLst>
+                                          <p:attrName>style.visibility</p:attrName>
+                                        </p:attrNameLst>
+                                      </p:cBhvr>
+                                      <p:to>
+                                        <p:strVal val="visible"/>
+                                      </p:to>
+                                    </p:set>
+                                    <p:anim calcmode="lin" valueType="num">
+                                      <p:cBhvr additive="base">
+                                        <p:cTn id="21" dur="500" fill="hold"/>
+                                        <p:tgtEl>
+                                          <p:spTgt spid="12"/>
+                                        </p:tgtEl>
+                                        <p:attrNameLst>
+                                          <p:attrName>ppt_x</p:attrName>
+                                        </p:attrNameLst>
+                                      </p:cBhvr>
+                                      <p:tavLst>
+                                        <p:tav tm="0">
+                                          <p:val>
+                                            <p:strVal val="#ppt_x"/>
+                                          </p:val>
+                                        </p:tav>
+                                        <p:tav tm="100000">
+                                          <p:val>
+                                            <p:strVal val="#ppt_x"/>
+                                          </p:val>
+                                        </p:tav>
+                                      </p:tavLst>
+                                    </p:anim>
+                                    <p:anim calcmode="lin" valueType="num">
+                                      <p:cBhvr additive="base">
+                                        <p:cTn id="22" dur="500" fill="hold"/>
+                                        <p:tgtEl>
+                                          <p:spTgt spid="12"/>
+                                        </p:tgtEl>
+                                        <p:attrNameLst>
+                                          <p:attrName>ppt_y</p:attrName>
+                                        </p:attrNameLst>
+                                      </p:cBhvr>
+                                      <p:tavLst>
+                                        <p:tav tm="0">
+                                          <p:val>
+                                            <p:strVal val="1+#ppt_h/2"/>
+                                          </p:val>
+                                        </p:tav>
+                                        <p:tav tm="100000">
+                                          <p:val>
+                                            <p:strVal val="#ppt_y"/>
+                                          </p:val>
+                                        </p:tav>
+                                      </p:tavLst>
+                                    </p:anim>
+                                  </p:childTnLst>
+                                </p:cTn>
+                              </p:par>
+                            </p:childTnLst>
+                          </p:cTn>
+                        </p:par>
+                      </p:childTnLst>
+                    </p:cTn>
+                  </p:par>
+                </p:childTnLst>
+              </p:cTn>
+              <p:prevCondLst>
+                <p:cond evt="onPrev" delay="0">
+                  <p:tgtEl>
+                    <p:sldTgt/>
+                  </p:tgtEl>
+                </p:cond>
+              </p:prevCondLst>
+              <p:nextCondLst>
+                <p:cond evt="onNext" delay="0">
+                  <p:tgtEl>
+                    <p:sldTgt/>
+                  </p:tgtEl>
+                </p:cond>
+              </p:nextCondLst>
+            </p:seq>
+          </p:childTnLst>
+        </p:cTn>
+      </p:par>
+    </p:tnLst>
+    <p:bldLst>
+      <p:bldP spid="10" grpId="0" animBg="1"/>
+      <p:bldP spid="11" grpId="0"/>
+      <p:bldP spid="12" grpId="0"/>
+      <p:bldP spid="13" grpId="0" animBg="1"/>
+    </p:bldLst>
+  </p:timing>
 </p:sld>
 </file>
 
@@ -2935,7 +9992,7 @@
           <a:p>
             <a:r>
               <a:rPr lang="en" sz="4000" dirty="0"/>
-              <a:t>Address the Missing Values </a:t>
+              <a:t>Missing Data</a:t>
             </a:r>
             <a:endParaRPr lang="en-US" sz="4000" dirty="0"/>
           </a:p>
@@ -2980,66 +10037,798 @@
           </a:p>
         </p:txBody>
       </p:sp>
-      <p:pic>
-        <p:nvPicPr>
-          <p:cNvPr id="5" name="table">
+      <p:graphicFrame>
+        <p:nvGraphicFramePr>
+          <p:cNvPr id="7" name="Table 6">
             <a:extLst>
               <a:ext uri="{FF2B5EF4-FFF2-40B4-BE49-F238E27FC236}">
-                <a16:creationId xmlns:a16="http://schemas.microsoft.com/office/drawing/2014/main" id="{2F877778-854D-4BBD-BE3C-6CCFC28709A5}"/>
+                <a16:creationId xmlns:a16="http://schemas.microsoft.com/office/drawing/2014/main" id="{3B7508D4-70C9-4A59-B1F7-45E2E1832FDC}"/>
               </a:ext>
             </a:extLst>
           </p:cNvPr>
-          <p:cNvPicPr>
-            <a:picLocks noChangeAspect="1"/>
-          </p:cNvPicPr>
+          <p:cNvGraphicFramePr>
+            <a:graphicFrameLocks noGrp="1"/>
+          </p:cNvGraphicFramePr>
           <p:nvPr/>
-        </p:nvPicPr>
-        <p:blipFill>
-          <a:blip r:embed="rId2"/>
-          <a:stretch>
-            <a:fillRect/>
-          </a:stretch>
-        </p:blipFill>
+        </p:nvGraphicFramePr>
+        <p:xfrm>
+          <a:off x="2755900" y="3405981"/>
+          <a:ext cx="3632200" cy="914400"/>
+        </p:xfrm>
+        <a:graphic>
+          <a:graphicData uri="http://schemas.openxmlformats.org/drawingml/2006/table">
+            <a:tbl>
+              <a:tblPr/>
+              <a:tblGrid>
+                <a:gridCol w="2044301">
+                  <a:extLst>
+                    <a:ext uri="{9D8B030D-6E8A-4147-A177-3AD203B41FA5}">
+                      <a16:colId xmlns:a16="http://schemas.microsoft.com/office/drawing/2014/main" val="1759128327"/>
+                    </a:ext>
+                  </a:extLst>
+                </a:gridCol>
+                <a:gridCol w="1587899">
+                  <a:extLst>
+                    <a:ext uri="{9D8B030D-6E8A-4147-A177-3AD203B41FA5}">
+                      <a16:colId xmlns:a16="http://schemas.microsoft.com/office/drawing/2014/main" val="765061973"/>
+                    </a:ext>
+                  </a:extLst>
+                </a:gridCol>
+              </a:tblGrid>
+              <a:tr h="182880">
+                <a:tc gridSpan="2">
+                  <a:txBody>
+                    <a:bodyPr/>
+                    <a:lstStyle/>
+                    <a:p>
+                      <a:pPr algn="ctr" fontAlgn="b"/>
+                      <a:r>
+                        <a:rPr lang="en-US" sz="1100" b="1" i="0" u="none" strike="noStrike">
+                          <a:solidFill>
+                            <a:srgbClr val="FFFFFF"/>
+                          </a:solidFill>
+                          <a:effectLst/>
+                          <a:latin typeface="Calibri" panose="020F0502020204030204" pitchFamily="34" charset="0"/>
+                        </a:rPr>
+                        <a:t>Missing Data</a:t>
+                      </a:r>
+                    </a:p>
+                  </a:txBody>
+                  <a:tcPr marL="7620" marR="7620" marT="7620" marB="0" anchor="b">
+                    <a:lnL w="6350" cap="flat" cmpd="sng" algn="ctr">
+                      <a:solidFill>
+                        <a:srgbClr val="000000"/>
+                      </a:solidFill>
+                      <a:prstDash val="solid"/>
+                      <a:round/>
+                      <a:headEnd type="none" w="med" len="med"/>
+                      <a:tailEnd type="none" w="med" len="med"/>
+                    </a:lnL>
+                    <a:lnR w="6350" cap="flat" cmpd="sng" algn="ctr">
+                      <a:solidFill>
+                        <a:srgbClr val="000000"/>
+                      </a:solidFill>
+                      <a:prstDash val="solid"/>
+                      <a:round/>
+                      <a:headEnd type="none" w="med" len="med"/>
+                      <a:tailEnd type="none" w="med" len="med"/>
+                    </a:lnR>
+                    <a:lnT w="6350" cap="flat" cmpd="sng" algn="ctr">
+                      <a:solidFill>
+                        <a:srgbClr val="000000"/>
+                      </a:solidFill>
+                      <a:prstDash val="solid"/>
+                      <a:round/>
+                      <a:headEnd type="none" w="med" len="med"/>
+                      <a:tailEnd type="none" w="med" len="med"/>
+                    </a:lnT>
+                    <a:lnB w="6350" cap="flat" cmpd="sng" algn="ctr">
+                      <a:solidFill>
+                        <a:srgbClr val="000000"/>
+                      </a:solidFill>
+                      <a:prstDash val="solid"/>
+                      <a:round/>
+                      <a:headEnd type="none" w="med" len="med"/>
+                      <a:tailEnd type="none" w="med" len="med"/>
+                    </a:lnB>
+                    <a:solidFill>
+                      <a:srgbClr val="4472C4"/>
+                    </a:solidFill>
+                  </a:tcPr>
+                </a:tc>
+                <a:tc hMerge="1">
+                  <a:txBody>
+                    <a:bodyPr/>
+                    <a:lstStyle/>
+                    <a:p>
+                      <a:endParaRPr lang="en-US"/>
+                    </a:p>
+                  </a:txBody>
+                  <a:tcPr/>
+                </a:tc>
+                <a:extLst>
+                  <a:ext uri="{0D108BD9-81ED-4DB2-BD59-A6C34878D82A}">
+                    <a16:rowId xmlns:a16="http://schemas.microsoft.com/office/drawing/2014/main" val="1050044519"/>
+                  </a:ext>
+                </a:extLst>
+              </a:tr>
+              <a:tr h="182880">
+                <a:tc>
+                  <a:txBody>
+                    <a:bodyPr/>
+                    <a:lstStyle/>
+                    <a:p>
+                      <a:pPr algn="ctr" fontAlgn="b"/>
+                      <a:r>
+                        <a:rPr lang="en-US" sz="1100" b="1" i="0" u="none" strike="noStrike">
+                          <a:solidFill>
+                            <a:srgbClr val="FFFFFF"/>
+                          </a:solidFill>
+                          <a:effectLst/>
+                          <a:latin typeface="Calibri" panose="020F0502020204030204" pitchFamily="34" charset="0"/>
+                        </a:rPr>
+                        <a:t>Variable</a:t>
+                      </a:r>
+                    </a:p>
+                  </a:txBody>
+                  <a:tcPr marL="7620" marR="7620" marT="7620" marB="0" anchor="b">
+                    <a:lnL w="6350" cap="flat" cmpd="sng" algn="ctr">
+                      <a:solidFill>
+                        <a:srgbClr val="000000"/>
+                      </a:solidFill>
+                      <a:prstDash val="solid"/>
+                      <a:round/>
+                      <a:headEnd type="none" w="med" len="med"/>
+                      <a:tailEnd type="none" w="med" len="med"/>
+                    </a:lnL>
+                    <a:lnR w="6350" cap="flat" cmpd="sng" algn="ctr">
+                      <a:solidFill>
+                        <a:srgbClr val="000000"/>
+                      </a:solidFill>
+                      <a:prstDash val="solid"/>
+                      <a:round/>
+                      <a:headEnd type="none" w="med" len="med"/>
+                      <a:tailEnd type="none" w="med" len="med"/>
+                    </a:lnR>
+                    <a:lnT w="6350" cap="flat" cmpd="sng" algn="ctr">
+                      <a:solidFill>
+                        <a:srgbClr val="000000"/>
+                      </a:solidFill>
+                      <a:prstDash val="solid"/>
+                      <a:round/>
+                      <a:headEnd type="none" w="med" len="med"/>
+                      <a:tailEnd type="none" w="med" len="med"/>
+                    </a:lnT>
+                    <a:lnB w="6350" cap="flat" cmpd="sng" algn="ctr">
+                      <a:solidFill>
+                        <a:srgbClr val="000000"/>
+                      </a:solidFill>
+                      <a:prstDash val="solid"/>
+                      <a:round/>
+                      <a:headEnd type="none" w="med" len="med"/>
+                      <a:tailEnd type="none" w="med" len="med"/>
+                    </a:lnB>
+                    <a:solidFill>
+                      <a:srgbClr val="4472C4"/>
+                    </a:solidFill>
+                  </a:tcPr>
+                </a:tc>
+                <a:tc>
+                  <a:txBody>
+                    <a:bodyPr/>
+                    <a:lstStyle/>
+                    <a:p>
+                      <a:pPr algn="ctr" fontAlgn="b"/>
+                      <a:r>
+                        <a:rPr lang="en-US" sz="1100" b="1" i="0" u="none" strike="noStrike">
+                          <a:solidFill>
+                            <a:srgbClr val="FFFFFF"/>
+                          </a:solidFill>
+                          <a:effectLst/>
+                          <a:latin typeface="Calibri" panose="020F0502020204030204" pitchFamily="34" charset="0"/>
+                        </a:rPr>
+                        <a:t>Percent Missing Data</a:t>
+                      </a:r>
+                    </a:p>
+                  </a:txBody>
+                  <a:tcPr marL="7620" marR="7620" marT="7620" marB="0" anchor="b">
+                    <a:lnL w="6350" cap="flat" cmpd="sng" algn="ctr">
+                      <a:solidFill>
+                        <a:srgbClr val="000000"/>
+                      </a:solidFill>
+                      <a:prstDash val="solid"/>
+                      <a:round/>
+                      <a:headEnd type="none" w="med" len="med"/>
+                      <a:tailEnd type="none" w="med" len="med"/>
+                    </a:lnL>
+                    <a:lnR w="6350" cap="flat" cmpd="sng" algn="ctr">
+                      <a:solidFill>
+                        <a:srgbClr val="000000"/>
+                      </a:solidFill>
+                      <a:prstDash val="solid"/>
+                      <a:round/>
+                      <a:headEnd type="none" w="med" len="med"/>
+                      <a:tailEnd type="none" w="med" len="med"/>
+                    </a:lnR>
+                    <a:lnT w="6350" cap="flat" cmpd="sng" algn="ctr">
+                      <a:solidFill>
+                        <a:srgbClr val="000000"/>
+                      </a:solidFill>
+                      <a:prstDash val="solid"/>
+                      <a:round/>
+                      <a:headEnd type="none" w="med" len="med"/>
+                      <a:tailEnd type="none" w="med" len="med"/>
+                    </a:lnT>
+                    <a:lnB w="6350" cap="flat" cmpd="sng" algn="ctr">
+                      <a:solidFill>
+                        <a:srgbClr val="000000"/>
+                      </a:solidFill>
+                      <a:prstDash val="solid"/>
+                      <a:round/>
+                      <a:headEnd type="none" w="med" len="med"/>
+                      <a:tailEnd type="none" w="med" len="med"/>
+                    </a:lnB>
+                    <a:solidFill>
+                      <a:srgbClr val="4472C4"/>
+                    </a:solidFill>
+                  </a:tcPr>
+                </a:tc>
+                <a:extLst>
+                  <a:ext uri="{0D108BD9-81ED-4DB2-BD59-A6C34878D82A}">
+                    <a16:rowId xmlns:a16="http://schemas.microsoft.com/office/drawing/2014/main" val="3845634733"/>
+                  </a:ext>
+                </a:extLst>
+              </a:tr>
+              <a:tr h="182880">
+                <a:tc>
+                  <a:txBody>
+                    <a:bodyPr/>
+                    <a:lstStyle/>
+                    <a:p>
+                      <a:pPr algn="l" fontAlgn="b"/>
+                      <a:r>
+                        <a:rPr lang="en-US" sz="1100" b="0" i="0" u="none" strike="noStrike">
+                          <a:solidFill>
+                            <a:srgbClr val="000000"/>
+                          </a:solidFill>
+                          <a:effectLst/>
+                          <a:latin typeface="Calibri" panose="020F0502020204030204" pitchFamily="34" charset="0"/>
+                        </a:rPr>
+                        <a:t>Alcohol by Volume (ABV)</a:t>
+                      </a:r>
+                    </a:p>
+                  </a:txBody>
+                  <a:tcPr marL="7620" marR="7620" marT="7620" marB="0" anchor="b">
+                    <a:lnL w="6350" cap="flat" cmpd="sng" algn="ctr">
+                      <a:solidFill>
+                        <a:srgbClr val="000000"/>
+                      </a:solidFill>
+                      <a:prstDash val="solid"/>
+                      <a:round/>
+                      <a:headEnd type="none" w="med" len="med"/>
+                      <a:tailEnd type="none" w="med" len="med"/>
+                    </a:lnL>
+                    <a:lnR w="6350" cap="flat" cmpd="sng" algn="ctr">
+                      <a:solidFill>
+                        <a:srgbClr val="000000"/>
+                      </a:solidFill>
+                      <a:prstDash val="solid"/>
+                      <a:round/>
+                      <a:headEnd type="none" w="med" len="med"/>
+                      <a:tailEnd type="none" w="med" len="med"/>
+                    </a:lnR>
+                    <a:lnT w="6350" cap="flat" cmpd="sng" algn="ctr">
+                      <a:solidFill>
+                        <a:srgbClr val="000000"/>
+                      </a:solidFill>
+                      <a:prstDash val="solid"/>
+                      <a:round/>
+                      <a:headEnd type="none" w="med" len="med"/>
+                      <a:tailEnd type="none" w="med" len="med"/>
+                    </a:lnT>
+                    <a:lnB w="6350" cap="flat" cmpd="sng" algn="ctr">
+                      <a:solidFill>
+                        <a:srgbClr val="000000"/>
+                      </a:solidFill>
+                      <a:prstDash val="solid"/>
+                      <a:round/>
+                      <a:headEnd type="none" w="med" len="med"/>
+                      <a:tailEnd type="none" w="med" len="med"/>
+                    </a:lnB>
+                  </a:tcPr>
+                </a:tc>
+                <a:tc>
+                  <a:txBody>
+                    <a:bodyPr/>
+                    <a:lstStyle/>
+                    <a:p>
+                      <a:pPr algn="r" fontAlgn="b"/>
+                      <a:r>
+                        <a:rPr lang="en-US" sz="1100" b="0" i="0" u="none" strike="noStrike">
+                          <a:solidFill>
+                            <a:srgbClr val="000000"/>
+                          </a:solidFill>
+                          <a:effectLst/>
+                          <a:latin typeface="Calibri" panose="020F0502020204030204" pitchFamily="34" charset="0"/>
+                        </a:rPr>
+                        <a:t>2.6%</a:t>
+                      </a:r>
+                    </a:p>
+                  </a:txBody>
+                  <a:tcPr marL="7620" marR="7620" marT="7620" marB="0" anchor="b">
+                    <a:lnL w="6350" cap="flat" cmpd="sng" algn="ctr">
+                      <a:solidFill>
+                        <a:srgbClr val="000000"/>
+                      </a:solidFill>
+                      <a:prstDash val="solid"/>
+                      <a:round/>
+                      <a:headEnd type="none" w="med" len="med"/>
+                      <a:tailEnd type="none" w="med" len="med"/>
+                    </a:lnL>
+                    <a:lnR w="6350" cap="flat" cmpd="sng" algn="ctr">
+                      <a:solidFill>
+                        <a:srgbClr val="000000"/>
+                      </a:solidFill>
+                      <a:prstDash val="solid"/>
+                      <a:round/>
+                      <a:headEnd type="none" w="med" len="med"/>
+                      <a:tailEnd type="none" w="med" len="med"/>
+                    </a:lnR>
+                    <a:lnT w="6350" cap="flat" cmpd="sng" algn="ctr">
+                      <a:solidFill>
+                        <a:srgbClr val="000000"/>
+                      </a:solidFill>
+                      <a:prstDash val="solid"/>
+                      <a:round/>
+                      <a:headEnd type="none" w="med" len="med"/>
+                      <a:tailEnd type="none" w="med" len="med"/>
+                    </a:lnT>
+                    <a:lnB w="6350" cap="flat" cmpd="sng" algn="ctr">
+                      <a:solidFill>
+                        <a:srgbClr val="000000"/>
+                      </a:solidFill>
+                      <a:prstDash val="solid"/>
+                      <a:round/>
+                      <a:headEnd type="none" w="med" len="med"/>
+                      <a:tailEnd type="none" w="med" len="med"/>
+                    </a:lnB>
+                  </a:tcPr>
+                </a:tc>
+                <a:extLst>
+                  <a:ext uri="{0D108BD9-81ED-4DB2-BD59-A6C34878D82A}">
+                    <a16:rowId xmlns:a16="http://schemas.microsoft.com/office/drawing/2014/main" val="180904549"/>
+                  </a:ext>
+                </a:extLst>
+              </a:tr>
+              <a:tr h="182880">
+                <a:tc>
+                  <a:txBody>
+                    <a:bodyPr/>
+                    <a:lstStyle/>
+                    <a:p>
+                      <a:pPr algn="l" fontAlgn="b"/>
+                      <a:r>
+                        <a:rPr lang="en-US" sz="1100" b="0" i="0" u="none" strike="noStrike">
+                          <a:solidFill>
+                            <a:srgbClr val="000000"/>
+                          </a:solidFill>
+                          <a:effectLst/>
+                          <a:latin typeface="Calibri" panose="020F0502020204030204" pitchFamily="34" charset="0"/>
+                        </a:rPr>
+                        <a:t>International Bitterness Units (IBU)</a:t>
+                      </a:r>
+                    </a:p>
+                  </a:txBody>
+                  <a:tcPr marL="7620" marR="7620" marT="7620" marB="0" anchor="b">
+                    <a:lnL w="6350" cap="flat" cmpd="sng" algn="ctr">
+                      <a:solidFill>
+                        <a:srgbClr val="000000"/>
+                      </a:solidFill>
+                      <a:prstDash val="solid"/>
+                      <a:round/>
+                      <a:headEnd type="none" w="med" len="med"/>
+                      <a:tailEnd type="none" w="med" len="med"/>
+                    </a:lnL>
+                    <a:lnR w="6350" cap="flat" cmpd="sng" algn="ctr">
+                      <a:solidFill>
+                        <a:srgbClr val="000000"/>
+                      </a:solidFill>
+                      <a:prstDash val="solid"/>
+                      <a:round/>
+                      <a:headEnd type="none" w="med" len="med"/>
+                      <a:tailEnd type="none" w="med" len="med"/>
+                    </a:lnR>
+                    <a:lnT w="6350" cap="flat" cmpd="sng" algn="ctr">
+                      <a:solidFill>
+                        <a:srgbClr val="000000"/>
+                      </a:solidFill>
+                      <a:prstDash val="solid"/>
+                      <a:round/>
+                      <a:headEnd type="none" w="med" len="med"/>
+                      <a:tailEnd type="none" w="med" len="med"/>
+                    </a:lnT>
+                    <a:lnB w="6350" cap="flat" cmpd="sng" algn="ctr">
+                      <a:solidFill>
+                        <a:srgbClr val="000000"/>
+                      </a:solidFill>
+                      <a:prstDash val="solid"/>
+                      <a:round/>
+                      <a:headEnd type="none" w="med" len="med"/>
+                      <a:tailEnd type="none" w="med" len="med"/>
+                    </a:lnB>
+                  </a:tcPr>
+                </a:tc>
+                <a:tc>
+                  <a:txBody>
+                    <a:bodyPr/>
+                    <a:lstStyle/>
+                    <a:p>
+                      <a:pPr algn="r" fontAlgn="b"/>
+                      <a:r>
+                        <a:rPr lang="en-US" sz="1100" b="0" i="0" u="none" strike="noStrike">
+                          <a:solidFill>
+                            <a:srgbClr val="000000"/>
+                          </a:solidFill>
+                          <a:effectLst/>
+                          <a:latin typeface="Calibri" panose="020F0502020204030204" pitchFamily="34" charset="0"/>
+                        </a:rPr>
+                        <a:t>41.7%</a:t>
+                      </a:r>
+                    </a:p>
+                  </a:txBody>
+                  <a:tcPr marL="7620" marR="7620" marT="7620" marB="0" anchor="b">
+                    <a:lnL w="6350" cap="flat" cmpd="sng" algn="ctr">
+                      <a:solidFill>
+                        <a:srgbClr val="000000"/>
+                      </a:solidFill>
+                      <a:prstDash val="solid"/>
+                      <a:round/>
+                      <a:headEnd type="none" w="med" len="med"/>
+                      <a:tailEnd type="none" w="med" len="med"/>
+                    </a:lnL>
+                    <a:lnR w="6350" cap="flat" cmpd="sng" algn="ctr">
+                      <a:solidFill>
+                        <a:srgbClr val="000000"/>
+                      </a:solidFill>
+                      <a:prstDash val="solid"/>
+                      <a:round/>
+                      <a:headEnd type="none" w="med" len="med"/>
+                      <a:tailEnd type="none" w="med" len="med"/>
+                    </a:lnR>
+                    <a:lnT w="6350" cap="flat" cmpd="sng" algn="ctr">
+                      <a:solidFill>
+                        <a:srgbClr val="000000"/>
+                      </a:solidFill>
+                      <a:prstDash val="solid"/>
+                      <a:round/>
+                      <a:headEnd type="none" w="med" len="med"/>
+                      <a:tailEnd type="none" w="med" len="med"/>
+                    </a:lnT>
+                    <a:lnB w="6350" cap="flat" cmpd="sng" algn="ctr">
+                      <a:solidFill>
+                        <a:srgbClr val="000000"/>
+                      </a:solidFill>
+                      <a:prstDash val="solid"/>
+                      <a:round/>
+                      <a:headEnd type="none" w="med" len="med"/>
+                      <a:tailEnd type="none" w="med" len="med"/>
+                    </a:lnB>
+                  </a:tcPr>
+                </a:tc>
+                <a:extLst>
+                  <a:ext uri="{0D108BD9-81ED-4DB2-BD59-A6C34878D82A}">
+                    <a16:rowId xmlns:a16="http://schemas.microsoft.com/office/drawing/2014/main" val="638623367"/>
+                  </a:ext>
+                </a:extLst>
+              </a:tr>
+              <a:tr h="182880">
+                <a:tc>
+                  <a:txBody>
+                    <a:bodyPr/>
+                    <a:lstStyle/>
+                    <a:p>
+                      <a:pPr algn="l" fontAlgn="b"/>
+                      <a:r>
+                        <a:rPr lang="en-US" sz="1100" b="0" i="0" u="none" strike="noStrike">
+                          <a:solidFill>
+                            <a:srgbClr val="000000"/>
+                          </a:solidFill>
+                          <a:effectLst/>
+                          <a:latin typeface="Calibri" panose="020F0502020204030204" pitchFamily="34" charset="0"/>
+                        </a:rPr>
+                        <a:t>All Other Variables</a:t>
+                      </a:r>
+                    </a:p>
+                  </a:txBody>
+                  <a:tcPr marL="7620" marR="7620" marT="7620" marB="0" anchor="b">
+                    <a:lnL w="6350" cap="flat" cmpd="sng" algn="ctr">
+                      <a:solidFill>
+                        <a:srgbClr val="000000"/>
+                      </a:solidFill>
+                      <a:prstDash val="solid"/>
+                      <a:round/>
+                      <a:headEnd type="none" w="med" len="med"/>
+                      <a:tailEnd type="none" w="med" len="med"/>
+                    </a:lnL>
+                    <a:lnR w="6350" cap="flat" cmpd="sng" algn="ctr">
+                      <a:solidFill>
+                        <a:srgbClr val="000000"/>
+                      </a:solidFill>
+                      <a:prstDash val="solid"/>
+                      <a:round/>
+                      <a:headEnd type="none" w="med" len="med"/>
+                      <a:tailEnd type="none" w="med" len="med"/>
+                    </a:lnR>
+                    <a:lnT w="6350" cap="flat" cmpd="sng" algn="ctr">
+                      <a:solidFill>
+                        <a:srgbClr val="000000"/>
+                      </a:solidFill>
+                      <a:prstDash val="solid"/>
+                      <a:round/>
+                      <a:headEnd type="none" w="med" len="med"/>
+                      <a:tailEnd type="none" w="med" len="med"/>
+                    </a:lnT>
+                    <a:lnB w="6350" cap="flat" cmpd="sng" algn="ctr">
+                      <a:solidFill>
+                        <a:srgbClr val="000000"/>
+                      </a:solidFill>
+                      <a:prstDash val="solid"/>
+                      <a:round/>
+                      <a:headEnd type="none" w="med" len="med"/>
+                      <a:tailEnd type="none" w="med" len="med"/>
+                    </a:lnB>
+                  </a:tcPr>
+                </a:tc>
+                <a:tc>
+                  <a:txBody>
+                    <a:bodyPr/>
+                    <a:lstStyle/>
+                    <a:p>
+                      <a:pPr algn="r" fontAlgn="b"/>
+                      <a:r>
+                        <a:rPr lang="en-US" sz="1100" b="0" i="0" u="none" strike="noStrike" dirty="0">
+                          <a:solidFill>
+                            <a:srgbClr val="000000"/>
+                          </a:solidFill>
+                          <a:effectLst/>
+                          <a:latin typeface="Calibri" panose="020F0502020204030204" pitchFamily="34" charset="0"/>
+                        </a:rPr>
+                        <a:t>0.0%</a:t>
+                      </a:r>
+                    </a:p>
+                  </a:txBody>
+                  <a:tcPr marL="7620" marR="7620" marT="7620" marB="0" anchor="b">
+                    <a:lnL w="6350" cap="flat" cmpd="sng" algn="ctr">
+                      <a:solidFill>
+                        <a:srgbClr val="000000"/>
+                      </a:solidFill>
+                      <a:prstDash val="solid"/>
+                      <a:round/>
+                      <a:headEnd type="none" w="med" len="med"/>
+                      <a:tailEnd type="none" w="med" len="med"/>
+                    </a:lnL>
+                    <a:lnR w="6350" cap="flat" cmpd="sng" algn="ctr">
+                      <a:solidFill>
+                        <a:srgbClr val="000000"/>
+                      </a:solidFill>
+                      <a:prstDash val="solid"/>
+                      <a:round/>
+                      <a:headEnd type="none" w="med" len="med"/>
+                      <a:tailEnd type="none" w="med" len="med"/>
+                    </a:lnR>
+                    <a:lnT w="6350" cap="flat" cmpd="sng" algn="ctr">
+                      <a:solidFill>
+                        <a:srgbClr val="000000"/>
+                      </a:solidFill>
+                      <a:prstDash val="solid"/>
+                      <a:round/>
+                      <a:headEnd type="none" w="med" len="med"/>
+                      <a:tailEnd type="none" w="med" len="med"/>
+                    </a:lnT>
+                    <a:lnB w="6350" cap="flat" cmpd="sng" algn="ctr">
+                      <a:solidFill>
+                        <a:srgbClr val="000000"/>
+                      </a:solidFill>
+                      <a:prstDash val="solid"/>
+                      <a:round/>
+                      <a:headEnd type="none" w="med" len="med"/>
+                      <a:tailEnd type="none" w="med" len="med"/>
+                    </a:lnB>
+                  </a:tcPr>
+                </a:tc>
+                <a:extLst>
+                  <a:ext uri="{0D108BD9-81ED-4DB2-BD59-A6C34878D82A}">
+                    <a16:rowId xmlns:a16="http://schemas.microsoft.com/office/drawing/2014/main" val="3941084018"/>
+                  </a:ext>
+                </a:extLst>
+              </a:tr>
+            </a:tbl>
+          </a:graphicData>
+        </a:graphic>
+      </p:graphicFrame>
+      <p:cxnSp>
+        <p:nvCxnSpPr>
+          <p:cNvPr id="15" name="Straight Arrow Connector 14">
+            <a:extLst>
+              <a:ext uri="{FF2B5EF4-FFF2-40B4-BE49-F238E27FC236}">
+                <a16:creationId xmlns:a16="http://schemas.microsoft.com/office/drawing/2014/main" id="{6F16FE75-1357-404F-8C5B-7529A7F661A1}"/>
+              </a:ext>
+            </a:extLst>
+          </p:cNvPr>
+          <p:cNvCxnSpPr/>
+          <p:nvPr/>
+        </p:nvCxnSpPr>
+        <p:spPr>
+          <a:xfrm flipH="1">
+            <a:off x="6522720" y="3200400"/>
+            <a:ext cx="952500" cy="617220"/>
+          </a:xfrm>
+          <a:prstGeom prst="straightConnector1">
+            <a:avLst/>
+          </a:prstGeom>
+          <a:ln>
+            <a:tailEnd type="triangle"/>
+          </a:ln>
+        </p:spPr>
+        <p:style>
+          <a:lnRef idx="1">
+            <a:schemeClr val="accent1"/>
+          </a:lnRef>
+          <a:fillRef idx="0">
+            <a:schemeClr val="accent1"/>
+          </a:fillRef>
+          <a:effectRef idx="0">
+            <a:schemeClr val="accent1"/>
+          </a:effectRef>
+          <a:fontRef idx="minor">
+            <a:schemeClr val="tx1"/>
+          </a:fontRef>
+        </p:style>
+      </p:cxnSp>
+      <p:sp>
+        <p:nvSpPr>
+          <p:cNvPr id="16" name="TextBox 15">
+            <a:extLst>
+              <a:ext uri="{FF2B5EF4-FFF2-40B4-BE49-F238E27FC236}">
+                <a16:creationId xmlns:a16="http://schemas.microsoft.com/office/drawing/2014/main" id="{2E1DC617-9C0C-4346-AA20-731BC0CAADC2}"/>
+              </a:ext>
+            </a:extLst>
+          </p:cNvPr>
+          <p:cNvSpPr txBox="1"/>
+          <p:nvPr/>
+        </p:nvSpPr>
         <p:spPr>
           <a:xfrm>
-            <a:off x="646893" y="1452995"/>
-            <a:ext cx="3925100" cy="3383070"/>
+            <a:off x="7475220" y="2874637"/>
+            <a:ext cx="1440180" cy="646331"/>
           </a:xfrm>
           <a:prstGeom prst="rect">
             <a:avLst/>
           </a:prstGeom>
+          <a:noFill/>
         </p:spPr>
-      </p:pic>
-      <p:pic>
-        <p:nvPicPr>
-          <p:cNvPr id="6" name="table">
+        <p:txBody>
+          <a:bodyPr wrap="square" rtlCol="0">
+            <a:spAutoFit/>
+          </a:bodyPr>
+          <a:lstStyle/>
+          <a:p>
+            <a:r>
+              <a:rPr lang="en-US" dirty="0"/>
+              <a:t>This is not concerning</a:t>
+            </a:r>
+          </a:p>
+        </p:txBody>
+      </p:sp>
+      <p:cxnSp>
+        <p:nvCxnSpPr>
+          <p:cNvPr id="20" name="Straight Arrow Connector 19">
             <a:extLst>
               <a:ext uri="{FF2B5EF4-FFF2-40B4-BE49-F238E27FC236}">
-                <a16:creationId xmlns:a16="http://schemas.microsoft.com/office/drawing/2014/main" id="{C86B40BC-4414-4AA3-97DB-1D399644EE75}"/>
+                <a16:creationId xmlns:a16="http://schemas.microsoft.com/office/drawing/2014/main" id="{B84A3990-1B9D-42A0-B691-AB319323E823}"/>
               </a:ext>
             </a:extLst>
           </p:cNvPr>
-          <p:cNvPicPr>
-            <a:picLocks noChangeAspect="1"/>
-          </p:cNvPicPr>
+          <p:cNvCxnSpPr/>
           <p:nvPr/>
-        </p:nvPicPr>
-        <p:blipFill>
-          <a:blip r:embed="rId3"/>
-          <a:stretch>
-            <a:fillRect/>
-          </a:stretch>
-        </p:blipFill>
+        </p:nvCxnSpPr>
+        <p:spPr>
+          <a:xfrm flipH="1" flipV="1">
+            <a:off x="6522720" y="4084320"/>
+            <a:ext cx="1021080" cy="518160"/>
+          </a:xfrm>
+          <a:prstGeom prst="straightConnector1">
+            <a:avLst/>
+          </a:prstGeom>
+          <a:ln>
+            <a:tailEnd type="triangle"/>
+          </a:ln>
+        </p:spPr>
+        <p:style>
+          <a:lnRef idx="1">
+            <a:schemeClr val="accent1"/>
+          </a:lnRef>
+          <a:fillRef idx="0">
+            <a:schemeClr val="accent1"/>
+          </a:fillRef>
+          <a:effectRef idx="0">
+            <a:schemeClr val="accent1"/>
+          </a:effectRef>
+          <a:fontRef idx="minor">
+            <a:schemeClr val="tx1"/>
+          </a:fontRef>
+        </p:style>
+      </p:cxnSp>
+      <p:sp>
+        <p:nvSpPr>
+          <p:cNvPr id="21" name="TextBox 20">
+            <a:extLst>
+              <a:ext uri="{FF2B5EF4-FFF2-40B4-BE49-F238E27FC236}">
+                <a16:creationId xmlns:a16="http://schemas.microsoft.com/office/drawing/2014/main" id="{8ED64A71-F1C6-43A8-AC2E-0EA3D869E426}"/>
+              </a:ext>
+            </a:extLst>
+          </p:cNvPr>
+          <p:cNvSpPr txBox="1"/>
+          <p:nvPr/>
+        </p:nvSpPr>
         <p:spPr>
           <a:xfrm>
-            <a:off x="5002043" y="1452995"/>
-            <a:ext cx="3654750" cy="3383070"/>
+            <a:off x="7627620" y="4484278"/>
+            <a:ext cx="1287780" cy="369332"/>
           </a:xfrm>
           <a:prstGeom prst="rect">
             <a:avLst/>
           </a:prstGeom>
+          <a:noFill/>
         </p:spPr>
-      </p:pic>
+        <p:txBody>
+          <a:bodyPr wrap="square" rtlCol="0">
+            <a:spAutoFit/>
+          </a:bodyPr>
+          <a:lstStyle/>
+          <a:p>
+            <a:r>
+              <a:rPr lang="en-US" dirty="0"/>
+              <a:t>This is</a:t>
+            </a:r>
+          </a:p>
+        </p:txBody>
+      </p:sp>
+      <p:sp>
+        <p:nvSpPr>
+          <p:cNvPr id="22" name="TextBox 21">
+            <a:extLst>
+              <a:ext uri="{FF2B5EF4-FFF2-40B4-BE49-F238E27FC236}">
+                <a16:creationId xmlns:a16="http://schemas.microsoft.com/office/drawing/2014/main" id="{9A1C842F-9BEE-48D3-ABD0-3777759DE859}"/>
+              </a:ext>
+            </a:extLst>
+          </p:cNvPr>
+          <p:cNvSpPr txBox="1"/>
+          <p:nvPr/>
+        </p:nvSpPr>
+        <p:spPr>
+          <a:xfrm>
+            <a:off x="1668780" y="4968240"/>
+            <a:ext cx="5875020" cy="646331"/>
+          </a:xfrm>
+          <a:prstGeom prst="rect">
+            <a:avLst/>
+          </a:prstGeom>
+          <a:noFill/>
+        </p:spPr>
+        <p:txBody>
+          <a:bodyPr wrap="square" rtlCol="0">
+            <a:spAutoFit/>
+          </a:bodyPr>
+          <a:lstStyle/>
+          <a:p>
+            <a:r>
+              <a:rPr lang="en-US" dirty="0"/>
+              <a:t>Question for Future Consideration: How to we get these values back into our data?</a:t>
+            </a:r>
+          </a:p>
+        </p:txBody>
+      </p:sp>
     </p:spTree>
     <p:extLst>
       <p:ext uri="{BB962C8B-B14F-4D97-AF65-F5344CB8AC3E}">
@@ -3050,6 +10839,460 @@
   <p:clrMapOvr>
     <a:masterClrMapping/>
   </p:clrMapOvr>
+  <p:timing>
+    <p:tnLst>
+      <p:par>
+        <p:cTn id="1" dur="indefinite" restart="never" nodeType="tmRoot">
+          <p:childTnLst>
+            <p:seq concurrent="1" nextAc="seek">
+              <p:cTn id="2" dur="indefinite" nodeType="mainSeq">
+                <p:childTnLst>
+                  <p:par>
+                    <p:cTn id="3" fill="hold">
+                      <p:stCondLst>
+                        <p:cond delay="indefinite"/>
+                      </p:stCondLst>
+                      <p:childTnLst>
+                        <p:par>
+                          <p:cTn id="4" fill="hold">
+                            <p:stCondLst>
+                              <p:cond delay="0"/>
+                            </p:stCondLst>
+                            <p:childTnLst>
+                              <p:par>
+                                <p:cTn id="5" presetID="2" presetClass="entr" presetSubtype="4" fill="hold" grpId="0" nodeType="clickEffect">
+                                  <p:stCondLst>
+                                    <p:cond delay="0"/>
+                                  </p:stCondLst>
+                                  <p:childTnLst>
+                                    <p:set>
+                                      <p:cBhvr>
+                                        <p:cTn id="6" dur="1" fill="hold">
+                                          <p:stCondLst>
+                                            <p:cond delay="0"/>
+                                          </p:stCondLst>
+                                        </p:cTn>
+                                        <p:tgtEl>
+                                          <p:spTgt spid="16"/>
+                                        </p:tgtEl>
+                                        <p:attrNameLst>
+                                          <p:attrName>style.visibility</p:attrName>
+                                        </p:attrNameLst>
+                                      </p:cBhvr>
+                                      <p:to>
+                                        <p:strVal val="visible"/>
+                                      </p:to>
+                                    </p:set>
+                                    <p:anim calcmode="lin" valueType="num">
+                                      <p:cBhvr additive="base">
+                                        <p:cTn id="7" dur="500" fill="hold"/>
+                                        <p:tgtEl>
+                                          <p:spTgt spid="16"/>
+                                        </p:tgtEl>
+                                        <p:attrNameLst>
+                                          <p:attrName>ppt_x</p:attrName>
+                                        </p:attrNameLst>
+                                      </p:cBhvr>
+                                      <p:tavLst>
+                                        <p:tav tm="0">
+                                          <p:val>
+                                            <p:strVal val="#ppt_x"/>
+                                          </p:val>
+                                        </p:tav>
+                                        <p:tav tm="100000">
+                                          <p:val>
+                                            <p:strVal val="#ppt_x"/>
+                                          </p:val>
+                                        </p:tav>
+                                      </p:tavLst>
+                                    </p:anim>
+                                    <p:anim calcmode="lin" valueType="num">
+                                      <p:cBhvr additive="base">
+                                        <p:cTn id="8" dur="500" fill="hold"/>
+                                        <p:tgtEl>
+                                          <p:spTgt spid="16"/>
+                                        </p:tgtEl>
+                                        <p:attrNameLst>
+                                          <p:attrName>ppt_y</p:attrName>
+                                        </p:attrNameLst>
+                                      </p:cBhvr>
+                                      <p:tavLst>
+                                        <p:tav tm="0">
+                                          <p:val>
+                                            <p:strVal val="1+#ppt_h/2"/>
+                                          </p:val>
+                                        </p:tav>
+                                        <p:tav tm="100000">
+                                          <p:val>
+                                            <p:strVal val="#ppt_y"/>
+                                          </p:val>
+                                        </p:tav>
+                                      </p:tavLst>
+                                    </p:anim>
+                                  </p:childTnLst>
+                                </p:cTn>
+                              </p:par>
+                              <p:par>
+                                <p:cTn id="9" presetID="2" presetClass="entr" presetSubtype="4" fill="hold" nodeType="withEffect">
+                                  <p:stCondLst>
+                                    <p:cond delay="0"/>
+                                  </p:stCondLst>
+                                  <p:childTnLst>
+                                    <p:set>
+                                      <p:cBhvr>
+                                        <p:cTn id="10" dur="1" fill="hold">
+                                          <p:stCondLst>
+                                            <p:cond delay="0"/>
+                                          </p:stCondLst>
+                                        </p:cTn>
+                                        <p:tgtEl>
+                                          <p:spTgt spid="15"/>
+                                        </p:tgtEl>
+                                        <p:attrNameLst>
+                                          <p:attrName>style.visibility</p:attrName>
+                                        </p:attrNameLst>
+                                      </p:cBhvr>
+                                      <p:to>
+                                        <p:strVal val="visible"/>
+                                      </p:to>
+                                    </p:set>
+                                    <p:anim calcmode="lin" valueType="num">
+                                      <p:cBhvr additive="base">
+                                        <p:cTn id="11" dur="500" fill="hold"/>
+                                        <p:tgtEl>
+                                          <p:spTgt spid="15"/>
+                                        </p:tgtEl>
+                                        <p:attrNameLst>
+                                          <p:attrName>ppt_x</p:attrName>
+                                        </p:attrNameLst>
+                                      </p:cBhvr>
+                                      <p:tavLst>
+                                        <p:tav tm="0">
+                                          <p:val>
+                                            <p:strVal val="#ppt_x"/>
+                                          </p:val>
+                                        </p:tav>
+                                        <p:tav tm="100000">
+                                          <p:val>
+                                            <p:strVal val="#ppt_x"/>
+                                          </p:val>
+                                        </p:tav>
+                                      </p:tavLst>
+                                    </p:anim>
+                                    <p:anim calcmode="lin" valueType="num">
+                                      <p:cBhvr additive="base">
+                                        <p:cTn id="12" dur="500" fill="hold"/>
+                                        <p:tgtEl>
+                                          <p:spTgt spid="15"/>
+                                        </p:tgtEl>
+                                        <p:attrNameLst>
+                                          <p:attrName>ppt_y</p:attrName>
+                                        </p:attrNameLst>
+                                      </p:cBhvr>
+                                      <p:tavLst>
+                                        <p:tav tm="0">
+                                          <p:val>
+                                            <p:strVal val="1+#ppt_h/2"/>
+                                          </p:val>
+                                        </p:tav>
+                                        <p:tav tm="100000">
+                                          <p:val>
+                                            <p:strVal val="#ppt_y"/>
+                                          </p:val>
+                                        </p:tav>
+                                      </p:tavLst>
+                                    </p:anim>
+                                  </p:childTnLst>
+                                </p:cTn>
+                              </p:par>
+                            </p:childTnLst>
+                          </p:cTn>
+                        </p:par>
+                      </p:childTnLst>
+                    </p:cTn>
+                  </p:par>
+                  <p:par>
+                    <p:cTn id="13" fill="hold">
+                      <p:stCondLst>
+                        <p:cond delay="indefinite"/>
+                      </p:stCondLst>
+                      <p:childTnLst>
+                        <p:par>
+                          <p:cTn id="14" fill="hold">
+                            <p:stCondLst>
+                              <p:cond delay="0"/>
+                            </p:stCondLst>
+                            <p:childTnLst>
+                              <p:par>
+                                <p:cTn id="15" presetID="2" presetClass="entr" presetSubtype="4" fill="hold" grpId="0" nodeType="clickEffect">
+                                  <p:stCondLst>
+                                    <p:cond delay="0"/>
+                                  </p:stCondLst>
+                                  <p:childTnLst>
+                                    <p:set>
+                                      <p:cBhvr>
+                                        <p:cTn id="16" dur="1" fill="hold">
+                                          <p:stCondLst>
+                                            <p:cond delay="0"/>
+                                          </p:stCondLst>
+                                        </p:cTn>
+                                        <p:tgtEl>
+                                          <p:spTgt spid="21"/>
+                                        </p:tgtEl>
+                                        <p:attrNameLst>
+                                          <p:attrName>style.visibility</p:attrName>
+                                        </p:attrNameLst>
+                                      </p:cBhvr>
+                                      <p:to>
+                                        <p:strVal val="visible"/>
+                                      </p:to>
+                                    </p:set>
+                                    <p:anim calcmode="lin" valueType="num">
+                                      <p:cBhvr additive="base">
+                                        <p:cTn id="17" dur="500" fill="hold"/>
+                                        <p:tgtEl>
+                                          <p:spTgt spid="21"/>
+                                        </p:tgtEl>
+                                        <p:attrNameLst>
+                                          <p:attrName>ppt_x</p:attrName>
+                                        </p:attrNameLst>
+                                      </p:cBhvr>
+                                      <p:tavLst>
+                                        <p:tav tm="0">
+                                          <p:val>
+                                            <p:strVal val="#ppt_x"/>
+                                          </p:val>
+                                        </p:tav>
+                                        <p:tav tm="100000">
+                                          <p:val>
+                                            <p:strVal val="#ppt_x"/>
+                                          </p:val>
+                                        </p:tav>
+                                      </p:tavLst>
+                                    </p:anim>
+                                    <p:anim calcmode="lin" valueType="num">
+                                      <p:cBhvr additive="base">
+                                        <p:cTn id="18" dur="500" fill="hold"/>
+                                        <p:tgtEl>
+                                          <p:spTgt spid="21"/>
+                                        </p:tgtEl>
+                                        <p:attrNameLst>
+                                          <p:attrName>ppt_y</p:attrName>
+                                        </p:attrNameLst>
+                                      </p:cBhvr>
+                                      <p:tavLst>
+                                        <p:tav tm="0">
+                                          <p:val>
+                                            <p:strVal val="1+#ppt_h/2"/>
+                                          </p:val>
+                                        </p:tav>
+                                        <p:tav tm="100000">
+                                          <p:val>
+                                            <p:strVal val="#ppt_y"/>
+                                          </p:val>
+                                        </p:tav>
+                                      </p:tavLst>
+                                    </p:anim>
+                                  </p:childTnLst>
+                                </p:cTn>
+                              </p:par>
+                              <p:par>
+                                <p:cTn id="19" presetID="2" presetClass="entr" presetSubtype="4" fill="hold" nodeType="withEffect">
+                                  <p:stCondLst>
+                                    <p:cond delay="0"/>
+                                  </p:stCondLst>
+                                  <p:childTnLst>
+                                    <p:set>
+                                      <p:cBhvr>
+                                        <p:cTn id="20" dur="1" fill="hold">
+                                          <p:stCondLst>
+                                            <p:cond delay="0"/>
+                                          </p:stCondLst>
+                                        </p:cTn>
+                                        <p:tgtEl>
+                                          <p:spTgt spid="20"/>
+                                        </p:tgtEl>
+                                        <p:attrNameLst>
+                                          <p:attrName>style.visibility</p:attrName>
+                                        </p:attrNameLst>
+                                      </p:cBhvr>
+                                      <p:to>
+                                        <p:strVal val="visible"/>
+                                      </p:to>
+                                    </p:set>
+                                    <p:anim calcmode="lin" valueType="num">
+                                      <p:cBhvr additive="base">
+                                        <p:cTn id="21" dur="500" fill="hold"/>
+                                        <p:tgtEl>
+                                          <p:spTgt spid="20"/>
+                                        </p:tgtEl>
+                                        <p:attrNameLst>
+                                          <p:attrName>ppt_x</p:attrName>
+                                        </p:attrNameLst>
+                                      </p:cBhvr>
+                                      <p:tavLst>
+                                        <p:tav tm="0">
+                                          <p:val>
+                                            <p:strVal val="#ppt_x"/>
+                                          </p:val>
+                                        </p:tav>
+                                        <p:tav tm="100000">
+                                          <p:val>
+                                            <p:strVal val="#ppt_x"/>
+                                          </p:val>
+                                        </p:tav>
+                                      </p:tavLst>
+                                    </p:anim>
+                                    <p:anim calcmode="lin" valueType="num">
+                                      <p:cBhvr additive="base">
+                                        <p:cTn id="22" dur="500" fill="hold"/>
+                                        <p:tgtEl>
+                                          <p:spTgt spid="20"/>
+                                        </p:tgtEl>
+                                        <p:attrNameLst>
+                                          <p:attrName>ppt_y</p:attrName>
+                                        </p:attrNameLst>
+                                      </p:cBhvr>
+                                      <p:tavLst>
+                                        <p:tav tm="0">
+                                          <p:val>
+                                            <p:strVal val="1+#ppt_h/2"/>
+                                          </p:val>
+                                        </p:tav>
+                                        <p:tav tm="100000">
+                                          <p:val>
+                                            <p:strVal val="#ppt_y"/>
+                                          </p:val>
+                                        </p:tav>
+                                      </p:tavLst>
+                                    </p:anim>
+                                  </p:childTnLst>
+                                </p:cTn>
+                              </p:par>
+                            </p:childTnLst>
+                          </p:cTn>
+                        </p:par>
+                      </p:childTnLst>
+                    </p:cTn>
+                  </p:par>
+                  <p:par>
+                    <p:cTn id="23" fill="hold">
+                      <p:stCondLst>
+                        <p:cond delay="indefinite"/>
+                      </p:stCondLst>
+                      <p:childTnLst>
+                        <p:par>
+                          <p:cTn id="24" fill="hold">
+                            <p:stCondLst>
+                              <p:cond delay="0"/>
+                            </p:stCondLst>
+                            <p:childTnLst>
+                              <p:par>
+                                <p:cTn id="25" presetID="2" presetClass="entr" presetSubtype="4" fill="hold" grpId="0" nodeType="clickEffect">
+                                  <p:stCondLst>
+                                    <p:cond delay="0"/>
+                                  </p:stCondLst>
+                                  <p:childTnLst>
+                                    <p:set>
+                                      <p:cBhvr>
+                                        <p:cTn id="26" dur="1" fill="hold">
+                                          <p:stCondLst>
+                                            <p:cond delay="0"/>
+                                          </p:stCondLst>
+                                        </p:cTn>
+                                        <p:tgtEl>
+                                          <p:spTgt spid="22"/>
+                                        </p:tgtEl>
+                                        <p:attrNameLst>
+                                          <p:attrName>style.visibility</p:attrName>
+                                        </p:attrNameLst>
+                                      </p:cBhvr>
+                                      <p:to>
+                                        <p:strVal val="visible"/>
+                                      </p:to>
+                                    </p:set>
+                                    <p:anim calcmode="lin" valueType="num">
+                                      <p:cBhvr additive="base">
+                                        <p:cTn id="27" dur="500" fill="hold"/>
+                                        <p:tgtEl>
+                                          <p:spTgt spid="22"/>
+                                        </p:tgtEl>
+                                        <p:attrNameLst>
+                                          <p:attrName>ppt_x</p:attrName>
+                                        </p:attrNameLst>
+                                      </p:cBhvr>
+                                      <p:tavLst>
+                                        <p:tav tm="0">
+                                          <p:val>
+                                            <p:strVal val="#ppt_x"/>
+                                          </p:val>
+                                        </p:tav>
+                                        <p:tav tm="100000">
+                                          <p:val>
+                                            <p:strVal val="#ppt_x"/>
+                                          </p:val>
+                                        </p:tav>
+                                      </p:tavLst>
+                                    </p:anim>
+                                    <p:anim calcmode="lin" valueType="num">
+                                      <p:cBhvr additive="base">
+                                        <p:cTn id="28" dur="500" fill="hold"/>
+                                        <p:tgtEl>
+                                          <p:spTgt spid="22"/>
+                                        </p:tgtEl>
+                                        <p:attrNameLst>
+                                          <p:attrName>ppt_y</p:attrName>
+                                        </p:attrNameLst>
+                                      </p:cBhvr>
+                                      <p:tavLst>
+                                        <p:tav tm="0">
+                                          <p:val>
+                                            <p:strVal val="1+#ppt_h/2"/>
+                                          </p:val>
+                                        </p:tav>
+                                        <p:tav tm="100000">
+                                          <p:val>
+                                            <p:strVal val="#ppt_y"/>
+                                          </p:val>
+                                        </p:tav>
+                                      </p:tavLst>
+                                    </p:anim>
+                                  </p:childTnLst>
+                                </p:cTn>
+                              </p:par>
+                            </p:childTnLst>
+                          </p:cTn>
+                        </p:par>
+                      </p:childTnLst>
+                    </p:cTn>
+                  </p:par>
+                </p:childTnLst>
+              </p:cTn>
+              <p:prevCondLst>
+                <p:cond evt="onPrev" delay="0">
+                  <p:tgtEl>
+                    <p:sldTgt/>
+                  </p:tgtEl>
+                </p:cond>
+              </p:prevCondLst>
+              <p:nextCondLst>
+                <p:cond evt="onNext" delay="0">
+                  <p:tgtEl>
+                    <p:sldTgt/>
+                  </p:tgtEl>
+                </p:cond>
+              </p:nextCondLst>
+            </p:seq>
+          </p:childTnLst>
+        </p:cTn>
+      </p:par>
+    </p:tnLst>
+    <p:bldLst>
+      <p:bldP spid="16" grpId="0"/>
+      <p:bldP spid="21" grpId="0"/>
+      <p:bldP spid="22" grpId="0"/>
+    </p:bldLst>
+  </p:timing>
 </p:sld>
 </file>
 
